--- a/主我跟你走(崇拜版).pptx
+++ b/主我跟你走(崇拜版).pptx
@@ -5,10 +5,15 @@
     <p:sldMasterId id="2147483660" r:id="rId1"/>
   </p:sldMasterIdLst>
   <p:sldIdLst>
-    <p:sldId id="257" r:id="rId2"/>
-    <p:sldId id="258" r:id="rId3"/>
-    <p:sldId id="259" r:id="rId4"/>
-    <p:sldId id="260" r:id="rId5"/>
+    <p:sldId id="261" r:id="rId2"/>
+    <p:sldId id="262" r:id="rId3"/>
+    <p:sldId id="263" r:id="rId4"/>
+    <p:sldId id="264" r:id="rId5"/>
+    <p:sldId id="265" r:id="rId6"/>
+    <p:sldId id="266" r:id="rId7"/>
+    <p:sldId id="267" r:id="rId8"/>
+    <p:sldId id="268" r:id="rId9"/>
+    <p:sldId id="269" r:id="rId10"/>
   </p:sldIdLst>
   <p:sldSz cx="12192000" cy="6858000"/>
   <p:notesSz cx="6858000" cy="9144000"/>
@@ -107,6 +112,11 @@
       </a:defRPr>
     </a:lvl9pPr>
   </p:defaultTextStyle>
+  <p:extLst>
+    <p:ext uri="{EFAFB233-063F-42B5-8137-9DF3F51BA10A}">
+      <p15:sldGuideLst xmlns:p15="http://schemas.microsoft.com/office/powerpoint/2012/main"/>
+    </p:ext>
+  </p:extLst>
 </p:presentation>
 </file>
 
@@ -291,7 +301,7 @@
           <a:p>
             <a:fld id="{8523CD9F-3F00-440D-898E-05747CA14AE3}" type="datetimeFigureOut">
               <a:rPr lang="vi-VN" smtClean="0"/>
-              <a:t>18/04/2020</a:t>
+              <a:t>02/02/2022</a:t>
             </a:fld>
             <a:endParaRPr lang="vi-VN"/>
           </a:p>
@@ -461,7 +471,7 @@
           <a:p>
             <a:fld id="{8523CD9F-3F00-440D-898E-05747CA14AE3}" type="datetimeFigureOut">
               <a:rPr lang="vi-VN" smtClean="0"/>
-              <a:t>18/04/2020</a:t>
+              <a:t>02/02/2022</a:t>
             </a:fld>
             <a:endParaRPr lang="vi-VN"/>
           </a:p>
@@ -641,7 +651,7 @@
           <a:p>
             <a:fld id="{8523CD9F-3F00-440D-898E-05747CA14AE3}" type="datetimeFigureOut">
               <a:rPr lang="vi-VN" smtClean="0"/>
-              <a:t>18/04/2020</a:t>
+              <a:t>02/02/2022</a:t>
             </a:fld>
             <a:endParaRPr lang="vi-VN"/>
           </a:p>
@@ -811,7 +821,7 @@
           <a:p>
             <a:fld id="{8523CD9F-3F00-440D-898E-05747CA14AE3}" type="datetimeFigureOut">
               <a:rPr lang="vi-VN" smtClean="0"/>
-              <a:t>18/04/2020</a:t>
+              <a:t>02/02/2022</a:t>
             </a:fld>
             <a:endParaRPr lang="vi-VN"/>
           </a:p>
@@ -1057,7 +1067,7 @@
           <a:p>
             <a:fld id="{8523CD9F-3F00-440D-898E-05747CA14AE3}" type="datetimeFigureOut">
               <a:rPr lang="vi-VN" smtClean="0"/>
-              <a:t>18/04/2020</a:t>
+              <a:t>02/02/2022</a:t>
             </a:fld>
             <a:endParaRPr lang="vi-VN"/>
           </a:p>
@@ -1345,7 +1355,7 @@
           <a:p>
             <a:fld id="{8523CD9F-3F00-440D-898E-05747CA14AE3}" type="datetimeFigureOut">
               <a:rPr lang="vi-VN" smtClean="0"/>
-              <a:t>18/04/2020</a:t>
+              <a:t>02/02/2022</a:t>
             </a:fld>
             <a:endParaRPr lang="vi-VN"/>
           </a:p>
@@ -1767,7 +1777,7 @@
           <a:p>
             <a:fld id="{8523CD9F-3F00-440D-898E-05747CA14AE3}" type="datetimeFigureOut">
               <a:rPr lang="vi-VN" smtClean="0"/>
-              <a:t>18/04/2020</a:t>
+              <a:t>02/02/2022</a:t>
             </a:fld>
             <a:endParaRPr lang="vi-VN"/>
           </a:p>
@@ -1885,7 +1895,7 @@
           <a:p>
             <a:fld id="{8523CD9F-3F00-440D-898E-05747CA14AE3}" type="datetimeFigureOut">
               <a:rPr lang="vi-VN" smtClean="0"/>
-              <a:t>18/04/2020</a:t>
+              <a:t>02/02/2022</a:t>
             </a:fld>
             <a:endParaRPr lang="vi-VN"/>
           </a:p>
@@ -1980,7 +1990,7 @@
           <a:p>
             <a:fld id="{8523CD9F-3F00-440D-898E-05747CA14AE3}" type="datetimeFigureOut">
               <a:rPr lang="vi-VN" smtClean="0"/>
-              <a:t>18/04/2020</a:t>
+              <a:t>02/02/2022</a:t>
             </a:fld>
             <a:endParaRPr lang="vi-VN"/>
           </a:p>
@@ -2257,7 +2267,7 @@
           <a:p>
             <a:fld id="{8523CD9F-3F00-440D-898E-05747CA14AE3}" type="datetimeFigureOut">
               <a:rPr lang="vi-VN" smtClean="0"/>
-              <a:t>18/04/2020</a:t>
+              <a:t>02/02/2022</a:t>
             </a:fld>
             <a:endParaRPr lang="vi-VN"/>
           </a:p>
@@ -2514,7 +2524,7 @@
           <a:p>
             <a:fld id="{8523CD9F-3F00-440D-898E-05747CA14AE3}" type="datetimeFigureOut">
               <a:rPr lang="vi-VN" smtClean="0"/>
-              <a:t>18/04/2020</a:t>
+              <a:t>02/02/2022</a:t>
             </a:fld>
             <a:endParaRPr lang="vi-VN"/>
           </a:p>
@@ -2732,7 +2742,7 @@
           <a:p>
             <a:fld id="{8523CD9F-3F00-440D-898E-05747CA14AE3}" type="datetimeFigureOut">
               <a:rPr lang="vi-VN" smtClean="0"/>
-              <a:t>18/04/2020</a:t>
+              <a:t>02/02/2022</a:t>
             </a:fld>
             <a:endParaRPr lang="vi-VN"/>
           </a:p>
@@ -3109,7 +3119,7 @@
       </p:grpSpPr>
       <p:sp>
         <p:nvSpPr>
-          <p:cNvPr id="2" name="Title 1"/>
+          <p:cNvPr id="4" name="標題 3"/>
           <p:cNvSpPr>
             <a:spLocks noGrp="1"/>
           </p:cNvSpPr>
@@ -3117,236 +3127,65 @@
             <p:ph type="title"/>
           </p:nvPr>
         </p:nvSpPr>
-        <p:spPr/>
-        <p:txBody>
-          <a:bodyPr>
-            <a:normAutofit/>
-          </a:bodyPr>
-          <a:lstStyle/>
-          <a:p>
-            <a:r>
-              <a:rPr lang="zh-CN" altLang="en-US" sz="4800" b="1" dirty="0">
-                <a:latin typeface="Microsoft JhengHei" panose="020B0604030504040204" pitchFamily="34" charset="-120"/>
-                <a:ea typeface="Microsoft JhengHei" panose="020B0604030504040204" pitchFamily="34" charset="-120"/>
-              </a:rPr>
-              <a:t>主我</a:t>
-            </a:r>
-            <a:r>
-              <a:rPr lang="zh-CN" altLang="en-US" sz="4800" b="1" dirty="0" smtClean="0">
-                <a:latin typeface="Microsoft JhengHei" panose="020B0604030504040204" pitchFamily="34" charset="-120"/>
-                <a:ea typeface="Microsoft JhengHei" panose="020B0604030504040204" pitchFamily="34" charset="-120"/>
-              </a:rPr>
-              <a:t>跟袮走</a:t>
-            </a:r>
-            <a:endParaRPr lang="vi-VN" sz="4800" b="1" dirty="0">
-              <a:ea typeface="Microsoft JhengHei" panose="020B0604030504040204" pitchFamily="34" charset="-120"/>
-            </a:endParaRPr>
-          </a:p>
-        </p:txBody>
-      </p:sp>
-      <p:sp>
-        <p:nvSpPr>
-          <p:cNvPr id="3" name="Content Placeholder 2"/>
-          <p:cNvSpPr>
-            <a:spLocks noGrp="1"/>
-          </p:cNvSpPr>
-          <p:nvPr>
-            <p:ph idx="1"/>
-          </p:nvPr>
-        </p:nvSpPr>
-        <p:spPr/>
+        <p:spPr>
+          <a:xfrm>
+            <a:off x="0" y="2660915"/>
+            <a:ext cx="12192000" cy="1143000"/>
+          </a:xfrm>
+        </p:spPr>
         <p:txBody>
           <a:bodyPr>
             <a:noAutofit/>
           </a:bodyPr>
           <a:lstStyle/>
           <a:p>
-            <a:pPr marL="0" indent="0" algn="ctr">
-              <a:buNone/>
-            </a:pPr>
-            <a:r>
-              <a:rPr lang="zh-TW" altLang="en-US" sz="5400" b="1" dirty="0" smtClean="0">
-                <a:latin typeface="Microsoft JhengHei" panose="020B0604030504040204" pitchFamily="34" charset="-120"/>
-                <a:ea typeface="Microsoft JhengHei" panose="020B0604030504040204" pitchFamily="34" charset="-120"/>
+            <a:r>
+              <a:rPr lang="zh-CN" altLang="en-US" sz="7200" b="1" i="1" dirty="0">
+                <a:solidFill>
+                  <a:srgbClr val="660033"/>
+                </a:solidFill>
+                <a:effectLst>
+                  <a:outerShdw blurRad="38100" dist="38100" dir="2700000" algn="tl">
+                    <a:srgbClr val="000000">
+                      <a:alpha val="43137"/>
+                    </a:srgbClr>
+                  </a:outerShdw>
+                </a:effectLst>
+                <a:latin typeface="微軟正黑體" pitchFamily="34" charset="-120"/>
+                <a:ea typeface="微軟正黑體" pitchFamily="34" charset="-120"/>
               </a:rPr>
               <a:t>主</a:t>
             </a:r>
             <a:r>
-              <a:rPr lang="zh-CN" altLang="en-US" sz="5400" b="1" dirty="0">
-                <a:latin typeface="Microsoft JhengHei" panose="020B0604030504040204" pitchFamily="34" charset="-120"/>
-                <a:ea typeface="Microsoft JhengHei" panose="020B0604030504040204" pitchFamily="34" charset="-120"/>
-              </a:rPr>
-              <a:t>袮</a:t>
-            </a:r>
-            <a:r>
-              <a:rPr lang="zh-TW" altLang="en-US" sz="5400" b="1" dirty="0" smtClean="0">
-                <a:latin typeface="Microsoft JhengHei" panose="020B0604030504040204" pitchFamily="34" charset="-120"/>
-                <a:ea typeface="Microsoft JhengHei" panose="020B0604030504040204" pitchFamily="34" charset="-120"/>
-              </a:rPr>
-              <a:t>跟</a:t>
-            </a:r>
-            <a:r>
-              <a:rPr lang="zh-TW" altLang="en-US" sz="5400" b="1" dirty="0">
-                <a:latin typeface="Microsoft JhengHei" panose="020B0604030504040204" pitchFamily="34" charset="-120"/>
-                <a:ea typeface="Microsoft JhengHei" panose="020B0604030504040204" pitchFamily="34" charset="-120"/>
-              </a:rPr>
-              <a:t>我</a:t>
-            </a:r>
-            <a:r>
-              <a:rPr lang="zh-TW" altLang="en-US" sz="5400" b="1" dirty="0" smtClean="0">
-                <a:latin typeface="Microsoft JhengHei" panose="020B0604030504040204" pitchFamily="34" charset="-120"/>
-                <a:ea typeface="Microsoft JhengHei" panose="020B0604030504040204" pitchFamily="34" charset="-120"/>
-              </a:rPr>
-              <a:t>走  往</a:t>
-            </a:r>
-            <a:r>
-              <a:rPr lang="zh-TW" altLang="en-US" sz="5400" b="1" dirty="0">
-                <a:latin typeface="Microsoft JhengHei" panose="020B0604030504040204" pitchFamily="34" charset="-120"/>
-                <a:ea typeface="Microsoft JhengHei" panose="020B0604030504040204" pitchFamily="34" charset="-120"/>
-              </a:rPr>
-              <a:t>普天下</a:t>
-            </a:r>
-            <a:r>
-              <a:rPr lang="zh-TW" altLang="en-US" sz="5400" b="1" dirty="0" smtClean="0">
-                <a:latin typeface="Microsoft JhengHei" panose="020B0604030504040204" pitchFamily="34" charset="-120"/>
-                <a:ea typeface="Microsoft JhengHei" panose="020B0604030504040204" pitchFamily="34" charset="-120"/>
-              </a:rPr>
-              <a:t>走</a:t>
-            </a:r>
-            <a:endParaRPr lang="en-US" altLang="zh-TW" sz="5400" b="1" dirty="0" smtClean="0">
-              <a:latin typeface="Microsoft JhengHei" panose="020B0604030504040204" pitchFamily="34" charset="-120"/>
-              <a:ea typeface="Microsoft JhengHei" panose="020B0604030504040204" pitchFamily="34" charset="-120"/>
-            </a:endParaRPr>
-          </a:p>
-          <a:p>
-            <a:pPr marL="0" indent="0" algn="ctr">
-              <a:buNone/>
-            </a:pPr>
-            <a:r>
-              <a:rPr lang="zh-TW" altLang="en-US" sz="5400" b="1" dirty="0" smtClean="0">
-                <a:latin typeface="Microsoft JhengHei" panose="020B0604030504040204" pitchFamily="34" charset="-120"/>
-                <a:ea typeface="Microsoft JhengHei" panose="020B0604030504040204" pitchFamily="34" charset="-120"/>
-              </a:rPr>
-              <a:t>天</a:t>
-            </a:r>
-            <a:r>
-              <a:rPr lang="zh-TW" altLang="en-US" sz="5400" b="1" dirty="0">
-                <a:latin typeface="Microsoft JhengHei" panose="020B0604030504040204" pitchFamily="34" charset="-120"/>
-                <a:ea typeface="Microsoft JhengHei" panose="020B0604030504040204" pitchFamily="34" charset="-120"/>
-              </a:rPr>
-              <a:t>涯海角緊緊抓住</a:t>
-            </a:r>
-            <a:r>
-              <a:rPr lang="zh-TW" altLang="en-US" sz="5400" b="1" dirty="0" smtClean="0">
-                <a:latin typeface="Microsoft JhengHei" panose="020B0604030504040204" pitchFamily="34" charset="-120"/>
-                <a:ea typeface="Microsoft JhengHei" panose="020B0604030504040204" pitchFamily="34" charset="-120"/>
-              </a:rPr>
-              <a:t>我</a:t>
-            </a:r>
-            <a:endParaRPr lang="en-US" altLang="zh-TW" sz="5400" b="1" dirty="0">
-              <a:latin typeface="Microsoft JhengHei" panose="020B0604030504040204" pitchFamily="34" charset="-120"/>
-              <a:ea typeface="Microsoft JhengHei" panose="020B0604030504040204" pitchFamily="34" charset="-120"/>
-            </a:endParaRPr>
-          </a:p>
-          <a:p>
-            <a:pPr marL="0" indent="0" algn="ctr">
-              <a:buNone/>
-            </a:pPr>
-            <a:r>
-              <a:rPr lang="zh-TW" altLang="en-US" sz="5400" b="1" dirty="0" smtClean="0">
-                <a:latin typeface="Microsoft JhengHei" panose="020B0604030504040204" pitchFamily="34" charset="-120"/>
-                <a:ea typeface="Microsoft JhengHei" panose="020B0604030504040204" pitchFamily="34" charset="-120"/>
-              </a:rPr>
-              <a:t>主</a:t>
-            </a:r>
-            <a:r>
-              <a:rPr lang="zh-TW" altLang="en-US" sz="5400" b="1" dirty="0">
-                <a:latin typeface="Microsoft JhengHei" panose="020B0604030504040204" pitchFamily="34" charset="-120"/>
-                <a:ea typeface="Microsoft JhengHei" panose="020B0604030504040204" pitchFamily="34" charset="-120"/>
-              </a:rPr>
-              <a:t>我</a:t>
-            </a:r>
-            <a:r>
-              <a:rPr lang="zh-TW" altLang="en-US" sz="5400" b="1" dirty="0" smtClean="0">
-                <a:latin typeface="Microsoft JhengHei" panose="020B0604030504040204" pitchFamily="34" charset="-120"/>
-                <a:ea typeface="Microsoft JhengHei" panose="020B0604030504040204" pitchFamily="34" charset="-120"/>
-              </a:rPr>
-              <a:t>跟</a:t>
-            </a:r>
-            <a:r>
-              <a:rPr lang="zh-CN" altLang="en-US" sz="5400" b="1" dirty="0">
-                <a:latin typeface="Microsoft JhengHei" panose="020B0604030504040204" pitchFamily="34" charset="-120"/>
-                <a:ea typeface="Microsoft JhengHei" panose="020B0604030504040204" pitchFamily="34" charset="-120"/>
-              </a:rPr>
-              <a:t>袮</a:t>
-            </a:r>
-            <a:r>
-              <a:rPr lang="zh-TW" altLang="en-US" sz="5400" b="1" dirty="0" smtClean="0">
-                <a:latin typeface="Microsoft JhengHei" panose="020B0604030504040204" pitchFamily="34" charset="-120"/>
-                <a:ea typeface="Microsoft JhengHei" panose="020B0604030504040204" pitchFamily="34" charset="-120"/>
-              </a:rPr>
-              <a:t>走  往</a:t>
-            </a:r>
-            <a:r>
-              <a:rPr lang="zh-TW" altLang="en-US" sz="5400" b="1" dirty="0">
-                <a:latin typeface="Microsoft JhengHei" panose="020B0604030504040204" pitchFamily="34" charset="-120"/>
-                <a:ea typeface="Microsoft JhengHei" panose="020B0604030504040204" pitchFamily="34" charset="-120"/>
-              </a:rPr>
-              <a:t>普天下</a:t>
-            </a:r>
-            <a:r>
-              <a:rPr lang="zh-TW" altLang="en-US" sz="5400" b="1" dirty="0" smtClean="0">
-                <a:latin typeface="Microsoft JhengHei" panose="020B0604030504040204" pitchFamily="34" charset="-120"/>
-                <a:ea typeface="Microsoft JhengHei" panose="020B0604030504040204" pitchFamily="34" charset="-120"/>
-              </a:rPr>
-              <a:t>走</a:t>
-            </a:r>
-            <a:endParaRPr lang="en-US" altLang="zh-TW" sz="5400" b="1" dirty="0" smtClean="0">
-              <a:latin typeface="Microsoft JhengHei" panose="020B0604030504040204" pitchFamily="34" charset="-120"/>
-              <a:ea typeface="Microsoft JhengHei" panose="020B0604030504040204" pitchFamily="34" charset="-120"/>
-            </a:endParaRPr>
-          </a:p>
-          <a:p>
-            <a:pPr marL="0" indent="0" algn="ctr">
-              <a:buNone/>
-            </a:pPr>
-            <a:r>
-              <a:rPr lang="zh-TW" altLang="en-US" sz="5400" b="1" dirty="0" smtClean="0">
-                <a:latin typeface="Microsoft JhengHei" panose="020B0604030504040204" pitchFamily="34" charset="-120"/>
-                <a:ea typeface="Microsoft JhengHei" panose="020B0604030504040204" pitchFamily="34" charset="-120"/>
-              </a:rPr>
-              <a:t>死</a:t>
-            </a:r>
-            <a:r>
-              <a:rPr lang="zh-TW" altLang="en-US" sz="5400" b="1" dirty="0">
-                <a:latin typeface="Microsoft JhengHei" panose="020B0604030504040204" pitchFamily="34" charset="-120"/>
-                <a:ea typeface="Microsoft JhengHei" panose="020B0604030504040204" pitchFamily="34" charset="-120"/>
-              </a:rPr>
-              <a:t>蔭幽谷緊緊</a:t>
-            </a:r>
-            <a:r>
-              <a:rPr lang="zh-TW" altLang="en-US" sz="5400" b="1" dirty="0" smtClean="0">
-                <a:latin typeface="Microsoft JhengHei" panose="020B0604030504040204" pitchFamily="34" charset="-120"/>
-                <a:ea typeface="Microsoft JhengHei" panose="020B0604030504040204" pitchFamily="34" charset="-120"/>
-              </a:rPr>
-              <a:t>跟</a:t>
-            </a:r>
-            <a:r>
-              <a:rPr lang="zh-CN" altLang="en-US" sz="5400" b="1" dirty="0">
-                <a:latin typeface="Microsoft JhengHei" panose="020B0604030504040204" pitchFamily="34" charset="-120"/>
-                <a:ea typeface="Microsoft JhengHei" panose="020B0604030504040204" pitchFamily="34" charset="-120"/>
-              </a:rPr>
-              <a:t>袮</a:t>
-            </a:r>
-            <a:r>
-              <a:rPr lang="zh-TW" altLang="en-US" sz="5400" b="1" dirty="0" smtClean="0">
-                <a:latin typeface="Microsoft JhengHei" panose="020B0604030504040204" pitchFamily="34" charset="-120"/>
-                <a:ea typeface="Microsoft JhengHei" panose="020B0604030504040204" pitchFamily="34" charset="-120"/>
-              </a:rPr>
-              <a:t>走</a:t>
-            </a:r>
-            <a:endParaRPr lang="vi-VN" sz="5400" b="1" dirty="0">
-              <a:ea typeface="Microsoft JhengHei" panose="020B0604030504040204" pitchFamily="34" charset="-120"/>
+              <a:rPr lang="zh-CN" altLang="en-US" sz="7200" b="1" i="1" dirty="0">
+                <a:solidFill>
+                  <a:srgbClr val="660033"/>
+                </a:solidFill>
+                <a:effectLst>
+                  <a:outerShdw blurRad="38100" dist="38100" dir="2700000" algn="tl">
+                    <a:srgbClr val="000000">
+                      <a:alpha val="43137"/>
+                    </a:srgbClr>
+                  </a:outerShdw>
+                </a:effectLst>
+                <a:latin typeface="微軟正黑體" pitchFamily="34" charset="-120"/>
+                <a:ea typeface="微軟正黑體" pitchFamily="34" charset="-120"/>
+              </a:rPr>
+              <a:t>我跟袮走</a:t>
+            </a:r>
+            <a:endParaRPr lang="zh-TW" altLang="en-US" sz="7200" b="1" i="1" dirty="0">
+              <a:solidFill>
+                <a:srgbClr val="660033"/>
+              </a:solidFill>
+              <a:effectLst>
+                <a:outerShdw blurRad="38100" dist="38100" dir="2700000" algn="tl">
+                  <a:srgbClr val="000000">
+                    <a:alpha val="43137"/>
+                  </a:srgbClr>
+                </a:outerShdw>
+              </a:effectLst>
+              <a:latin typeface="微軟正黑體" pitchFamily="34" charset="-120"/>
+              <a:ea typeface="微軟正黑體" pitchFamily="34" charset="-120"/>
             </a:endParaRPr>
           </a:p>
         </p:txBody>
@@ -3354,7 +3193,7 @@
     </p:spTree>
     <p:extLst>
       <p:ext uri="{BB962C8B-B14F-4D97-AF65-F5344CB8AC3E}">
-        <p14:creationId xmlns:p14="http://schemas.microsoft.com/office/powerpoint/2010/main" val="511007563"/>
+        <p14:creationId xmlns:p14="http://schemas.microsoft.com/office/powerpoint/2010/main" val="3797250738"/>
       </p:ext>
     </p:extLst>
   </p:cSld>
@@ -3383,111 +3222,63 @@
       </p:grpSpPr>
       <p:sp>
         <p:nvSpPr>
-          <p:cNvPr id="2" name="Title 1"/>
-          <p:cNvSpPr>
-            <a:spLocks noGrp="1"/>
-          </p:cNvSpPr>
-          <p:nvPr>
-            <p:ph type="title"/>
-          </p:nvPr>
-        </p:nvSpPr>
-        <p:spPr/>
-        <p:txBody>
-          <a:bodyPr>
+          <p:cNvPr id="5" name="內容版面配置區 4"/>
+          <p:cNvSpPr>
+            <a:spLocks noGrp="1"/>
+          </p:cNvSpPr>
+          <p:nvPr>
+            <p:ph idx="1"/>
+          </p:nvPr>
+        </p:nvSpPr>
+        <p:spPr>
+          <a:xfrm>
+            <a:off x="0" y="2084851"/>
+            <a:ext cx="12192000" cy="2404863"/>
+          </a:xfrm>
+        </p:spPr>
+        <p:txBody>
+          <a:bodyPr anchor="ctr">
             <a:normAutofit/>
           </a:bodyPr>
           <a:lstStyle/>
           <a:p>
-            <a:r>
-              <a:rPr lang="zh-CN" altLang="en-US" sz="4800" b="1" dirty="0">
-                <a:latin typeface="Microsoft JhengHei" panose="020B0604030504040204" pitchFamily="34" charset="-120"/>
-                <a:ea typeface="Microsoft JhengHei" panose="020B0604030504040204" pitchFamily="34" charset="-120"/>
-              </a:rPr>
-              <a:t>主我</a:t>
-            </a:r>
-            <a:r>
-              <a:rPr lang="zh-CN" altLang="en-US" sz="4800" b="1" dirty="0" smtClean="0">
-                <a:latin typeface="Microsoft JhengHei" panose="020B0604030504040204" pitchFamily="34" charset="-120"/>
-                <a:ea typeface="Microsoft JhengHei" panose="020B0604030504040204" pitchFamily="34" charset="-120"/>
-              </a:rPr>
-              <a:t>跟袮走</a:t>
-            </a:r>
-            <a:endParaRPr lang="vi-VN" sz="4800" b="1" dirty="0">
-              <a:ea typeface="Microsoft JhengHei" panose="020B0604030504040204" pitchFamily="34" charset="-120"/>
-            </a:endParaRPr>
-          </a:p>
-        </p:txBody>
-      </p:sp>
-      <p:sp>
-        <p:nvSpPr>
-          <p:cNvPr id="3" name="Content Placeholder 2"/>
-          <p:cNvSpPr>
-            <a:spLocks noGrp="1"/>
-          </p:cNvSpPr>
-          <p:nvPr>
-            <p:ph idx="1"/>
-          </p:nvPr>
-        </p:nvSpPr>
-        <p:spPr/>
-        <p:txBody>
-          <a:bodyPr>
-            <a:noAutofit/>
-          </a:bodyPr>
-          <a:lstStyle/>
-          <a:p>
             <a:pPr marL="0" indent="0" algn="ctr">
               <a:buNone/>
             </a:pPr>
             <a:r>
-              <a:rPr lang="zh-TW" altLang="en-US" sz="5400" b="1" dirty="0" smtClean="0">
-                <a:latin typeface="Microsoft JhengHei" panose="020B0604030504040204" pitchFamily="34" charset="-120"/>
-                <a:ea typeface="Microsoft JhengHei" panose="020B0604030504040204" pitchFamily="34" charset="-120"/>
-              </a:rPr>
-              <a:t>因</a:t>
-            </a:r>
-            <a:r>
-              <a:rPr lang="zh-CN" altLang="en-US" sz="5400" b="1" dirty="0">
+              <a:rPr lang="zh-TW" altLang="en-US" sz="6400" b="1" dirty="0">
+                <a:solidFill>
+                  <a:srgbClr val="660033"/>
+                </a:solidFill>
+                <a:latin typeface="Microsoft JhengHei" panose="020B0604030504040204" pitchFamily="34" charset="-120"/>
+                <a:ea typeface="Microsoft JhengHei" panose="020B0604030504040204" pitchFamily="34" charset="-120"/>
+              </a:rPr>
+              <a:t>主</a:t>
+            </a:r>
+            <a:r>
+              <a:rPr lang="zh-CN" altLang="en-US" sz="6400" b="1" dirty="0">
+                <a:solidFill>
+                  <a:srgbClr val="660033"/>
+                </a:solidFill>
                 <a:latin typeface="Microsoft JhengHei" panose="020B0604030504040204" pitchFamily="34" charset="-120"/>
                 <a:ea typeface="Microsoft JhengHei" panose="020B0604030504040204" pitchFamily="34" charset="-120"/>
               </a:rPr>
               <a:t>袮</a:t>
             </a:r>
             <a:r>
-              <a:rPr lang="zh-TW" altLang="en-US" sz="5400" b="1" dirty="0" smtClean="0">
-                <a:latin typeface="Microsoft JhengHei" panose="020B0604030504040204" pitchFamily="34" charset="-120"/>
-                <a:ea typeface="Microsoft JhengHei" panose="020B0604030504040204" pitchFamily="34" charset="-120"/>
-              </a:rPr>
-              <a:t>是</a:t>
-            </a:r>
-            <a:r>
-              <a:rPr lang="zh-TW" altLang="en-US" sz="5400" b="1" dirty="0">
-                <a:latin typeface="Microsoft JhengHei" panose="020B0604030504040204" pitchFamily="34" charset="-120"/>
-                <a:ea typeface="Microsoft JhengHei" panose="020B0604030504040204" pitchFamily="34" charset="-120"/>
-              </a:rPr>
-              <a:t>萬王之</a:t>
-            </a:r>
-            <a:r>
-              <a:rPr lang="zh-TW" altLang="en-US" sz="5400" b="1" dirty="0">
-                <a:latin typeface="Microsoft JhengHei" panose="020B0604030504040204" pitchFamily="34" charset="-120"/>
-                <a:ea typeface="Microsoft JhengHei" panose="020B0604030504040204" pitchFamily="34" charset="-120"/>
-              </a:rPr>
-              <a:t>王  萬</a:t>
-            </a:r>
-            <a:r>
-              <a:rPr lang="zh-TW" altLang="en-US" sz="5400" b="1" dirty="0">
-                <a:latin typeface="Microsoft JhengHei" panose="020B0604030504040204" pitchFamily="34" charset="-120"/>
-                <a:ea typeface="Microsoft JhengHei" panose="020B0604030504040204" pitchFamily="34" charset="-120"/>
-              </a:rPr>
-              <a:t>主之</a:t>
-            </a:r>
-            <a:r>
-              <a:rPr lang="zh-TW" altLang="en-US" sz="5400" b="1" dirty="0">
-                <a:latin typeface="Microsoft JhengHei" panose="020B0604030504040204" pitchFamily="34" charset="-120"/>
-                <a:ea typeface="Microsoft JhengHei" panose="020B0604030504040204" pitchFamily="34" charset="-120"/>
-              </a:rPr>
-              <a:t>主</a:t>
-            </a:r>
-            <a:endParaRPr lang="en-US" altLang="zh-TW" sz="5400" b="1" dirty="0">
+              <a:rPr lang="zh-TW" altLang="en-US" sz="6400" b="1" dirty="0">
+                <a:solidFill>
+                  <a:srgbClr val="660033"/>
+                </a:solidFill>
+                <a:latin typeface="Microsoft JhengHei" panose="020B0604030504040204" pitchFamily="34" charset="-120"/>
+                <a:ea typeface="Microsoft JhengHei" panose="020B0604030504040204" pitchFamily="34" charset="-120"/>
+              </a:rPr>
+              <a:t>跟我走   往普天下走</a:t>
+            </a:r>
+            <a:endParaRPr lang="en-US" altLang="zh-TW" sz="6400" b="1" dirty="0">
+              <a:solidFill>
+                <a:srgbClr val="660033"/>
+              </a:solidFill>
               <a:latin typeface="Microsoft JhengHei" panose="020B0604030504040204" pitchFamily="34" charset="-120"/>
               <a:ea typeface="Microsoft JhengHei" panose="020B0604030504040204" pitchFamily="34" charset="-120"/>
             </a:endParaRPr>
@@ -3497,138 +3288,103 @@
               <a:buNone/>
             </a:pPr>
             <a:r>
-              <a:rPr lang="zh-TW" altLang="en-US" sz="5400" b="1" dirty="0" smtClean="0">
-                <a:latin typeface="Microsoft JhengHei" panose="020B0604030504040204" pitchFamily="34" charset="-120"/>
-                <a:ea typeface="Microsoft JhengHei" panose="020B0604030504040204" pitchFamily="34" charset="-120"/>
-              </a:rPr>
-              <a:t>有</a:t>
-            </a:r>
-            <a:r>
-              <a:rPr lang="zh-CN" altLang="en-US" sz="5400" b="1" dirty="0">
-                <a:latin typeface="Microsoft JhengHei" panose="020B0604030504040204" pitchFamily="34" charset="-120"/>
-                <a:ea typeface="Microsoft JhengHei" panose="020B0604030504040204" pitchFamily="34" charset="-120"/>
-              </a:rPr>
-              <a:t>袮</a:t>
-            </a:r>
-            <a:r>
-              <a:rPr lang="zh-TW" altLang="en-US" sz="5400" b="1" dirty="0" smtClean="0">
-                <a:latin typeface="Microsoft JhengHei" panose="020B0604030504040204" pitchFamily="34" charset="-120"/>
-                <a:ea typeface="Microsoft JhengHei" panose="020B0604030504040204" pitchFamily="34" charset="-120"/>
-              </a:rPr>
-              <a:t>跟</a:t>
-            </a:r>
-            <a:r>
-              <a:rPr lang="zh-TW" altLang="en-US" sz="5400" b="1" dirty="0">
-                <a:latin typeface="Microsoft JhengHei" panose="020B0604030504040204" pitchFamily="34" charset="-120"/>
-                <a:ea typeface="Microsoft JhengHei" panose="020B0604030504040204" pitchFamily="34" charset="-120"/>
-              </a:rPr>
-              <a:t>著</a:t>
-            </a:r>
-            <a:r>
-              <a:rPr lang="zh-TW" altLang="en-US" sz="5400" b="1" dirty="0">
-                <a:latin typeface="Microsoft JhengHei" panose="020B0604030504040204" pitchFamily="34" charset="-120"/>
-                <a:ea typeface="Microsoft JhengHei" panose="020B0604030504040204" pitchFamily="34" charset="-120"/>
-              </a:rPr>
-              <a:t>我  我</a:t>
-            </a:r>
-            <a:r>
-              <a:rPr lang="zh-TW" altLang="en-US" sz="5400" b="1" dirty="0">
-                <a:latin typeface="Microsoft JhengHei" panose="020B0604030504040204" pitchFamily="34" charset="-120"/>
-                <a:ea typeface="Microsoft JhengHei" panose="020B0604030504040204" pitchFamily="34" charset="-120"/>
-              </a:rPr>
-              <a:t>還怕什</a:t>
-            </a:r>
-            <a:r>
-              <a:rPr lang="zh-TW" altLang="en-US" sz="5400" b="1" dirty="0">
-                <a:latin typeface="Microsoft JhengHei" panose="020B0604030504040204" pitchFamily="34" charset="-120"/>
-                <a:ea typeface="Microsoft JhengHei" panose="020B0604030504040204" pitchFamily="34" charset="-120"/>
-              </a:rPr>
-              <a:t>麼</a:t>
-            </a:r>
-            <a:endParaRPr lang="en-US" altLang="zh-TW" sz="5400" b="1" dirty="0">
+              <a:rPr lang="zh-TW" altLang="en-US" sz="6400" b="1" dirty="0">
+                <a:solidFill>
+                  <a:srgbClr val="660033"/>
+                </a:solidFill>
+                <a:latin typeface="Microsoft JhengHei" panose="020B0604030504040204" pitchFamily="34" charset="-120"/>
+                <a:ea typeface="Microsoft JhengHei" panose="020B0604030504040204" pitchFamily="34" charset="-120"/>
+              </a:rPr>
+              <a:t>天涯海角緊緊抓住我</a:t>
+            </a:r>
+            <a:endParaRPr lang="en-US" altLang="zh-TW" sz="6400" b="1" dirty="0">
+              <a:solidFill>
+                <a:srgbClr val="660033"/>
+              </a:solidFill>
               <a:latin typeface="Microsoft JhengHei" panose="020B0604030504040204" pitchFamily="34" charset="-120"/>
               <a:ea typeface="Microsoft JhengHei" panose="020B0604030504040204" pitchFamily="34" charset="-120"/>
             </a:endParaRPr>
           </a:p>
-          <a:p>
-            <a:pPr marL="0" indent="0" algn="ctr">
-              <a:buNone/>
-            </a:pPr>
-            <a:r>
-              <a:rPr lang="zh-TW" altLang="en-US" sz="5400" b="1" dirty="0" smtClean="0">
-                <a:latin typeface="Microsoft JhengHei" panose="020B0604030504040204" pitchFamily="34" charset="-120"/>
-                <a:ea typeface="Microsoft JhengHei" panose="020B0604030504040204" pitchFamily="34" charset="-120"/>
-              </a:rPr>
-              <a:t>因</a:t>
-            </a:r>
-            <a:r>
-              <a:rPr lang="zh-CN" altLang="en-US" sz="5400" b="1" dirty="0">
-                <a:latin typeface="Microsoft JhengHei" panose="020B0604030504040204" pitchFamily="34" charset="-120"/>
-                <a:ea typeface="Microsoft JhengHei" panose="020B0604030504040204" pitchFamily="34" charset="-120"/>
-              </a:rPr>
-              <a:t>袮</a:t>
-            </a:r>
-            <a:r>
-              <a:rPr lang="zh-TW" altLang="en-US" sz="5400" b="1" dirty="0" smtClean="0">
-                <a:latin typeface="Microsoft JhengHei" panose="020B0604030504040204" pitchFamily="34" charset="-120"/>
-                <a:ea typeface="Microsoft JhengHei" panose="020B0604030504040204" pitchFamily="34" charset="-120"/>
-              </a:rPr>
-              <a:t>已</a:t>
-            </a:r>
-            <a:r>
-              <a:rPr lang="zh-TW" altLang="en-US" sz="5400" b="1" dirty="0">
-                <a:latin typeface="Microsoft JhengHei" panose="020B0604030504040204" pitchFamily="34" charset="-120"/>
-                <a:ea typeface="Microsoft JhengHei" panose="020B0604030504040204" pitchFamily="34" charset="-120"/>
-              </a:rPr>
-              <a:t>戰勝死</a:t>
-            </a:r>
-            <a:r>
-              <a:rPr lang="zh-TW" altLang="en-US" sz="5400" b="1" dirty="0">
-                <a:latin typeface="Microsoft JhengHei" panose="020B0604030504040204" pitchFamily="34" charset="-120"/>
-                <a:ea typeface="Microsoft JhengHei" panose="020B0604030504040204" pitchFamily="34" charset="-120"/>
-              </a:rPr>
-              <a:t>亡  得</a:t>
-            </a:r>
-            <a:r>
-              <a:rPr lang="zh-TW" altLang="en-US" sz="5400" b="1" dirty="0">
-                <a:latin typeface="Microsoft JhengHei" panose="020B0604030504040204" pitchFamily="34" charset="-120"/>
-                <a:ea typeface="Microsoft JhengHei" panose="020B0604030504040204" pitchFamily="34" charset="-120"/>
-              </a:rPr>
-              <a:t>勝君</a:t>
-            </a:r>
-            <a:r>
-              <a:rPr lang="zh-TW" altLang="en-US" sz="5400" b="1" dirty="0">
-                <a:latin typeface="Microsoft JhengHei" panose="020B0604030504040204" pitchFamily="34" charset="-120"/>
-                <a:ea typeface="Microsoft JhengHei" panose="020B0604030504040204" pitchFamily="34" charset="-120"/>
-              </a:rPr>
-              <a:t>王</a:t>
-            </a:r>
-            <a:endParaRPr lang="en-US" altLang="zh-TW" sz="5400" b="1" dirty="0">
-              <a:latin typeface="Microsoft JhengHei" panose="020B0604030504040204" pitchFamily="34" charset="-120"/>
+        </p:txBody>
+      </p:sp>
+      <p:sp>
+        <p:nvSpPr>
+          <p:cNvPr id="3" name="TextBox 2"/>
+          <p:cNvSpPr txBox="1"/>
+          <p:nvPr/>
+        </p:nvSpPr>
+        <p:spPr>
+          <a:xfrm>
+            <a:off x="0" y="5061182"/>
+            <a:ext cx="12192000" cy="830997"/>
+          </a:xfrm>
+          <a:prstGeom prst="rect">
+            <a:avLst/>
+          </a:prstGeom>
+          <a:noFill/>
+        </p:spPr>
+        <p:txBody>
+          <a:bodyPr wrap="square" rtlCol="0">
+            <a:spAutoFit/>
+          </a:bodyPr>
+          <a:lstStyle/>
+          <a:p>
+            <a:pPr algn="ctr"/>
+            <a:r>
+              <a:rPr lang="en-US" sz="4800" b="1" dirty="0">
+                <a:solidFill>
+                  <a:srgbClr val="660033"/>
+                </a:solidFill>
+                <a:effectLst/>
+                <a:latin typeface="Microsoft JhengHei" panose="020B0604030504040204" pitchFamily="34" charset="-120"/>
+                <a:ea typeface="Microsoft JhengHei" panose="020B0604030504040204" pitchFamily="34" charset="-120"/>
+                <a:cs typeface="Microsoft Himalaya" panose="01010100010101010101" pitchFamily="2" charset="0"/>
+              </a:rPr>
+              <a:t>( </a:t>
+            </a:r>
+            <a:r>
+              <a:rPr lang="zh-CN" altLang="en-US" sz="4800" b="1" dirty="0">
+                <a:solidFill>
+                  <a:srgbClr val="660033"/>
+                </a:solidFill>
+                <a:effectLst/>
+                <a:latin typeface="Microsoft JhengHei" panose="020B0604030504040204" pitchFamily="34" charset="-120"/>
+                <a:ea typeface="Microsoft JhengHei" panose="020B0604030504040204" pitchFamily="34" charset="-120"/>
+                <a:cs typeface="Microsoft Himalaya" panose="01010100010101010101" pitchFamily="2" charset="0"/>
+              </a:rPr>
+              <a:t>正 </a:t>
+            </a:r>
+            <a:r>
+              <a:rPr lang="en-US" altLang="zh-CN" sz="4800" b="1" dirty="0">
+                <a:solidFill>
+                  <a:srgbClr val="660033"/>
+                </a:solidFill>
+                <a:effectLst/>
+                <a:latin typeface="Microsoft JhengHei" panose="020B0604030504040204" pitchFamily="34" charset="-120"/>
+                <a:ea typeface="Microsoft JhengHei" panose="020B0604030504040204" pitchFamily="34" charset="-120"/>
+                <a:cs typeface="Microsoft Himalaya" panose="01010100010101010101" pitchFamily="2" charset="0"/>
+              </a:rPr>
+              <a:t>1</a:t>
+            </a:r>
+            <a:r>
+              <a:rPr lang="en-US" sz="4800" b="1" dirty="0">
+                <a:solidFill>
+                  <a:srgbClr val="660033"/>
+                </a:solidFill>
+                <a:effectLst/>
+                <a:latin typeface="Microsoft JhengHei" panose="020B0604030504040204" pitchFamily="34" charset="-120"/>
+                <a:ea typeface="Microsoft JhengHei" panose="020B0604030504040204" pitchFamily="34" charset="-120"/>
+                <a:cs typeface="Microsoft Himalaya" panose="01010100010101010101" pitchFamily="2" charset="0"/>
+              </a:rPr>
+              <a:t> )</a:t>
+            </a:r>
+            <a:endParaRPr lang="vi-VN" sz="4800" b="1" dirty="0">
+              <a:solidFill>
+                <a:srgbClr val="660033"/>
+              </a:solidFill>
+              <a:effectLst/>
               <a:ea typeface="Microsoft JhengHei" panose="020B0604030504040204" pitchFamily="34" charset="-120"/>
-            </a:endParaRPr>
-          </a:p>
-          <a:p>
-            <a:pPr marL="0" indent="0" algn="ctr">
-              <a:buNone/>
-            </a:pPr>
-            <a:r>
-              <a:rPr lang="zh-TW" altLang="en-US" sz="5400" b="1" dirty="0">
-                <a:latin typeface="Microsoft JhengHei" panose="020B0604030504040204" pitchFamily="34" charset="-120"/>
-                <a:ea typeface="Microsoft JhengHei" panose="020B0604030504040204" pitchFamily="34" charset="-120"/>
-              </a:rPr>
-              <a:t>這</a:t>
-            </a:r>
-            <a:r>
-              <a:rPr lang="zh-TW" altLang="en-US" sz="5400" b="1" dirty="0">
-                <a:latin typeface="Microsoft JhengHei" panose="020B0604030504040204" pitchFamily="34" charset="-120"/>
-                <a:ea typeface="Microsoft JhengHei" panose="020B0604030504040204" pitchFamily="34" charset="-120"/>
-              </a:rPr>
-              <a:t>信心的路我永不回頭</a:t>
-            </a:r>
-            <a:endParaRPr lang="vi-VN" sz="5400" b="1" dirty="0">
-              <a:latin typeface="Microsoft JhengHei" panose="020B0604030504040204" pitchFamily="34" charset="-120"/>
-              <a:ea typeface="Microsoft JhengHei" panose="020B0604030504040204" pitchFamily="34" charset="-120"/>
+              <a:cs typeface="Microsoft Himalaya" panose="01010100010101010101" pitchFamily="2" charset="0"/>
             </a:endParaRPr>
           </a:p>
         </p:txBody>
@@ -3636,7 +3392,7 @@
     </p:spTree>
     <p:extLst>
       <p:ext uri="{BB962C8B-B14F-4D97-AF65-F5344CB8AC3E}">
-        <p14:creationId xmlns:p14="http://schemas.microsoft.com/office/powerpoint/2010/main" val="1120183084"/>
+        <p14:creationId xmlns:p14="http://schemas.microsoft.com/office/powerpoint/2010/main" val="3228779262"/>
       </p:ext>
     </p:extLst>
   </p:cSld>
@@ -3665,90 +3421,83 @@
       </p:grpSpPr>
       <p:sp>
         <p:nvSpPr>
-          <p:cNvPr id="2" name="Title 1"/>
-          <p:cNvSpPr>
-            <a:spLocks noGrp="1"/>
-          </p:cNvSpPr>
-          <p:nvPr>
-            <p:ph type="title"/>
-          </p:nvPr>
-        </p:nvSpPr>
-        <p:spPr/>
-        <p:txBody>
-          <a:bodyPr>
+          <p:cNvPr id="5" name="內容版面配置區 4"/>
+          <p:cNvSpPr>
+            <a:spLocks noGrp="1"/>
+          </p:cNvSpPr>
+          <p:nvPr>
+            <p:ph idx="1"/>
+          </p:nvPr>
+        </p:nvSpPr>
+        <p:spPr>
+          <a:xfrm>
+            <a:off x="0" y="2084851"/>
+            <a:ext cx="12192000" cy="2404863"/>
+          </a:xfrm>
+        </p:spPr>
+        <p:txBody>
+          <a:bodyPr anchor="ctr">
             <a:normAutofit/>
           </a:bodyPr>
           <a:lstStyle/>
           <a:p>
-            <a:r>
-              <a:rPr lang="zh-CN" altLang="en-US" sz="4800" b="1" dirty="0">
-                <a:latin typeface="Microsoft JhengHei" panose="020B0604030504040204" pitchFamily="34" charset="-120"/>
-                <a:ea typeface="Microsoft JhengHei" panose="020B0604030504040204" pitchFamily="34" charset="-120"/>
-              </a:rPr>
-              <a:t>主我</a:t>
-            </a:r>
-            <a:r>
-              <a:rPr lang="zh-CN" altLang="en-US" sz="4800" b="1" dirty="0" smtClean="0">
-                <a:latin typeface="Microsoft JhengHei" panose="020B0604030504040204" pitchFamily="34" charset="-120"/>
-                <a:ea typeface="Microsoft JhengHei" panose="020B0604030504040204" pitchFamily="34" charset="-120"/>
-              </a:rPr>
-              <a:t>跟袮走</a:t>
-            </a:r>
-            <a:endParaRPr lang="vi-VN" sz="4800" b="1" dirty="0">
-              <a:ea typeface="Microsoft JhengHei" panose="020B0604030504040204" pitchFamily="34" charset="-120"/>
-            </a:endParaRPr>
-          </a:p>
-        </p:txBody>
-      </p:sp>
-      <p:sp>
-        <p:nvSpPr>
-          <p:cNvPr id="3" name="Content Placeholder 2"/>
-          <p:cNvSpPr>
-            <a:spLocks noGrp="1"/>
-          </p:cNvSpPr>
-          <p:nvPr>
-            <p:ph idx="1"/>
-          </p:nvPr>
-        </p:nvSpPr>
-        <p:spPr/>
-        <p:txBody>
-          <a:bodyPr>
-            <a:noAutofit/>
-          </a:bodyPr>
-          <a:lstStyle/>
-          <a:p>
             <a:pPr marL="0" indent="0" algn="ctr">
               <a:buNone/>
             </a:pPr>
             <a:r>
-              <a:rPr lang="zh-TW" altLang="en-US" sz="5400" b="1" dirty="0">
-                <a:latin typeface="Microsoft JhengHei" panose="020B0604030504040204" pitchFamily="34" charset="-120"/>
-                <a:ea typeface="Microsoft JhengHei" panose="020B0604030504040204" pitchFamily="34" charset="-120"/>
-              </a:rPr>
-              <a:t>開啟我的</a:t>
-            </a:r>
-            <a:r>
-              <a:rPr lang="zh-TW" altLang="en-US" sz="5400" b="1" dirty="0">
-                <a:latin typeface="Microsoft JhengHei" panose="020B0604030504040204" pitchFamily="34" charset="-120"/>
-                <a:ea typeface="Microsoft JhengHei" panose="020B0604030504040204" pitchFamily="34" charset="-120"/>
-              </a:rPr>
-              <a:t>眼  信</a:t>
-            </a:r>
-            <a:r>
-              <a:rPr lang="zh-TW" altLang="en-US" sz="5400" b="1" dirty="0">
-                <a:latin typeface="Microsoft JhengHei" panose="020B0604030504040204" pitchFamily="34" charset="-120"/>
-                <a:ea typeface="Microsoft JhengHei" panose="020B0604030504040204" pitchFamily="34" charset="-120"/>
-              </a:rPr>
-              <a:t>心的雙</a:t>
-            </a:r>
-            <a:r>
-              <a:rPr lang="zh-TW" altLang="en-US" sz="5400" b="1" dirty="0">
-                <a:latin typeface="Microsoft JhengHei" panose="020B0604030504040204" pitchFamily="34" charset="-120"/>
-                <a:ea typeface="Microsoft JhengHei" panose="020B0604030504040204" pitchFamily="34" charset="-120"/>
-              </a:rPr>
-              <a:t>眼</a:t>
-            </a:r>
-            <a:endParaRPr lang="en-US" altLang="zh-TW" sz="5400" b="1" dirty="0">
+              <a:rPr lang="zh-TW" altLang="en-US" sz="6400" b="1" dirty="0">
+                <a:solidFill>
+                  <a:srgbClr val="660033"/>
+                </a:solidFill>
+                <a:latin typeface="Microsoft JhengHei" panose="020B0604030504040204" pitchFamily="34" charset="-120"/>
+                <a:ea typeface="Microsoft JhengHei" panose="020B0604030504040204" pitchFamily="34" charset="-120"/>
+              </a:rPr>
+              <a:t>主我跟</a:t>
+            </a:r>
+            <a:r>
+              <a:rPr lang="zh-CN" altLang="en-US" sz="6400" b="1" dirty="0">
+                <a:solidFill>
+                  <a:srgbClr val="660033"/>
+                </a:solidFill>
+                <a:latin typeface="Microsoft JhengHei" panose="020B0604030504040204" pitchFamily="34" charset="-120"/>
+                <a:ea typeface="Microsoft JhengHei" panose="020B0604030504040204" pitchFamily="34" charset="-120"/>
+              </a:rPr>
+              <a:t>袮</a:t>
+            </a:r>
+            <a:r>
+              <a:rPr lang="zh-TW" altLang="en-US" sz="6400" b="1" dirty="0">
+                <a:solidFill>
+                  <a:srgbClr val="660033"/>
+                </a:solidFill>
+                <a:latin typeface="Microsoft JhengHei" panose="020B0604030504040204" pitchFamily="34" charset="-120"/>
+                <a:ea typeface="Microsoft JhengHei" panose="020B0604030504040204" pitchFamily="34" charset="-120"/>
+              </a:rPr>
+              <a:t>走  </a:t>
+            </a:r>
+            <a:r>
+              <a:rPr lang="zh-TW" altLang="en-US" sz="6400" b="1" dirty="0">
+                <a:solidFill>
+                  <a:srgbClr val="660033"/>
+                </a:solidFill>
+                <a:latin typeface="Microsoft JhengHei" panose="020B0604030504040204" pitchFamily="34" charset="-120"/>
+                <a:ea typeface="Microsoft JhengHei" panose="020B0604030504040204" pitchFamily="34" charset="-120"/>
+              </a:rPr>
+              <a:t> 往</a:t>
+            </a:r>
+            <a:r>
+              <a:rPr lang="zh-TW" altLang="en-US" sz="6400" b="1" dirty="0">
+                <a:solidFill>
+                  <a:srgbClr val="660033"/>
+                </a:solidFill>
+                <a:latin typeface="Microsoft JhengHei" panose="020B0604030504040204" pitchFamily="34" charset="-120"/>
+                <a:ea typeface="Microsoft JhengHei" panose="020B0604030504040204" pitchFamily="34" charset="-120"/>
+              </a:rPr>
+              <a:t>普天下走</a:t>
+            </a:r>
+            <a:endParaRPr lang="en-US" altLang="zh-TW" sz="6400" b="1" dirty="0">
+              <a:solidFill>
+                <a:srgbClr val="660033"/>
+              </a:solidFill>
               <a:latin typeface="Microsoft JhengHei" panose="020B0604030504040204" pitchFamily="34" charset="-120"/>
               <a:ea typeface="Microsoft JhengHei" panose="020B0604030504040204" pitchFamily="34" charset="-120"/>
             </a:endParaRPr>
@@ -3758,103 +3507,123 @@
               <a:buNone/>
             </a:pPr>
             <a:r>
-              <a:rPr lang="zh-TW" altLang="en-US" sz="5400" b="1" dirty="0">
-                <a:latin typeface="Microsoft JhengHei" panose="020B0604030504040204" pitchFamily="34" charset="-120"/>
-                <a:ea typeface="Microsoft JhengHei" panose="020B0604030504040204" pitchFamily="34" charset="-120"/>
-              </a:rPr>
-              <a:t>看</a:t>
-            </a:r>
-            <a:r>
-              <a:rPr lang="zh-TW" altLang="en-US" sz="5400" b="1" dirty="0">
-                <a:latin typeface="Microsoft JhengHei" panose="020B0604030504040204" pitchFamily="34" charset="-120"/>
-                <a:ea typeface="Microsoft JhengHei" panose="020B0604030504040204" pitchFamily="34" charset="-120"/>
-              </a:rPr>
-              <a:t>那天使天軍在身</a:t>
-            </a:r>
-            <a:r>
-              <a:rPr lang="zh-TW" altLang="en-US" sz="5400" b="1" dirty="0">
-                <a:latin typeface="Microsoft JhengHei" panose="020B0604030504040204" pitchFamily="34" charset="-120"/>
-                <a:ea typeface="Microsoft JhengHei" panose="020B0604030504040204" pitchFamily="34" charset="-120"/>
-              </a:rPr>
-              <a:t>邊</a:t>
-            </a:r>
-            <a:endParaRPr lang="en-US" altLang="zh-TW" sz="5400" b="1" dirty="0">
+              <a:rPr lang="zh-TW" altLang="en-US" sz="6400" b="1" dirty="0">
+                <a:solidFill>
+                  <a:srgbClr val="660033"/>
+                </a:solidFill>
+                <a:latin typeface="Microsoft JhengHei" panose="020B0604030504040204" pitchFamily="34" charset="-120"/>
+                <a:ea typeface="Microsoft JhengHei" panose="020B0604030504040204" pitchFamily="34" charset="-120"/>
+              </a:rPr>
+              <a:t>死蔭幽谷緊緊跟</a:t>
+            </a:r>
+            <a:r>
+              <a:rPr lang="zh-CN" altLang="en-US" sz="6400" b="1" dirty="0">
+                <a:solidFill>
+                  <a:srgbClr val="660033"/>
+                </a:solidFill>
+                <a:latin typeface="Microsoft JhengHei" panose="020B0604030504040204" pitchFamily="34" charset="-120"/>
+                <a:ea typeface="Microsoft JhengHei" panose="020B0604030504040204" pitchFamily="34" charset="-120"/>
+              </a:rPr>
+              <a:t>袮</a:t>
+            </a:r>
+            <a:r>
+              <a:rPr lang="zh-TW" altLang="en-US" sz="6400" b="1" dirty="0">
+                <a:solidFill>
+                  <a:srgbClr val="660033"/>
+                </a:solidFill>
+                <a:latin typeface="Microsoft JhengHei" panose="020B0604030504040204" pitchFamily="34" charset="-120"/>
+                <a:ea typeface="Microsoft JhengHei" panose="020B0604030504040204" pitchFamily="34" charset="-120"/>
+              </a:rPr>
+              <a:t>走</a:t>
+            </a:r>
+            <a:endParaRPr lang="vi-VN" sz="6400" b="1" dirty="0">
+              <a:solidFill>
+                <a:srgbClr val="660033"/>
+              </a:solidFill>
               <a:latin typeface="Microsoft JhengHei" panose="020B0604030504040204" pitchFamily="34" charset="-120"/>
               <a:ea typeface="Microsoft JhengHei" panose="020B0604030504040204" pitchFamily="34" charset="-120"/>
             </a:endParaRPr>
           </a:p>
-          <a:p>
-            <a:pPr marL="0" indent="0" algn="ctr">
-              <a:buNone/>
-            </a:pPr>
-            <a:r>
-              <a:rPr lang="zh-TW" altLang="en-US" sz="5400" b="1" dirty="0">
-                <a:latin typeface="Microsoft JhengHei" panose="020B0604030504040204" pitchFamily="34" charset="-120"/>
-                <a:ea typeface="Microsoft JhengHei" panose="020B0604030504040204" pitchFamily="34" charset="-120"/>
-              </a:rPr>
-              <a:t>塑</a:t>
-            </a:r>
-            <a:r>
-              <a:rPr lang="zh-TW" altLang="en-US" sz="5400" b="1" dirty="0">
-                <a:latin typeface="Microsoft JhengHei" panose="020B0604030504040204" pitchFamily="34" charset="-120"/>
-                <a:ea typeface="Microsoft JhengHei" panose="020B0604030504040204" pitchFamily="34" charset="-120"/>
-              </a:rPr>
-              <a:t>造我的</a:t>
-            </a:r>
-            <a:r>
-              <a:rPr lang="zh-TW" altLang="en-US" sz="5400" b="1" dirty="0">
-                <a:latin typeface="Microsoft JhengHei" panose="020B0604030504040204" pitchFamily="34" charset="-120"/>
-                <a:ea typeface="Microsoft JhengHei" panose="020B0604030504040204" pitchFamily="34" charset="-120"/>
-              </a:rPr>
-              <a:t>心  謙</a:t>
-            </a:r>
-            <a:r>
-              <a:rPr lang="zh-TW" altLang="en-US" sz="5400" b="1" dirty="0">
-                <a:latin typeface="Microsoft JhengHei" panose="020B0604030504040204" pitchFamily="34" charset="-120"/>
-                <a:ea typeface="Microsoft JhengHei" panose="020B0604030504040204" pitchFamily="34" charset="-120"/>
-              </a:rPr>
-              <a:t>卑地聆</a:t>
-            </a:r>
-            <a:r>
-              <a:rPr lang="zh-TW" altLang="en-US" sz="5400" b="1" dirty="0">
-                <a:latin typeface="Microsoft JhengHei" panose="020B0604030504040204" pitchFamily="34" charset="-120"/>
-                <a:ea typeface="Microsoft JhengHei" panose="020B0604030504040204" pitchFamily="34" charset="-120"/>
-              </a:rPr>
-              <a:t>聽</a:t>
-            </a:r>
-            <a:endParaRPr lang="en-US" altLang="zh-TW" sz="5400" b="1" dirty="0">
-              <a:latin typeface="Microsoft JhengHei" panose="020B0604030504040204" pitchFamily="34" charset="-120"/>
+        </p:txBody>
+      </p:sp>
+      <p:sp>
+        <p:nvSpPr>
+          <p:cNvPr id="3" name="TextBox 2"/>
+          <p:cNvSpPr txBox="1"/>
+          <p:nvPr/>
+        </p:nvSpPr>
+        <p:spPr>
+          <a:xfrm>
+            <a:off x="0" y="5061182"/>
+            <a:ext cx="12192000" cy="830997"/>
+          </a:xfrm>
+          <a:prstGeom prst="rect">
+            <a:avLst/>
+          </a:prstGeom>
+          <a:noFill/>
+        </p:spPr>
+        <p:txBody>
+          <a:bodyPr wrap="square" rtlCol="0">
+            <a:spAutoFit/>
+          </a:bodyPr>
+          <a:lstStyle/>
+          <a:p>
+            <a:pPr algn="ctr"/>
+            <a:r>
+              <a:rPr lang="en-US" sz="4800" b="1" dirty="0">
+                <a:solidFill>
+                  <a:srgbClr val="660033"/>
+                </a:solidFill>
+                <a:effectLst/>
+                <a:latin typeface="Microsoft JhengHei" panose="020B0604030504040204" pitchFamily="34" charset="-120"/>
+                <a:ea typeface="Microsoft JhengHei" panose="020B0604030504040204" pitchFamily="34" charset="-120"/>
+                <a:cs typeface="Microsoft Himalaya" panose="01010100010101010101" pitchFamily="2" charset="0"/>
+              </a:rPr>
+              <a:t>( </a:t>
+            </a:r>
+            <a:r>
+              <a:rPr lang="zh-CN" altLang="en-US" sz="4800" b="1" dirty="0">
+                <a:solidFill>
+                  <a:srgbClr val="660033"/>
+                </a:solidFill>
+                <a:effectLst/>
+                <a:latin typeface="Microsoft JhengHei" panose="020B0604030504040204" pitchFamily="34" charset="-120"/>
+                <a:ea typeface="Microsoft JhengHei" panose="020B0604030504040204" pitchFamily="34" charset="-120"/>
+                <a:cs typeface="Microsoft Himalaya" panose="01010100010101010101" pitchFamily="2" charset="0"/>
+              </a:rPr>
+              <a:t>正 </a:t>
+            </a:r>
+            <a:r>
+              <a:rPr lang="en-US" altLang="zh-CN" sz="4800" b="1" dirty="0">
+                <a:solidFill>
+                  <a:srgbClr val="660033"/>
+                </a:solidFill>
+                <a:effectLst/>
+                <a:latin typeface="Microsoft JhengHei" panose="020B0604030504040204" pitchFamily="34" charset="-120"/>
+                <a:ea typeface="Microsoft JhengHei" panose="020B0604030504040204" pitchFamily="34" charset="-120"/>
+                <a:cs typeface="Microsoft Himalaya" panose="01010100010101010101" pitchFamily="2" charset="0"/>
+              </a:rPr>
+              <a:t>1</a:t>
+            </a:r>
+            <a:r>
+              <a:rPr lang="en-US" sz="4800" b="1" dirty="0">
+                <a:solidFill>
+                  <a:srgbClr val="660033"/>
+                </a:solidFill>
+                <a:effectLst/>
+                <a:latin typeface="Microsoft JhengHei" panose="020B0604030504040204" pitchFamily="34" charset="-120"/>
+                <a:ea typeface="Microsoft JhengHei" panose="020B0604030504040204" pitchFamily="34" charset="-120"/>
+                <a:cs typeface="Microsoft Himalaya" panose="01010100010101010101" pitchFamily="2" charset="0"/>
+              </a:rPr>
+              <a:t> )</a:t>
+            </a:r>
+            <a:endParaRPr lang="vi-VN" sz="4800" b="1" dirty="0">
+              <a:solidFill>
+                <a:srgbClr val="660033"/>
+              </a:solidFill>
+              <a:effectLst/>
               <a:ea typeface="Microsoft JhengHei" panose="020B0604030504040204" pitchFamily="34" charset="-120"/>
-            </a:endParaRPr>
-          </a:p>
-          <a:p>
-            <a:pPr marL="0" indent="0" algn="ctr">
-              <a:buNone/>
-            </a:pPr>
-            <a:r>
-              <a:rPr lang="zh-CN" altLang="en-US" sz="5400" b="1" dirty="0">
-                <a:latin typeface="Microsoft JhengHei" panose="020B0604030504040204" pitchFamily="34" charset="-120"/>
-                <a:ea typeface="Microsoft JhengHei" panose="020B0604030504040204" pitchFamily="34" charset="-120"/>
-              </a:rPr>
-              <a:t>袮</a:t>
-            </a:r>
-            <a:r>
-              <a:rPr lang="zh-TW" altLang="en-US" sz="5400" b="1" dirty="0" smtClean="0">
-                <a:latin typeface="Microsoft JhengHei" panose="020B0604030504040204" pitchFamily="34" charset="-120"/>
-                <a:ea typeface="Microsoft JhengHei" panose="020B0604030504040204" pitchFamily="34" charset="-120"/>
-              </a:rPr>
-              <a:t>的</a:t>
-            </a:r>
-            <a:r>
-              <a:rPr lang="zh-TW" altLang="en-US" sz="5400" b="1" dirty="0">
-                <a:latin typeface="Microsoft JhengHei" panose="020B0604030504040204" pitchFamily="34" charset="-120"/>
-                <a:ea typeface="Microsoft JhengHei" panose="020B0604030504040204" pitchFamily="34" charset="-120"/>
-              </a:rPr>
-              <a:t>話語深植在我心</a:t>
-            </a:r>
-            <a:endParaRPr lang="vi-VN" sz="5400" b="1" dirty="0">
-              <a:latin typeface="Microsoft JhengHei" panose="020B0604030504040204" pitchFamily="34" charset="-120"/>
-              <a:ea typeface="Microsoft JhengHei" panose="020B0604030504040204" pitchFamily="34" charset="-120"/>
+              <a:cs typeface="Microsoft Himalaya" panose="01010100010101010101" pitchFamily="2" charset="0"/>
             </a:endParaRPr>
           </a:p>
         </p:txBody>
@@ -3862,7 +3631,7 @@
     </p:spTree>
     <p:extLst>
       <p:ext uri="{BB962C8B-B14F-4D97-AF65-F5344CB8AC3E}">
-        <p14:creationId xmlns:p14="http://schemas.microsoft.com/office/powerpoint/2010/main" val="1959359216"/>
+        <p14:creationId xmlns:p14="http://schemas.microsoft.com/office/powerpoint/2010/main" val="3279986594"/>
       </p:ext>
     </p:extLst>
   </p:cSld>
@@ -3891,111 +3660,83 @@
       </p:grpSpPr>
       <p:sp>
         <p:nvSpPr>
-          <p:cNvPr id="2" name="Title 1"/>
-          <p:cNvSpPr>
-            <a:spLocks noGrp="1"/>
-          </p:cNvSpPr>
-          <p:nvPr>
-            <p:ph type="title"/>
-          </p:nvPr>
-        </p:nvSpPr>
-        <p:spPr/>
-        <p:txBody>
-          <a:bodyPr>
+          <p:cNvPr id="5" name="內容版面配置區 4"/>
+          <p:cNvSpPr>
+            <a:spLocks noGrp="1"/>
+          </p:cNvSpPr>
+          <p:nvPr>
+            <p:ph idx="1"/>
+          </p:nvPr>
+        </p:nvSpPr>
+        <p:spPr>
+          <a:xfrm>
+            <a:off x="0" y="2084851"/>
+            <a:ext cx="12192000" cy="2404863"/>
+          </a:xfrm>
+        </p:spPr>
+        <p:txBody>
+          <a:bodyPr anchor="ctr">
             <a:normAutofit/>
           </a:bodyPr>
           <a:lstStyle/>
           <a:p>
-            <a:r>
-              <a:rPr lang="zh-CN" altLang="en-US" sz="4800" b="1" dirty="0">
-                <a:latin typeface="Microsoft JhengHei" panose="020B0604030504040204" pitchFamily="34" charset="-120"/>
-                <a:ea typeface="Microsoft JhengHei" panose="020B0604030504040204" pitchFamily="34" charset="-120"/>
-              </a:rPr>
-              <a:t>主我</a:t>
-            </a:r>
-            <a:r>
-              <a:rPr lang="zh-CN" altLang="en-US" sz="4800" b="1" dirty="0" smtClean="0">
-                <a:latin typeface="Microsoft JhengHei" panose="020B0604030504040204" pitchFamily="34" charset="-120"/>
-                <a:ea typeface="Microsoft JhengHei" panose="020B0604030504040204" pitchFamily="34" charset="-120"/>
-              </a:rPr>
-              <a:t>跟袮走</a:t>
-            </a:r>
-            <a:endParaRPr lang="vi-VN" sz="4800" b="1" dirty="0">
-              <a:ea typeface="Microsoft JhengHei" panose="020B0604030504040204" pitchFamily="34" charset="-120"/>
-            </a:endParaRPr>
-          </a:p>
-        </p:txBody>
-      </p:sp>
-      <p:sp>
-        <p:nvSpPr>
-          <p:cNvPr id="3" name="Content Placeholder 2"/>
-          <p:cNvSpPr>
-            <a:spLocks noGrp="1"/>
-          </p:cNvSpPr>
-          <p:nvPr>
-            <p:ph idx="1"/>
-          </p:nvPr>
-        </p:nvSpPr>
-        <p:spPr/>
-        <p:txBody>
-          <a:bodyPr>
-            <a:noAutofit/>
-          </a:bodyPr>
-          <a:lstStyle/>
-          <a:p>
             <a:pPr marL="0" indent="0" algn="ctr">
               <a:buNone/>
             </a:pPr>
             <a:r>
-              <a:rPr lang="zh-TW" altLang="en-US" sz="5400" b="1" dirty="0" smtClean="0">
+              <a:rPr lang="zh-TW" altLang="en-US" sz="6400" b="1" dirty="0">
+                <a:solidFill>
+                  <a:srgbClr val="660033"/>
+                </a:solidFill>
                 <a:latin typeface="Microsoft JhengHei" panose="020B0604030504040204" pitchFamily="34" charset="-120"/>
                 <a:ea typeface="Microsoft JhengHei" panose="020B0604030504040204" pitchFamily="34" charset="-120"/>
               </a:rPr>
               <a:t>因</a:t>
             </a:r>
             <a:r>
-              <a:rPr lang="zh-CN" altLang="en-US" sz="5400" b="1" dirty="0">
+              <a:rPr lang="zh-CN" altLang="en-US" sz="6400" b="1" dirty="0">
+                <a:solidFill>
+                  <a:srgbClr val="660033"/>
+                </a:solidFill>
                 <a:latin typeface="Microsoft JhengHei" panose="020B0604030504040204" pitchFamily="34" charset="-120"/>
                 <a:ea typeface="Microsoft JhengHei" panose="020B0604030504040204" pitchFamily="34" charset="-120"/>
               </a:rPr>
               <a:t>袮</a:t>
             </a:r>
             <a:r>
-              <a:rPr lang="zh-TW" altLang="en-US" sz="5400" b="1" dirty="0" smtClean="0">
-                <a:latin typeface="Microsoft JhengHei" panose="020B0604030504040204" pitchFamily="34" charset="-120"/>
-                <a:ea typeface="Microsoft JhengHei" panose="020B0604030504040204" pitchFamily="34" charset="-120"/>
-              </a:rPr>
-              <a:t>是</a:t>
-            </a:r>
-            <a:r>
-              <a:rPr lang="zh-TW" altLang="en-US" sz="5400" b="1" dirty="0">
-                <a:latin typeface="Microsoft JhengHei" panose="020B0604030504040204" pitchFamily="34" charset="-120"/>
-                <a:ea typeface="Microsoft JhengHei" panose="020B0604030504040204" pitchFamily="34" charset="-120"/>
-              </a:rPr>
-              <a:t>萬王之</a:t>
-            </a:r>
-            <a:r>
-              <a:rPr lang="zh-TW" altLang="en-US" sz="5400" b="1" dirty="0">
-                <a:latin typeface="Microsoft JhengHei" panose="020B0604030504040204" pitchFamily="34" charset="-120"/>
-                <a:ea typeface="Microsoft JhengHei" panose="020B0604030504040204" pitchFamily="34" charset="-120"/>
-              </a:rPr>
-              <a:t>王  萬</a:t>
-            </a:r>
-            <a:r>
-              <a:rPr lang="zh-TW" altLang="en-US" sz="5400" b="1" dirty="0">
-                <a:latin typeface="Microsoft JhengHei" panose="020B0604030504040204" pitchFamily="34" charset="-120"/>
-                <a:ea typeface="Microsoft JhengHei" panose="020B0604030504040204" pitchFamily="34" charset="-120"/>
-              </a:rPr>
-              <a:t>主之</a:t>
-            </a:r>
-            <a:r>
-              <a:rPr lang="zh-TW" altLang="en-US" sz="5400" b="1" dirty="0">
-                <a:latin typeface="Microsoft JhengHei" panose="020B0604030504040204" pitchFamily="34" charset="-120"/>
-                <a:ea typeface="Microsoft JhengHei" panose="020B0604030504040204" pitchFamily="34" charset="-120"/>
-              </a:rPr>
-              <a:t>主</a:t>
-            </a:r>
-            <a:endParaRPr lang="en-US" altLang="zh-TW" sz="5400" b="1" dirty="0">
+              <a:rPr lang="zh-TW" altLang="en-US" sz="6400" b="1" dirty="0">
+                <a:solidFill>
+                  <a:srgbClr val="660033"/>
+                </a:solidFill>
+                <a:latin typeface="Microsoft JhengHei" panose="020B0604030504040204" pitchFamily="34" charset="-120"/>
+                <a:ea typeface="Microsoft JhengHei" panose="020B0604030504040204" pitchFamily="34" charset="-120"/>
+              </a:rPr>
+              <a:t>是萬王之王  </a:t>
+            </a:r>
+            <a:r>
+              <a:rPr lang="zh-TW" altLang="en-US" sz="6400" b="1" dirty="0">
+                <a:solidFill>
+                  <a:srgbClr val="660033"/>
+                </a:solidFill>
+                <a:latin typeface="Microsoft JhengHei" panose="020B0604030504040204" pitchFamily="34" charset="-120"/>
+                <a:ea typeface="Microsoft JhengHei" panose="020B0604030504040204" pitchFamily="34" charset="-120"/>
+              </a:rPr>
+              <a:t> 萬</a:t>
+            </a:r>
+            <a:r>
+              <a:rPr lang="zh-TW" altLang="en-US" sz="6400" b="1" dirty="0">
+                <a:solidFill>
+                  <a:srgbClr val="660033"/>
+                </a:solidFill>
+                <a:latin typeface="Microsoft JhengHei" panose="020B0604030504040204" pitchFamily="34" charset="-120"/>
+                <a:ea typeface="Microsoft JhengHei" panose="020B0604030504040204" pitchFamily="34" charset="-120"/>
+              </a:rPr>
+              <a:t>主之主</a:t>
+            </a:r>
+            <a:endParaRPr lang="en-US" altLang="zh-TW" sz="6400" b="1" dirty="0">
+              <a:solidFill>
+                <a:srgbClr val="660033"/>
+              </a:solidFill>
               <a:latin typeface="Microsoft JhengHei" panose="020B0604030504040204" pitchFamily="34" charset="-120"/>
               <a:ea typeface="Microsoft JhengHei" panose="020B0604030504040204" pitchFamily="34" charset="-120"/>
             </a:endParaRPr>
@@ -4005,113 +3746,244 @@
               <a:buNone/>
             </a:pPr>
             <a:r>
-              <a:rPr lang="zh-TW" altLang="en-US" sz="5400" b="1" dirty="0" smtClean="0">
+              <a:rPr lang="zh-TW" altLang="en-US" sz="6400" b="1" dirty="0">
+                <a:solidFill>
+                  <a:srgbClr val="660033"/>
+                </a:solidFill>
                 <a:latin typeface="Microsoft JhengHei" panose="020B0604030504040204" pitchFamily="34" charset="-120"/>
                 <a:ea typeface="Microsoft JhengHei" panose="020B0604030504040204" pitchFamily="34" charset="-120"/>
               </a:rPr>
               <a:t>有</a:t>
             </a:r>
             <a:r>
-              <a:rPr lang="zh-CN" altLang="en-US" sz="5400" b="1" dirty="0">
+              <a:rPr lang="zh-CN" altLang="en-US" sz="6400" b="1" dirty="0">
+                <a:solidFill>
+                  <a:srgbClr val="660033"/>
+                </a:solidFill>
                 <a:latin typeface="Microsoft JhengHei" panose="020B0604030504040204" pitchFamily="34" charset="-120"/>
                 <a:ea typeface="Microsoft JhengHei" panose="020B0604030504040204" pitchFamily="34" charset="-120"/>
               </a:rPr>
               <a:t>袮</a:t>
             </a:r>
             <a:r>
-              <a:rPr lang="zh-TW" altLang="en-US" sz="5400" b="1" dirty="0" smtClean="0">
-                <a:latin typeface="Microsoft JhengHei" panose="020B0604030504040204" pitchFamily="34" charset="-120"/>
-                <a:ea typeface="Microsoft JhengHei" panose="020B0604030504040204" pitchFamily="34" charset="-120"/>
-              </a:rPr>
-              <a:t>跟</a:t>
-            </a:r>
-            <a:r>
-              <a:rPr lang="zh-TW" altLang="en-US" sz="5400" b="1" dirty="0">
-                <a:latin typeface="Microsoft JhengHei" panose="020B0604030504040204" pitchFamily="34" charset="-120"/>
-                <a:ea typeface="Microsoft JhengHei" panose="020B0604030504040204" pitchFamily="34" charset="-120"/>
-              </a:rPr>
-              <a:t>著</a:t>
-            </a:r>
-            <a:r>
-              <a:rPr lang="zh-TW" altLang="en-US" sz="5400" b="1" dirty="0">
-                <a:latin typeface="Microsoft JhengHei" panose="020B0604030504040204" pitchFamily="34" charset="-120"/>
-                <a:ea typeface="Microsoft JhengHei" panose="020B0604030504040204" pitchFamily="34" charset="-120"/>
-              </a:rPr>
-              <a:t>我  我</a:t>
-            </a:r>
-            <a:r>
-              <a:rPr lang="zh-TW" altLang="en-US" sz="5400" b="1" dirty="0">
-                <a:latin typeface="Microsoft JhengHei" panose="020B0604030504040204" pitchFamily="34" charset="-120"/>
-                <a:ea typeface="Microsoft JhengHei" panose="020B0604030504040204" pitchFamily="34" charset="-120"/>
-              </a:rPr>
-              <a:t>還怕什</a:t>
-            </a:r>
-            <a:r>
-              <a:rPr lang="zh-TW" altLang="en-US" sz="5400" b="1" dirty="0">
-                <a:latin typeface="Microsoft JhengHei" panose="020B0604030504040204" pitchFamily="34" charset="-120"/>
-                <a:ea typeface="Microsoft JhengHei" panose="020B0604030504040204" pitchFamily="34" charset="-120"/>
-              </a:rPr>
-              <a:t>麼</a:t>
-            </a:r>
-            <a:endParaRPr lang="en-US" altLang="zh-TW" sz="5400" b="1" dirty="0">
+              <a:rPr lang="zh-TW" altLang="en-US" sz="6400" b="1" dirty="0">
+                <a:solidFill>
+                  <a:srgbClr val="660033"/>
+                </a:solidFill>
+                <a:latin typeface="Microsoft JhengHei" panose="020B0604030504040204" pitchFamily="34" charset="-120"/>
+                <a:ea typeface="Microsoft JhengHei" panose="020B0604030504040204" pitchFamily="34" charset="-120"/>
+              </a:rPr>
+              <a:t>跟著我  </a:t>
+            </a:r>
+            <a:r>
+              <a:rPr lang="zh-TW" altLang="en-US" sz="6400" b="1" dirty="0">
+                <a:solidFill>
+                  <a:srgbClr val="660033"/>
+                </a:solidFill>
+                <a:latin typeface="Microsoft JhengHei" panose="020B0604030504040204" pitchFamily="34" charset="-120"/>
+                <a:ea typeface="Microsoft JhengHei" panose="020B0604030504040204" pitchFamily="34" charset="-120"/>
+              </a:rPr>
+              <a:t> 我</a:t>
+            </a:r>
+            <a:r>
+              <a:rPr lang="zh-TW" altLang="en-US" sz="6400" b="1" dirty="0">
+                <a:solidFill>
+                  <a:srgbClr val="660033"/>
+                </a:solidFill>
+                <a:latin typeface="Microsoft JhengHei" panose="020B0604030504040204" pitchFamily="34" charset="-120"/>
+                <a:ea typeface="Microsoft JhengHei" panose="020B0604030504040204" pitchFamily="34" charset="-120"/>
+              </a:rPr>
+              <a:t>還怕什麼</a:t>
+            </a:r>
+            <a:endParaRPr lang="en-US" altLang="zh-TW" sz="6400" b="1" dirty="0">
+              <a:solidFill>
+                <a:srgbClr val="660033"/>
+              </a:solidFill>
               <a:latin typeface="Microsoft JhengHei" panose="020B0604030504040204" pitchFamily="34" charset="-120"/>
               <a:ea typeface="Microsoft JhengHei" panose="020B0604030504040204" pitchFamily="34" charset="-120"/>
             </a:endParaRPr>
           </a:p>
+        </p:txBody>
+      </p:sp>
+      <p:sp>
+        <p:nvSpPr>
+          <p:cNvPr id="3" name="TextBox 2"/>
+          <p:cNvSpPr txBox="1"/>
+          <p:nvPr/>
+        </p:nvSpPr>
+        <p:spPr>
+          <a:xfrm>
+            <a:off x="0" y="5061182"/>
+            <a:ext cx="12192000" cy="830997"/>
+          </a:xfrm>
+          <a:prstGeom prst="rect">
+            <a:avLst/>
+          </a:prstGeom>
+          <a:noFill/>
+        </p:spPr>
+        <p:txBody>
+          <a:bodyPr wrap="square" rtlCol="0">
+            <a:spAutoFit/>
+          </a:bodyPr>
+          <a:lstStyle/>
+          <a:p>
+            <a:pPr algn="ctr"/>
+            <a:r>
+              <a:rPr lang="en-US" sz="4800" b="1" dirty="0">
+                <a:solidFill>
+                  <a:srgbClr val="660033"/>
+                </a:solidFill>
+                <a:effectLst/>
+                <a:latin typeface="Microsoft JhengHei" panose="020B0604030504040204" pitchFamily="34" charset="-120"/>
+                <a:ea typeface="Microsoft JhengHei" panose="020B0604030504040204" pitchFamily="34" charset="-120"/>
+                <a:cs typeface="Microsoft Himalaya" panose="01010100010101010101" pitchFamily="2" charset="0"/>
+              </a:rPr>
+              <a:t>( </a:t>
+            </a:r>
+            <a:r>
+              <a:rPr lang="zh-CN" altLang="en-US" sz="4800" b="1" dirty="0">
+                <a:solidFill>
+                  <a:srgbClr val="660033"/>
+                </a:solidFill>
+                <a:effectLst/>
+                <a:latin typeface="Microsoft JhengHei" panose="020B0604030504040204" pitchFamily="34" charset="-120"/>
+                <a:ea typeface="Microsoft JhengHei" panose="020B0604030504040204" pitchFamily="34" charset="-120"/>
+                <a:cs typeface="Microsoft Himalaya" panose="01010100010101010101" pitchFamily="2" charset="0"/>
+              </a:rPr>
+              <a:t>副</a:t>
+            </a:r>
+            <a:r>
+              <a:rPr lang="en-US" sz="4800" b="1" dirty="0">
+                <a:solidFill>
+                  <a:srgbClr val="660033"/>
+                </a:solidFill>
+                <a:effectLst/>
+                <a:latin typeface="Microsoft JhengHei" panose="020B0604030504040204" pitchFamily="34" charset="-120"/>
+                <a:ea typeface="Microsoft JhengHei" panose="020B0604030504040204" pitchFamily="34" charset="-120"/>
+                <a:cs typeface="Microsoft Himalaya" panose="01010100010101010101" pitchFamily="2" charset="0"/>
+              </a:rPr>
+              <a:t> )</a:t>
+            </a:r>
+            <a:endParaRPr lang="vi-VN" sz="4800" b="1" dirty="0">
+              <a:solidFill>
+                <a:srgbClr val="660033"/>
+              </a:solidFill>
+              <a:effectLst/>
+              <a:ea typeface="Microsoft JhengHei" panose="020B0604030504040204" pitchFamily="34" charset="-120"/>
+              <a:cs typeface="Microsoft Himalaya" panose="01010100010101010101" pitchFamily="2" charset="0"/>
+            </a:endParaRPr>
+          </a:p>
+        </p:txBody>
+      </p:sp>
+    </p:spTree>
+    <p:extLst>
+      <p:ext uri="{BB962C8B-B14F-4D97-AF65-F5344CB8AC3E}">
+        <p14:creationId xmlns:p14="http://schemas.microsoft.com/office/powerpoint/2010/main" val="314727661"/>
+      </p:ext>
+    </p:extLst>
+  </p:cSld>
+  <p:clrMapOvr>
+    <a:masterClrMapping/>
+  </p:clrMapOvr>
+</p:sld>
+</file>
+
+<file path=ppt/slides/slide5.xml><?xml version="1.0" encoding="utf-8"?>
+<p:sld xmlns:a="http://schemas.openxmlformats.org/drawingml/2006/main" xmlns:r="http://schemas.openxmlformats.org/officeDocument/2006/relationships" xmlns:p="http://schemas.openxmlformats.org/presentationml/2006/main">
+  <p:cSld>
+    <p:spTree>
+      <p:nvGrpSpPr>
+        <p:cNvPr id="1" name=""/>
+        <p:cNvGrpSpPr/>
+        <p:nvPr/>
+      </p:nvGrpSpPr>
+      <p:grpSpPr>
+        <a:xfrm>
+          <a:off x="0" y="0"/>
+          <a:ext cx="0" cy="0"/>
+          <a:chOff x="0" y="0"/>
+          <a:chExt cx="0" cy="0"/>
+        </a:xfrm>
+      </p:grpSpPr>
+      <p:sp>
+        <p:nvSpPr>
+          <p:cNvPr id="5" name="內容版面配置區 4"/>
+          <p:cNvSpPr>
+            <a:spLocks noGrp="1"/>
+          </p:cNvSpPr>
+          <p:nvPr>
+            <p:ph idx="1"/>
+          </p:nvPr>
+        </p:nvSpPr>
+        <p:spPr>
+          <a:xfrm>
+            <a:off x="0" y="2084851"/>
+            <a:ext cx="12192000" cy="2404863"/>
+          </a:xfrm>
+        </p:spPr>
+        <p:txBody>
+          <a:bodyPr anchor="ctr">
+            <a:normAutofit/>
+          </a:bodyPr>
+          <a:lstStyle/>
           <a:p>
             <a:pPr marL="0" indent="0" algn="ctr">
               <a:buNone/>
             </a:pPr>
             <a:r>
-              <a:rPr lang="zh-TW" altLang="en-US" sz="5400" b="1" dirty="0" smtClean="0">
+              <a:rPr lang="zh-TW" altLang="en-US" sz="6400" b="1" dirty="0">
+                <a:solidFill>
+                  <a:srgbClr val="660033"/>
+                </a:solidFill>
                 <a:latin typeface="Microsoft JhengHei" panose="020B0604030504040204" pitchFamily="34" charset="-120"/>
                 <a:ea typeface="Microsoft JhengHei" panose="020B0604030504040204" pitchFamily="34" charset="-120"/>
               </a:rPr>
               <a:t>因</a:t>
             </a:r>
             <a:r>
-              <a:rPr lang="zh-CN" altLang="en-US" sz="5400" b="1" dirty="0">
+              <a:rPr lang="zh-CN" altLang="en-US" sz="6400" b="1" dirty="0">
+                <a:solidFill>
+                  <a:srgbClr val="660033"/>
+                </a:solidFill>
                 <a:latin typeface="Microsoft JhengHei" panose="020B0604030504040204" pitchFamily="34" charset="-120"/>
                 <a:ea typeface="Microsoft JhengHei" panose="020B0604030504040204" pitchFamily="34" charset="-120"/>
               </a:rPr>
               <a:t>袮</a:t>
             </a:r>
             <a:r>
-              <a:rPr lang="zh-TW" altLang="en-US" sz="5400" b="1" dirty="0" smtClean="0">
-                <a:latin typeface="Microsoft JhengHei" panose="020B0604030504040204" pitchFamily="34" charset="-120"/>
-                <a:ea typeface="Microsoft JhengHei" panose="020B0604030504040204" pitchFamily="34" charset="-120"/>
-              </a:rPr>
-              <a:t>已</a:t>
-            </a:r>
-            <a:r>
-              <a:rPr lang="zh-TW" altLang="en-US" sz="5400" b="1" dirty="0">
-                <a:latin typeface="Microsoft JhengHei" panose="020B0604030504040204" pitchFamily="34" charset="-120"/>
-                <a:ea typeface="Microsoft JhengHei" panose="020B0604030504040204" pitchFamily="34" charset="-120"/>
-              </a:rPr>
-              <a:t>戰勝死</a:t>
-            </a:r>
-            <a:r>
-              <a:rPr lang="zh-TW" altLang="en-US" sz="5400" b="1" dirty="0">
-                <a:latin typeface="Microsoft JhengHei" panose="020B0604030504040204" pitchFamily="34" charset="-120"/>
-                <a:ea typeface="Microsoft JhengHei" panose="020B0604030504040204" pitchFamily="34" charset="-120"/>
-              </a:rPr>
-              <a:t>亡  得</a:t>
-            </a:r>
-            <a:r>
-              <a:rPr lang="zh-TW" altLang="en-US" sz="5400" b="1" dirty="0">
-                <a:latin typeface="Microsoft JhengHei" panose="020B0604030504040204" pitchFamily="34" charset="-120"/>
-                <a:ea typeface="Microsoft JhengHei" panose="020B0604030504040204" pitchFamily="34" charset="-120"/>
-              </a:rPr>
-              <a:t>勝君</a:t>
-            </a:r>
-            <a:r>
-              <a:rPr lang="zh-TW" altLang="en-US" sz="5400" b="1" dirty="0">
-                <a:latin typeface="Microsoft JhengHei" panose="020B0604030504040204" pitchFamily="34" charset="-120"/>
-                <a:ea typeface="Microsoft JhengHei" panose="020B0604030504040204" pitchFamily="34" charset="-120"/>
-              </a:rPr>
-              <a:t>王</a:t>
-            </a:r>
-            <a:endParaRPr lang="en-US" altLang="zh-TW" sz="5400" b="1" dirty="0">
+              <a:rPr lang="zh-TW" altLang="en-US" sz="6400" b="1" dirty="0">
+                <a:solidFill>
+                  <a:srgbClr val="660033"/>
+                </a:solidFill>
+                <a:latin typeface="Microsoft JhengHei" panose="020B0604030504040204" pitchFamily="34" charset="-120"/>
+                <a:ea typeface="Microsoft JhengHei" panose="020B0604030504040204" pitchFamily="34" charset="-120"/>
+              </a:rPr>
+              <a:t>已戰勝死亡  </a:t>
+            </a:r>
+            <a:r>
+              <a:rPr lang="zh-TW" altLang="en-US" sz="6400" b="1" dirty="0">
+                <a:solidFill>
+                  <a:srgbClr val="660033"/>
+                </a:solidFill>
+                <a:latin typeface="Microsoft JhengHei" panose="020B0604030504040204" pitchFamily="34" charset="-120"/>
+                <a:ea typeface="Microsoft JhengHei" panose="020B0604030504040204" pitchFamily="34" charset="-120"/>
+              </a:rPr>
+              <a:t> 得</a:t>
+            </a:r>
+            <a:r>
+              <a:rPr lang="zh-TW" altLang="en-US" sz="6400" b="1" dirty="0">
+                <a:solidFill>
+                  <a:srgbClr val="660033"/>
+                </a:solidFill>
+                <a:latin typeface="Microsoft JhengHei" panose="020B0604030504040204" pitchFamily="34" charset="-120"/>
+                <a:ea typeface="Microsoft JhengHei" panose="020B0604030504040204" pitchFamily="34" charset="-120"/>
+              </a:rPr>
+              <a:t>勝君王</a:t>
+            </a:r>
+            <a:endParaRPr lang="en-US" altLang="zh-TW" sz="6400" b="1" dirty="0">
+              <a:solidFill>
+                <a:srgbClr val="660033"/>
+              </a:solidFill>
               <a:latin typeface="Microsoft JhengHei" panose="020B0604030504040204" pitchFamily="34" charset="-120"/>
               <a:ea typeface="Microsoft JhengHei" panose="020B0604030504040204" pitchFamily="34" charset="-120"/>
             </a:endParaRPr>
@@ -4121,30 +3993,961 @@
               <a:buNone/>
             </a:pPr>
             <a:r>
-              <a:rPr lang="zh-TW" altLang="en-US" sz="5400" b="1" dirty="0">
-                <a:latin typeface="Microsoft JhengHei" panose="020B0604030504040204" pitchFamily="34" charset="-120"/>
-                <a:ea typeface="Microsoft JhengHei" panose="020B0604030504040204" pitchFamily="34" charset="-120"/>
-              </a:rPr>
-              <a:t>這</a:t>
-            </a:r>
-            <a:r>
-              <a:rPr lang="zh-TW" altLang="en-US" sz="5400" b="1" dirty="0">
-                <a:latin typeface="Microsoft JhengHei" panose="020B0604030504040204" pitchFamily="34" charset="-120"/>
-                <a:ea typeface="Microsoft JhengHei" panose="020B0604030504040204" pitchFamily="34" charset="-120"/>
-              </a:rPr>
-              <a:t>信心的路我永不回頭</a:t>
-            </a:r>
-            <a:endParaRPr lang="vi-VN" sz="5400" b="1" dirty="0">
+              <a:rPr lang="zh-TW" altLang="en-US" sz="6400" b="1" dirty="0">
+                <a:solidFill>
+                  <a:srgbClr val="660033"/>
+                </a:solidFill>
+                <a:latin typeface="Microsoft JhengHei" panose="020B0604030504040204" pitchFamily="34" charset="-120"/>
+                <a:ea typeface="Microsoft JhengHei" panose="020B0604030504040204" pitchFamily="34" charset="-120"/>
+              </a:rPr>
+              <a:t>這信心的路我永不回頭</a:t>
+            </a:r>
+            <a:endParaRPr lang="vi-VN" sz="6400" b="1" dirty="0">
+              <a:solidFill>
+                <a:srgbClr val="660033"/>
+              </a:solidFill>
               <a:latin typeface="Microsoft JhengHei" panose="020B0604030504040204" pitchFamily="34" charset="-120"/>
               <a:ea typeface="Microsoft JhengHei" panose="020B0604030504040204" pitchFamily="34" charset="-120"/>
             </a:endParaRPr>
           </a:p>
         </p:txBody>
       </p:sp>
+      <p:sp>
+        <p:nvSpPr>
+          <p:cNvPr id="3" name="TextBox 2"/>
+          <p:cNvSpPr txBox="1"/>
+          <p:nvPr/>
+        </p:nvSpPr>
+        <p:spPr>
+          <a:xfrm>
+            <a:off x="0" y="5061182"/>
+            <a:ext cx="12192000" cy="830997"/>
+          </a:xfrm>
+          <a:prstGeom prst="rect">
+            <a:avLst/>
+          </a:prstGeom>
+          <a:noFill/>
+        </p:spPr>
+        <p:txBody>
+          <a:bodyPr wrap="square" rtlCol="0">
+            <a:spAutoFit/>
+          </a:bodyPr>
+          <a:lstStyle/>
+          <a:p>
+            <a:pPr algn="ctr"/>
+            <a:r>
+              <a:rPr lang="en-US" sz="4800" b="1" dirty="0">
+                <a:solidFill>
+                  <a:srgbClr val="660033"/>
+                </a:solidFill>
+                <a:effectLst/>
+                <a:latin typeface="Microsoft JhengHei" panose="020B0604030504040204" pitchFamily="34" charset="-120"/>
+                <a:ea typeface="Microsoft JhengHei" panose="020B0604030504040204" pitchFamily="34" charset="-120"/>
+                <a:cs typeface="Microsoft Himalaya" panose="01010100010101010101" pitchFamily="2" charset="0"/>
+              </a:rPr>
+              <a:t>( </a:t>
+            </a:r>
+            <a:r>
+              <a:rPr lang="zh-CN" altLang="en-US" sz="4800" b="1" dirty="0">
+                <a:solidFill>
+                  <a:srgbClr val="660033"/>
+                </a:solidFill>
+                <a:effectLst/>
+                <a:latin typeface="Microsoft JhengHei" panose="020B0604030504040204" pitchFamily="34" charset="-120"/>
+                <a:ea typeface="Microsoft JhengHei" panose="020B0604030504040204" pitchFamily="34" charset="-120"/>
+                <a:cs typeface="Microsoft Himalaya" panose="01010100010101010101" pitchFamily="2" charset="0"/>
+              </a:rPr>
+              <a:t>副</a:t>
+            </a:r>
+            <a:r>
+              <a:rPr lang="en-US" sz="4800" b="1" dirty="0">
+                <a:solidFill>
+                  <a:srgbClr val="660033"/>
+                </a:solidFill>
+                <a:effectLst/>
+                <a:latin typeface="Microsoft JhengHei" panose="020B0604030504040204" pitchFamily="34" charset="-120"/>
+                <a:ea typeface="Microsoft JhengHei" panose="020B0604030504040204" pitchFamily="34" charset="-120"/>
+                <a:cs typeface="Microsoft Himalaya" panose="01010100010101010101" pitchFamily="2" charset="0"/>
+              </a:rPr>
+              <a:t> )</a:t>
+            </a:r>
+            <a:endParaRPr lang="vi-VN" sz="4800" b="1" dirty="0">
+              <a:solidFill>
+                <a:srgbClr val="660033"/>
+              </a:solidFill>
+              <a:effectLst/>
+              <a:ea typeface="Microsoft JhengHei" panose="020B0604030504040204" pitchFamily="34" charset="-120"/>
+              <a:cs typeface="Microsoft Himalaya" panose="01010100010101010101" pitchFamily="2" charset="0"/>
+            </a:endParaRPr>
+          </a:p>
+        </p:txBody>
+      </p:sp>
     </p:spTree>
     <p:extLst>
       <p:ext uri="{BB962C8B-B14F-4D97-AF65-F5344CB8AC3E}">
-        <p14:creationId xmlns:p14="http://schemas.microsoft.com/office/powerpoint/2010/main" val="2934915656"/>
+        <p14:creationId xmlns:p14="http://schemas.microsoft.com/office/powerpoint/2010/main" val="3286149896"/>
+      </p:ext>
+    </p:extLst>
+  </p:cSld>
+  <p:clrMapOvr>
+    <a:masterClrMapping/>
+  </p:clrMapOvr>
+</p:sld>
+</file>
+
+<file path=ppt/slides/slide6.xml><?xml version="1.0" encoding="utf-8"?>
+<p:sld xmlns:a="http://schemas.openxmlformats.org/drawingml/2006/main" xmlns:r="http://schemas.openxmlformats.org/officeDocument/2006/relationships" xmlns:p="http://schemas.openxmlformats.org/presentationml/2006/main">
+  <p:cSld>
+    <p:spTree>
+      <p:nvGrpSpPr>
+        <p:cNvPr id="1" name=""/>
+        <p:cNvGrpSpPr/>
+        <p:nvPr/>
+      </p:nvGrpSpPr>
+      <p:grpSpPr>
+        <a:xfrm>
+          <a:off x="0" y="0"/>
+          <a:ext cx="0" cy="0"/>
+          <a:chOff x="0" y="0"/>
+          <a:chExt cx="0" cy="0"/>
+        </a:xfrm>
+      </p:grpSpPr>
+      <p:sp>
+        <p:nvSpPr>
+          <p:cNvPr id="5" name="內容版面配置區 4"/>
+          <p:cNvSpPr>
+            <a:spLocks noGrp="1"/>
+          </p:cNvSpPr>
+          <p:nvPr>
+            <p:ph idx="1"/>
+          </p:nvPr>
+        </p:nvSpPr>
+        <p:spPr>
+          <a:xfrm>
+            <a:off x="0" y="2084851"/>
+            <a:ext cx="12192000" cy="2404863"/>
+          </a:xfrm>
+        </p:spPr>
+        <p:txBody>
+          <a:bodyPr anchor="ctr">
+            <a:normAutofit/>
+          </a:bodyPr>
+          <a:lstStyle/>
+          <a:p>
+            <a:pPr marL="0" indent="0" algn="ctr">
+              <a:buNone/>
+            </a:pPr>
+            <a:r>
+              <a:rPr lang="zh-TW" altLang="en-US" sz="6400" b="1" dirty="0">
+                <a:solidFill>
+                  <a:srgbClr val="660033"/>
+                </a:solidFill>
+                <a:latin typeface="Microsoft JhengHei" panose="020B0604030504040204" pitchFamily="34" charset="-120"/>
+                <a:ea typeface="Microsoft JhengHei" panose="020B0604030504040204" pitchFamily="34" charset="-120"/>
+              </a:rPr>
+              <a:t>開啟我的眼  </a:t>
+            </a:r>
+            <a:r>
+              <a:rPr lang="zh-TW" altLang="en-US" sz="6400" b="1" dirty="0">
+                <a:solidFill>
+                  <a:srgbClr val="660033"/>
+                </a:solidFill>
+                <a:latin typeface="Microsoft JhengHei" panose="020B0604030504040204" pitchFamily="34" charset="-120"/>
+                <a:ea typeface="Microsoft JhengHei" panose="020B0604030504040204" pitchFamily="34" charset="-120"/>
+              </a:rPr>
+              <a:t> 信</a:t>
+            </a:r>
+            <a:r>
+              <a:rPr lang="zh-TW" altLang="en-US" sz="6400" b="1" dirty="0">
+                <a:solidFill>
+                  <a:srgbClr val="660033"/>
+                </a:solidFill>
+                <a:latin typeface="Microsoft JhengHei" panose="020B0604030504040204" pitchFamily="34" charset="-120"/>
+                <a:ea typeface="Microsoft JhengHei" panose="020B0604030504040204" pitchFamily="34" charset="-120"/>
+              </a:rPr>
+              <a:t>心的雙眼</a:t>
+            </a:r>
+            <a:endParaRPr lang="en-US" altLang="zh-TW" sz="6400" b="1" dirty="0">
+              <a:solidFill>
+                <a:srgbClr val="660033"/>
+              </a:solidFill>
+              <a:latin typeface="Microsoft JhengHei" panose="020B0604030504040204" pitchFamily="34" charset="-120"/>
+              <a:ea typeface="Microsoft JhengHei" panose="020B0604030504040204" pitchFamily="34" charset="-120"/>
+            </a:endParaRPr>
+          </a:p>
+          <a:p>
+            <a:pPr marL="0" indent="0" algn="ctr">
+              <a:buNone/>
+            </a:pPr>
+            <a:r>
+              <a:rPr lang="zh-TW" altLang="en-US" sz="6400" b="1" dirty="0">
+                <a:solidFill>
+                  <a:srgbClr val="660033"/>
+                </a:solidFill>
+                <a:latin typeface="Microsoft JhengHei" panose="020B0604030504040204" pitchFamily="34" charset="-120"/>
+                <a:ea typeface="Microsoft JhengHei" panose="020B0604030504040204" pitchFamily="34" charset="-120"/>
+              </a:rPr>
+              <a:t>看那天使天軍在身邊</a:t>
+            </a:r>
+            <a:endParaRPr lang="en-US" altLang="zh-TW" sz="6400" b="1" dirty="0">
+              <a:solidFill>
+                <a:srgbClr val="660033"/>
+              </a:solidFill>
+              <a:latin typeface="Microsoft JhengHei" panose="020B0604030504040204" pitchFamily="34" charset="-120"/>
+              <a:ea typeface="Microsoft JhengHei" panose="020B0604030504040204" pitchFamily="34" charset="-120"/>
+            </a:endParaRPr>
+          </a:p>
+        </p:txBody>
+      </p:sp>
+      <p:sp>
+        <p:nvSpPr>
+          <p:cNvPr id="3" name="TextBox 2"/>
+          <p:cNvSpPr txBox="1"/>
+          <p:nvPr/>
+        </p:nvSpPr>
+        <p:spPr>
+          <a:xfrm>
+            <a:off x="0" y="5061182"/>
+            <a:ext cx="12192000" cy="830997"/>
+          </a:xfrm>
+          <a:prstGeom prst="rect">
+            <a:avLst/>
+          </a:prstGeom>
+          <a:noFill/>
+        </p:spPr>
+        <p:txBody>
+          <a:bodyPr wrap="square" rtlCol="0">
+            <a:spAutoFit/>
+          </a:bodyPr>
+          <a:lstStyle/>
+          <a:p>
+            <a:pPr algn="ctr"/>
+            <a:r>
+              <a:rPr lang="en-US" sz="4800" b="1" dirty="0">
+                <a:solidFill>
+                  <a:srgbClr val="660033"/>
+                </a:solidFill>
+                <a:effectLst/>
+                <a:latin typeface="Microsoft JhengHei" panose="020B0604030504040204" pitchFamily="34" charset="-120"/>
+                <a:ea typeface="Microsoft JhengHei" panose="020B0604030504040204" pitchFamily="34" charset="-120"/>
+                <a:cs typeface="Microsoft Himalaya" panose="01010100010101010101" pitchFamily="2" charset="0"/>
+              </a:rPr>
+              <a:t>( </a:t>
+            </a:r>
+            <a:r>
+              <a:rPr lang="zh-CN" altLang="en-US" sz="4800" b="1" dirty="0">
+                <a:solidFill>
+                  <a:srgbClr val="660033"/>
+                </a:solidFill>
+                <a:effectLst/>
+                <a:latin typeface="Microsoft JhengHei" panose="020B0604030504040204" pitchFamily="34" charset="-120"/>
+                <a:ea typeface="Microsoft JhengHei" panose="020B0604030504040204" pitchFamily="34" charset="-120"/>
+                <a:cs typeface="Microsoft Himalaya" panose="01010100010101010101" pitchFamily="2" charset="0"/>
+              </a:rPr>
+              <a:t>正 </a:t>
+            </a:r>
+            <a:r>
+              <a:rPr lang="en-US" altLang="zh-CN" sz="4800" b="1" dirty="0">
+                <a:solidFill>
+                  <a:srgbClr val="660033"/>
+                </a:solidFill>
+                <a:effectLst/>
+                <a:latin typeface="Microsoft JhengHei" panose="020B0604030504040204" pitchFamily="34" charset="-120"/>
+                <a:ea typeface="Microsoft JhengHei" panose="020B0604030504040204" pitchFamily="34" charset="-120"/>
+                <a:cs typeface="Microsoft Himalaya" panose="01010100010101010101" pitchFamily="2" charset="0"/>
+              </a:rPr>
+              <a:t>2</a:t>
+            </a:r>
+            <a:r>
+              <a:rPr lang="en-US" sz="4800" b="1" dirty="0">
+                <a:solidFill>
+                  <a:srgbClr val="660033"/>
+                </a:solidFill>
+                <a:effectLst/>
+                <a:latin typeface="Microsoft JhengHei" panose="020B0604030504040204" pitchFamily="34" charset="-120"/>
+                <a:ea typeface="Microsoft JhengHei" panose="020B0604030504040204" pitchFamily="34" charset="-120"/>
+                <a:cs typeface="Microsoft Himalaya" panose="01010100010101010101" pitchFamily="2" charset="0"/>
+              </a:rPr>
+              <a:t> )</a:t>
+            </a:r>
+            <a:endParaRPr lang="vi-VN" sz="4800" b="1" dirty="0">
+              <a:solidFill>
+                <a:srgbClr val="660033"/>
+              </a:solidFill>
+              <a:effectLst/>
+              <a:ea typeface="Microsoft JhengHei" panose="020B0604030504040204" pitchFamily="34" charset="-120"/>
+              <a:cs typeface="Microsoft Himalaya" panose="01010100010101010101" pitchFamily="2" charset="0"/>
+            </a:endParaRPr>
+          </a:p>
+        </p:txBody>
+      </p:sp>
+    </p:spTree>
+    <p:extLst>
+      <p:ext uri="{BB962C8B-B14F-4D97-AF65-F5344CB8AC3E}">
+        <p14:creationId xmlns:p14="http://schemas.microsoft.com/office/powerpoint/2010/main" val="1958810826"/>
+      </p:ext>
+    </p:extLst>
+  </p:cSld>
+  <p:clrMapOvr>
+    <a:masterClrMapping/>
+  </p:clrMapOvr>
+</p:sld>
+</file>
+
+<file path=ppt/slides/slide7.xml><?xml version="1.0" encoding="utf-8"?>
+<p:sld xmlns:a="http://schemas.openxmlformats.org/drawingml/2006/main" xmlns:r="http://schemas.openxmlformats.org/officeDocument/2006/relationships" xmlns:p="http://schemas.openxmlformats.org/presentationml/2006/main">
+  <p:cSld>
+    <p:spTree>
+      <p:nvGrpSpPr>
+        <p:cNvPr id="1" name=""/>
+        <p:cNvGrpSpPr/>
+        <p:nvPr/>
+      </p:nvGrpSpPr>
+      <p:grpSpPr>
+        <a:xfrm>
+          <a:off x="0" y="0"/>
+          <a:ext cx="0" cy="0"/>
+          <a:chOff x="0" y="0"/>
+          <a:chExt cx="0" cy="0"/>
+        </a:xfrm>
+      </p:grpSpPr>
+      <p:sp>
+        <p:nvSpPr>
+          <p:cNvPr id="5" name="內容版面配置區 4"/>
+          <p:cNvSpPr>
+            <a:spLocks noGrp="1"/>
+          </p:cNvSpPr>
+          <p:nvPr>
+            <p:ph idx="1"/>
+          </p:nvPr>
+        </p:nvSpPr>
+        <p:spPr>
+          <a:xfrm>
+            <a:off x="0" y="2084851"/>
+            <a:ext cx="12192000" cy="2404863"/>
+          </a:xfrm>
+        </p:spPr>
+        <p:txBody>
+          <a:bodyPr anchor="ctr">
+            <a:normAutofit/>
+          </a:bodyPr>
+          <a:lstStyle/>
+          <a:p>
+            <a:pPr marL="0" indent="0" algn="ctr">
+              <a:buNone/>
+            </a:pPr>
+            <a:r>
+              <a:rPr lang="zh-TW" altLang="en-US" sz="6400" b="1" dirty="0">
+                <a:solidFill>
+                  <a:srgbClr val="660033"/>
+                </a:solidFill>
+                <a:latin typeface="Microsoft JhengHei" panose="020B0604030504040204" pitchFamily="34" charset="-120"/>
+                <a:ea typeface="Microsoft JhengHei" panose="020B0604030504040204" pitchFamily="34" charset="-120"/>
+              </a:rPr>
+              <a:t>塑造我的心  </a:t>
+            </a:r>
+            <a:r>
+              <a:rPr lang="zh-TW" altLang="en-US" sz="6400" b="1" dirty="0">
+                <a:solidFill>
+                  <a:srgbClr val="660033"/>
+                </a:solidFill>
+                <a:latin typeface="Microsoft JhengHei" panose="020B0604030504040204" pitchFamily="34" charset="-120"/>
+                <a:ea typeface="Microsoft JhengHei" panose="020B0604030504040204" pitchFamily="34" charset="-120"/>
+              </a:rPr>
+              <a:t> 謙</a:t>
+            </a:r>
+            <a:r>
+              <a:rPr lang="zh-TW" altLang="en-US" sz="6400" b="1" dirty="0">
+                <a:solidFill>
+                  <a:srgbClr val="660033"/>
+                </a:solidFill>
+                <a:latin typeface="Microsoft JhengHei" panose="020B0604030504040204" pitchFamily="34" charset="-120"/>
+                <a:ea typeface="Microsoft JhengHei" panose="020B0604030504040204" pitchFamily="34" charset="-120"/>
+              </a:rPr>
+              <a:t>卑地聆聽</a:t>
+            </a:r>
+            <a:endParaRPr lang="en-US" altLang="zh-TW" sz="6400" b="1" dirty="0">
+              <a:solidFill>
+                <a:srgbClr val="660033"/>
+              </a:solidFill>
+              <a:latin typeface="Microsoft JhengHei" panose="020B0604030504040204" pitchFamily="34" charset="-120"/>
+              <a:ea typeface="Microsoft JhengHei" panose="020B0604030504040204" pitchFamily="34" charset="-120"/>
+            </a:endParaRPr>
+          </a:p>
+          <a:p>
+            <a:pPr marL="0" indent="0" algn="ctr">
+              <a:buNone/>
+            </a:pPr>
+            <a:r>
+              <a:rPr lang="zh-CN" altLang="en-US" sz="6400" b="1" dirty="0">
+                <a:solidFill>
+                  <a:srgbClr val="660033"/>
+                </a:solidFill>
+                <a:latin typeface="Microsoft JhengHei" panose="020B0604030504040204" pitchFamily="34" charset="-120"/>
+                <a:ea typeface="Microsoft JhengHei" panose="020B0604030504040204" pitchFamily="34" charset="-120"/>
+              </a:rPr>
+              <a:t>袮</a:t>
+            </a:r>
+            <a:r>
+              <a:rPr lang="zh-TW" altLang="en-US" sz="6400" b="1" dirty="0">
+                <a:solidFill>
+                  <a:srgbClr val="660033"/>
+                </a:solidFill>
+                <a:latin typeface="Microsoft JhengHei" panose="020B0604030504040204" pitchFamily="34" charset="-120"/>
+                <a:ea typeface="Microsoft JhengHei" panose="020B0604030504040204" pitchFamily="34" charset="-120"/>
+              </a:rPr>
+              <a:t>的話語深植在我心</a:t>
+            </a:r>
+            <a:endParaRPr lang="vi-VN" sz="6400" b="1" dirty="0">
+              <a:solidFill>
+                <a:srgbClr val="660033"/>
+              </a:solidFill>
+              <a:latin typeface="Microsoft JhengHei" panose="020B0604030504040204" pitchFamily="34" charset="-120"/>
+              <a:ea typeface="Microsoft JhengHei" panose="020B0604030504040204" pitchFamily="34" charset="-120"/>
+            </a:endParaRPr>
+          </a:p>
+        </p:txBody>
+      </p:sp>
+      <p:sp>
+        <p:nvSpPr>
+          <p:cNvPr id="3" name="TextBox 2"/>
+          <p:cNvSpPr txBox="1"/>
+          <p:nvPr/>
+        </p:nvSpPr>
+        <p:spPr>
+          <a:xfrm>
+            <a:off x="0" y="5061182"/>
+            <a:ext cx="12192000" cy="830997"/>
+          </a:xfrm>
+          <a:prstGeom prst="rect">
+            <a:avLst/>
+          </a:prstGeom>
+          <a:noFill/>
+        </p:spPr>
+        <p:txBody>
+          <a:bodyPr wrap="square" rtlCol="0">
+            <a:spAutoFit/>
+          </a:bodyPr>
+          <a:lstStyle/>
+          <a:p>
+            <a:pPr algn="ctr"/>
+            <a:r>
+              <a:rPr lang="en-US" sz="4800" b="1" dirty="0">
+                <a:solidFill>
+                  <a:srgbClr val="660033"/>
+                </a:solidFill>
+                <a:effectLst/>
+                <a:latin typeface="Microsoft JhengHei" panose="020B0604030504040204" pitchFamily="34" charset="-120"/>
+                <a:ea typeface="Microsoft JhengHei" panose="020B0604030504040204" pitchFamily="34" charset="-120"/>
+                <a:cs typeface="Microsoft Himalaya" panose="01010100010101010101" pitchFamily="2" charset="0"/>
+              </a:rPr>
+              <a:t>( </a:t>
+            </a:r>
+            <a:r>
+              <a:rPr lang="zh-CN" altLang="en-US" sz="4800" b="1" dirty="0">
+                <a:solidFill>
+                  <a:srgbClr val="660033"/>
+                </a:solidFill>
+                <a:effectLst/>
+                <a:latin typeface="Microsoft JhengHei" panose="020B0604030504040204" pitchFamily="34" charset="-120"/>
+                <a:ea typeface="Microsoft JhengHei" panose="020B0604030504040204" pitchFamily="34" charset="-120"/>
+                <a:cs typeface="Microsoft Himalaya" panose="01010100010101010101" pitchFamily="2" charset="0"/>
+              </a:rPr>
+              <a:t>正 </a:t>
+            </a:r>
+            <a:r>
+              <a:rPr lang="en-US" altLang="zh-CN" sz="4800" b="1" dirty="0">
+                <a:solidFill>
+                  <a:srgbClr val="660033"/>
+                </a:solidFill>
+                <a:effectLst/>
+                <a:latin typeface="Microsoft JhengHei" panose="020B0604030504040204" pitchFamily="34" charset="-120"/>
+                <a:ea typeface="Microsoft JhengHei" panose="020B0604030504040204" pitchFamily="34" charset="-120"/>
+                <a:cs typeface="Microsoft Himalaya" panose="01010100010101010101" pitchFamily="2" charset="0"/>
+              </a:rPr>
+              <a:t>2</a:t>
+            </a:r>
+            <a:r>
+              <a:rPr lang="en-US" sz="4800" b="1" dirty="0">
+                <a:solidFill>
+                  <a:srgbClr val="660033"/>
+                </a:solidFill>
+                <a:effectLst/>
+                <a:latin typeface="Microsoft JhengHei" panose="020B0604030504040204" pitchFamily="34" charset="-120"/>
+                <a:ea typeface="Microsoft JhengHei" panose="020B0604030504040204" pitchFamily="34" charset="-120"/>
+                <a:cs typeface="Microsoft Himalaya" panose="01010100010101010101" pitchFamily="2" charset="0"/>
+              </a:rPr>
+              <a:t> )</a:t>
+            </a:r>
+            <a:endParaRPr lang="vi-VN" sz="4800" b="1" dirty="0">
+              <a:solidFill>
+                <a:srgbClr val="660033"/>
+              </a:solidFill>
+              <a:effectLst/>
+              <a:ea typeface="Microsoft JhengHei" panose="020B0604030504040204" pitchFamily="34" charset="-120"/>
+              <a:cs typeface="Microsoft Himalaya" panose="01010100010101010101" pitchFamily="2" charset="0"/>
+            </a:endParaRPr>
+          </a:p>
+        </p:txBody>
+      </p:sp>
+    </p:spTree>
+    <p:extLst>
+      <p:ext uri="{BB962C8B-B14F-4D97-AF65-F5344CB8AC3E}">
+        <p14:creationId xmlns:p14="http://schemas.microsoft.com/office/powerpoint/2010/main" val="1389664983"/>
+      </p:ext>
+    </p:extLst>
+  </p:cSld>
+  <p:clrMapOvr>
+    <a:masterClrMapping/>
+  </p:clrMapOvr>
+</p:sld>
+</file>
+
+<file path=ppt/slides/slide8.xml><?xml version="1.0" encoding="utf-8"?>
+<p:sld xmlns:a="http://schemas.openxmlformats.org/drawingml/2006/main" xmlns:r="http://schemas.openxmlformats.org/officeDocument/2006/relationships" xmlns:p="http://schemas.openxmlformats.org/presentationml/2006/main">
+  <p:cSld>
+    <p:spTree>
+      <p:nvGrpSpPr>
+        <p:cNvPr id="1" name=""/>
+        <p:cNvGrpSpPr/>
+        <p:nvPr/>
+      </p:nvGrpSpPr>
+      <p:grpSpPr>
+        <a:xfrm>
+          <a:off x="0" y="0"/>
+          <a:ext cx="0" cy="0"/>
+          <a:chOff x="0" y="0"/>
+          <a:chExt cx="0" cy="0"/>
+        </a:xfrm>
+      </p:grpSpPr>
+      <p:sp>
+        <p:nvSpPr>
+          <p:cNvPr id="5" name="內容版面配置區 4"/>
+          <p:cNvSpPr>
+            <a:spLocks noGrp="1"/>
+          </p:cNvSpPr>
+          <p:nvPr>
+            <p:ph idx="1"/>
+          </p:nvPr>
+        </p:nvSpPr>
+        <p:spPr>
+          <a:xfrm>
+            <a:off x="0" y="2084851"/>
+            <a:ext cx="12192000" cy="2404863"/>
+          </a:xfrm>
+        </p:spPr>
+        <p:txBody>
+          <a:bodyPr anchor="ctr">
+            <a:normAutofit/>
+          </a:bodyPr>
+          <a:lstStyle/>
+          <a:p>
+            <a:pPr marL="0" indent="0" algn="ctr">
+              <a:buNone/>
+            </a:pPr>
+            <a:r>
+              <a:rPr lang="zh-TW" altLang="en-US" sz="6400" b="1" dirty="0">
+                <a:solidFill>
+                  <a:srgbClr val="660033"/>
+                </a:solidFill>
+                <a:latin typeface="Microsoft JhengHei" panose="020B0604030504040204" pitchFamily="34" charset="-120"/>
+                <a:ea typeface="Microsoft JhengHei" panose="020B0604030504040204" pitchFamily="34" charset="-120"/>
+              </a:rPr>
+              <a:t>因</a:t>
+            </a:r>
+            <a:r>
+              <a:rPr lang="zh-CN" altLang="en-US" sz="6400" b="1" dirty="0">
+                <a:solidFill>
+                  <a:srgbClr val="660033"/>
+                </a:solidFill>
+                <a:latin typeface="Microsoft JhengHei" panose="020B0604030504040204" pitchFamily="34" charset="-120"/>
+                <a:ea typeface="Microsoft JhengHei" panose="020B0604030504040204" pitchFamily="34" charset="-120"/>
+              </a:rPr>
+              <a:t>袮</a:t>
+            </a:r>
+            <a:r>
+              <a:rPr lang="zh-TW" altLang="en-US" sz="6400" b="1" dirty="0">
+                <a:solidFill>
+                  <a:srgbClr val="660033"/>
+                </a:solidFill>
+                <a:latin typeface="Microsoft JhengHei" panose="020B0604030504040204" pitchFamily="34" charset="-120"/>
+                <a:ea typeface="Microsoft JhengHei" panose="020B0604030504040204" pitchFamily="34" charset="-120"/>
+              </a:rPr>
+              <a:t>是萬王之王  </a:t>
+            </a:r>
+            <a:r>
+              <a:rPr lang="zh-TW" altLang="en-US" sz="6400" b="1" dirty="0">
+                <a:solidFill>
+                  <a:srgbClr val="660033"/>
+                </a:solidFill>
+                <a:latin typeface="Microsoft JhengHei" panose="020B0604030504040204" pitchFamily="34" charset="-120"/>
+                <a:ea typeface="Microsoft JhengHei" panose="020B0604030504040204" pitchFamily="34" charset="-120"/>
+              </a:rPr>
+              <a:t> 萬</a:t>
+            </a:r>
+            <a:r>
+              <a:rPr lang="zh-TW" altLang="en-US" sz="6400" b="1" dirty="0">
+                <a:solidFill>
+                  <a:srgbClr val="660033"/>
+                </a:solidFill>
+                <a:latin typeface="Microsoft JhengHei" panose="020B0604030504040204" pitchFamily="34" charset="-120"/>
+                <a:ea typeface="Microsoft JhengHei" panose="020B0604030504040204" pitchFamily="34" charset="-120"/>
+              </a:rPr>
+              <a:t>主之主</a:t>
+            </a:r>
+            <a:endParaRPr lang="en-US" altLang="zh-TW" sz="6400" b="1" dirty="0">
+              <a:solidFill>
+                <a:srgbClr val="660033"/>
+              </a:solidFill>
+              <a:latin typeface="Microsoft JhengHei" panose="020B0604030504040204" pitchFamily="34" charset="-120"/>
+              <a:ea typeface="Microsoft JhengHei" panose="020B0604030504040204" pitchFamily="34" charset="-120"/>
+            </a:endParaRPr>
+          </a:p>
+          <a:p>
+            <a:pPr marL="0" indent="0" algn="ctr">
+              <a:buNone/>
+            </a:pPr>
+            <a:r>
+              <a:rPr lang="zh-TW" altLang="en-US" sz="6400" b="1" dirty="0">
+                <a:solidFill>
+                  <a:srgbClr val="660033"/>
+                </a:solidFill>
+                <a:latin typeface="Microsoft JhengHei" panose="020B0604030504040204" pitchFamily="34" charset="-120"/>
+                <a:ea typeface="Microsoft JhengHei" panose="020B0604030504040204" pitchFamily="34" charset="-120"/>
+              </a:rPr>
+              <a:t>有</a:t>
+            </a:r>
+            <a:r>
+              <a:rPr lang="zh-CN" altLang="en-US" sz="6400" b="1" dirty="0">
+                <a:solidFill>
+                  <a:srgbClr val="660033"/>
+                </a:solidFill>
+                <a:latin typeface="Microsoft JhengHei" panose="020B0604030504040204" pitchFamily="34" charset="-120"/>
+                <a:ea typeface="Microsoft JhengHei" panose="020B0604030504040204" pitchFamily="34" charset="-120"/>
+              </a:rPr>
+              <a:t>袮</a:t>
+            </a:r>
+            <a:r>
+              <a:rPr lang="zh-TW" altLang="en-US" sz="6400" b="1" dirty="0">
+                <a:solidFill>
+                  <a:srgbClr val="660033"/>
+                </a:solidFill>
+                <a:latin typeface="Microsoft JhengHei" panose="020B0604030504040204" pitchFamily="34" charset="-120"/>
+                <a:ea typeface="Microsoft JhengHei" panose="020B0604030504040204" pitchFamily="34" charset="-120"/>
+              </a:rPr>
+              <a:t>跟著我  </a:t>
+            </a:r>
+            <a:r>
+              <a:rPr lang="zh-TW" altLang="en-US" sz="6400" b="1" dirty="0">
+                <a:solidFill>
+                  <a:srgbClr val="660033"/>
+                </a:solidFill>
+                <a:latin typeface="Microsoft JhengHei" panose="020B0604030504040204" pitchFamily="34" charset="-120"/>
+                <a:ea typeface="Microsoft JhengHei" panose="020B0604030504040204" pitchFamily="34" charset="-120"/>
+              </a:rPr>
+              <a:t> 我</a:t>
+            </a:r>
+            <a:r>
+              <a:rPr lang="zh-TW" altLang="en-US" sz="6400" b="1" dirty="0">
+                <a:solidFill>
+                  <a:srgbClr val="660033"/>
+                </a:solidFill>
+                <a:latin typeface="Microsoft JhengHei" panose="020B0604030504040204" pitchFamily="34" charset="-120"/>
+                <a:ea typeface="Microsoft JhengHei" panose="020B0604030504040204" pitchFamily="34" charset="-120"/>
+              </a:rPr>
+              <a:t>還怕什麼</a:t>
+            </a:r>
+            <a:endParaRPr lang="en-US" altLang="zh-TW" sz="6400" b="1" dirty="0">
+              <a:solidFill>
+                <a:srgbClr val="660033"/>
+              </a:solidFill>
+              <a:latin typeface="Microsoft JhengHei" panose="020B0604030504040204" pitchFamily="34" charset="-120"/>
+              <a:ea typeface="Microsoft JhengHei" panose="020B0604030504040204" pitchFamily="34" charset="-120"/>
+            </a:endParaRPr>
+          </a:p>
+        </p:txBody>
+      </p:sp>
+      <p:sp>
+        <p:nvSpPr>
+          <p:cNvPr id="3" name="TextBox 2"/>
+          <p:cNvSpPr txBox="1"/>
+          <p:nvPr/>
+        </p:nvSpPr>
+        <p:spPr>
+          <a:xfrm>
+            <a:off x="0" y="5061182"/>
+            <a:ext cx="12192000" cy="830997"/>
+          </a:xfrm>
+          <a:prstGeom prst="rect">
+            <a:avLst/>
+          </a:prstGeom>
+          <a:noFill/>
+        </p:spPr>
+        <p:txBody>
+          <a:bodyPr wrap="square" rtlCol="0">
+            <a:spAutoFit/>
+          </a:bodyPr>
+          <a:lstStyle/>
+          <a:p>
+            <a:pPr algn="ctr"/>
+            <a:r>
+              <a:rPr lang="en-US" sz="4800" b="1" dirty="0">
+                <a:solidFill>
+                  <a:srgbClr val="660033"/>
+                </a:solidFill>
+                <a:effectLst/>
+                <a:latin typeface="Microsoft JhengHei" panose="020B0604030504040204" pitchFamily="34" charset="-120"/>
+                <a:ea typeface="Microsoft JhengHei" panose="020B0604030504040204" pitchFamily="34" charset="-120"/>
+                <a:cs typeface="Microsoft Himalaya" panose="01010100010101010101" pitchFamily="2" charset="0"/>
+              </a:rPr>
+              <a:t>( </a:t>
+            </a:r>
+            <a:r>
+              <a:rPr lang="zh-CN" altLang="en-US" sz="4800" b="1" dirty="0">
+                <a:solidFill>
+                  <a:srgbClr val="660033"/>
+                </a:solidFill>
+                <a:effectLst/>
+                <a:latin typeface="Microsoft JhengHei" panose="020B0604030504040204" pitchFamily="34" charset="-120"/>
+                <a:ea typeface="Microsoft JhengHei" panose="020B0604030504040204" pitchFamily="34" charset="-120"/>
+                <a:cs typeface="Microsoft Himalaya" panose="01010100010101010101" pitchFamily="2" charset="0"/>
+              </a:rPr>
+              <a:t>副</a:t>
+            </a:r>
+            <a:r>
+              <a:rPr lang="en-US" sz="4800" b="1" dirty="0">
+                <a:solidFill>
+                  <a:srgbClr val="660033"/>
+                </a:solidFill>
+                <a:effectLst/>
+                <a:latin typeface="Microsoft JhengHei" panose="020B0604030504040204" pitchFamily="34" charset="-120"/>
+                <a:ea typeface="Microsoft JhengHei" panose="020B0604030504040204" pitchFamily="34" charset="-120"/>
+                <a:cs typeface="Microsoft Himalaya" panose="01010100010101010101" pitchFamily="2" charset="0"/>
+              </a:rPr>
+              <a:t> )</a:t>
+            </a:r>
+            <a:endParaRPr lang="vi-VN" sz="4800" b="1" dirty="0">
+              <a:solidFill>
+                <a:srgbClr val="660033"/>
+              </a:solidFill>
+              <a:effectLst/>
+              <a:ea typeface="Microsoft JhengHei" panose="020B0604030504040204" pitchFamily="34" charset="-120"/>
+              <a:cs typeface="Microsoft Himalaya" panose="01010100010101010101" pitchFamily="2" charset="0"/>
+            </a:endParaRPr>
+          </a:p>
+        </p:txBody>
+      </p:sp>
+    </p:spTree>
+    <p:extLst>
+      <p:ext uri="{BB962C8B-B14F-4D97-AF65-F5344CB8AC3E}">
+        <p14:creationId xmlns:p14="http://schemas.microsoft.com/office/powerpoint/2010/main" val="805088433"/>
+      </p:ext>
+    </p:extLst>
+  </p:cSld>
+  <p:clrMapOvr>
+    <a:masterClrMapping/>
+  </p:clrMapOvr>
+</p:sld>
+</file>
+
+<file path=ppt/slides/slide9.xml><?xml version="1.0" encoding="utf-8"?>
+<p:sld xmlns:a="http://schemas.openxmlformats.org/drawingml/2006/main" xmlns:r="http://schemas.openxmlformats.org/officeDocument/2006/relationships" xmlns:p="http://schemas.openxmlformats.org/presentationml/2006/main">
+  <p:cSld>
+    <p:spTree>
+      <p:nvGrpSpPr>
+        <p:cNvPr id="1" name=""/>
+        <p:cNvGrpSpPr/>
+        <p:nvPr/>
+      </p:nvGrpSpPr>
+      <p:grpSpPr>
+        <a:xfrm>
+          <a:off x="0" y="0"/>
+          <a:ext cx="0" cy="0"/>
+          <a:chOff x="0" y="0"/>
+          <a:chExt cx="0" cy="0"/>
+        </a:xfrm>
+      </p:grpSpPr>
+      <p:sp>
+        <p:nvSpPr>
+          <p:cNvPr id="5" name="內容版面配置區 4"/>
+          <p:cNvSpPr>
+            <a:spLocks noGrp="1"/>
+          </p:cNvSpPr>
+          <p:nvPr>
+            <p:ph idx="1"/>
+          </p:nvPr>
+        </p:nvSpPr>
+        <p:spPr>
+          <a:xfrm>
+            <a:off x="0" y="2084851"/>
+            <a:ext cx="12192000" cy="2404863"/>
+          </a:xfrm>
+        </p:spPr>
+        <p:txBody>
+          <a:bodyPr anchor="ctr">
+            <a:normAutofit/>
+          </a:bodyPr>
+          <a:lstStyle/>
+          <a:p>
+            <a:pPr marL="0" indent="0" algn="ctr">
+              <a:buNone/>
+            </a:pPr>
+            <a:r>
+              <a:rPr lang="zh-TW" altLang="en-US" sz="6400" b="1" dirty="0">
+                <a:solidFill>
+                  <a:srgbClr val="660033"/>
+                </a:solidFill>
+                <a:latin typeface="Microsoft JhengHei" panose="020B0604030504040204" pitchFamily="34" charset="-120"/>
+                <a:ea typeface="Microsoft JhengHei" panose="020B0604030504040204" pitchFamily="34" charset="-120"/>
+              </a:rPr>
+              <a:t>因</a:t>
+            </a:r>
+            <a:r>
+              <a:rPr lang="zh-CN" altLang="en-US" sz="6400" b="1" dirty="0">
+                <a:solidFill>
+                  <a:srgbClr val="660033"/>
+                </a:solidFill>
+                <a:latin typeface="Microsoft JhengHei" panose="020B0604030504040204" pitchFamily="34" charset="-120"/>
+                <a:ea typeface="Microsoft JhengHei" panose="020B0604030504040204" pitchFamily="34" charset="-120"/>
+              </a:rPr>
+              <a:t>袮</a:t>
+            </a:r>
+            <a:r>
+              <a:rPr lang="zh-TW" altLang="en-US" sz="6400" b="1" dirty="0">
+                <a:solidFill>
+                  <a:srgbClr val="660033"/>
+                </a:solidFill>
+                <a:latin typeface="Microsoft JhengHei" panose="020B0604030504040204" pitchFamily="34" charset="-120"/>
+                <a:ea typeface="Microsoft JhengHei" panose="020B0604030504040204" pitchFamily="34" charset="-120"/>
+              </a:rPr>
+              <a:t>已戰勝死亡  </a:t>
+            </a:r>
+            <a:r>
+              <a:rPr lang="zh-TW" altLang="en-US" sz="6400" b="1" dirty="0">
+                <a:solidFill>
+                  <a:srgbClr val="660033"/>
+                </a:solidFill>
+                <a:latin typeface="Microsoft JhengHei" panose="020B0604030504040204" pitchFamily="34" charset="-120"/>
+                <a:ea typeface="Microsoft JhengHei" panose="020B0604030504040204" pitchFamily="34" charset="-120"/>
+              </a:rPr>
+              <a:t> 得</a:t>
+            </a:r>
+            <a:r>
+              <a:rPr lang="zh-TW" altLang="en-US" sz="6400" b="1" dirty="0">
+                <a:solidFill>
+                  <a:srgbClr val="660033"/>
+                </a:solidFill>
+                <a:latin typeface="Microsoft JhengHei" panose="020B0604030504040204" pitchFamily="34" charset="-120"/>
+                <a:ea typeface="Microsoft JhengHei" panose="020B0604030504040204" pitchFamily="34" charset="-120"/>
+              </a:rPr>
+              <a:t>勝君王</a:t>
+            </a:r>
+            <a:endParaRPr lang="en-US" altLang="zh-TW" sz="6400" b="1" dirty="0">
+              <a:solidFill>
+                <a:srgbClr val="660033"/>
+              </a:solidFill>
+              <a:latin typeface="Microsoft JhengHei" panose="020B0604030504040204" pitchFamily="34" charset="-120"/>
+              <a:ea typeface="Microsoft JhengHei" panose="020B0604030504040204" pitchFamily="34" charset="-120"/>
+            </a:endParaRPr>
+          </a:p>
+          <a:p>
+            <a:pPr marL="0" indent="0" algn="ctr">
+              <a:buNone/>
+            </a:pPr>
+            <a:r>
+              <a:rPr lang="zh-TW" altLang="en-US" sz="6400" b="1" dirty="0">
+                <a:solidFill>
+                  <a:srgbClr val="660033"/>
+                </a:solidFill>
+                <a:latin typeface="Microsoft JhengHei" panose="020B0604030504040204" pitchFamily="34" charset="-120"/>
+                <a:ea typeface="Microsoft JhengHei" panose="020B0604030504040204" pitchFamily="34" charset="-120"/>
+              </a:rPr>
+              <a:t>這信心的路我永不回頭</a:t>
+            </a:r>
+            <a:endParaRPr lang="vi-VN" sz="6400" b="1" dirty="0">
+              <a:solidFill>
+                <a:srgbClr val="660033"/>
+              </a:solidFill>
+              <a:latin typeface="Microsoft JhengHei" panose="020B0604030504040204" pitchFamily="34" charset="-120"/>
+              <a:ea typeface="Microsoft JhengHei" panose="020B0604030504040204" pitchFamily="34" charset="-120"/>
+            </a:endParaRPr>
+          </a:p>
+        </p:txBody>
+      </p:sp>
+      <p:sp>
+        <p:nvSpPr>
+          <p:cNvPr id="3" name="TextBox 2"/>
+          <p:cNvSpPr txBox="1"/>
+          <p:nvPr/>
+        </p:nvSpPr>
+        <p:spPr>
+          <a:xfrm>
+            <a:off x="0" y="5061182"/>
+            <a:ext cx="12192000" cy="830997"/>
+          </a:xfrm>
+          <a:prstGeom prst="rect">
+            <a:avLst/>
+          </a:prstGeom>
+          <a:noFill/>
+        </p:spPr>
+        <p:txBody>
+          <a:bodyPr wrap="square" rtlCol="0">
+            <a:spAutoFit/>
+          </a:bodyPr>
+          <a:lstStyle/>
+          <a:p>
+            <a:pPr algn="ctr"/>
+            <a:r>
+              <a:rPr lang="en-US" sz="4800" b="1" dirty="0">
+                <a:solidFill>
+                  <a:srgbClr val="660033"/>
+                </a:solidFill>
+                <a:effectLst/>
+                <a:latin typeface="Microsoft JhengHei" panose="020B0604030504040204" pitchFamily="34" charset="-120"/>
+                <a:ea typeface="Microsoft JhengHei" panose="020B0604030504040204" pitchFamily="34" charset="-120"/>
+                <a:cs typeface="Microsoft Himalaya" panose="01010100010101010101" pitchFamily="2" charset="0"/>
+              </a:rPr>
+              <a:t>( </a:t>
+            </a:r>
+            <a:r>
+              <a:rPr lang="zh-CN" altLang="en-US" sz="4800" b="1" dirty="0">
+                <a:solidFill>
+                  <a:srgbClr val="660033"/>
+                </a:solidFill>
+                <a:effectLst/>
+                <a:latin typeface="Microsoft JhengHei" panose="020B0604030504040204" pitchFamily="34" charset="-120"/>
+                <a:ea typeface="Microsoft JhengHei" panose="020B0604030504040204" pitchFamily="34" charset="-120"/>
+                <a:cs typeface="Microsoft Himalaya" panose="01010100010101010101" pitchFamily="2" charset="0"/>
+              </a:rPr>
+              <a:t>副</a:t>
+            </a:r>
+            <a:r>
+              <a:rPr lang="en-US" sz="4800" b="1" dirty="0">
+                <a:solidFill>
+                  <a:srgbClr val="660033"/>
+                </a:solidFill>
+                <a:effectLst/>
+                <a:latin typeface="Microsoft JhengHei" panose="020B0604030504040204" pitchFamily="34" charset="-120"/>
+                <a:ea typeface="Microsoft JhengHei" panose="020B0604030504040204" pitchFamily="34" charset="-120"/>
+                <a:cs typeface="Microsoft Himalaya" panose="01010100010101010101" pitchFamily="2" charset="0"/>
+              </a:rPr>
+              <a:t> )</a:t>
+            </a:r>
+            <a:endParaRPr lang="vi-VN" sz="4800" b="1" dirty="0">
+              <a:solidFill>
+                <a:srgbClr val="660033"/>
+              </a:solidFill>
+              <a:effectLst/>
+              <a:ea typeface="Microsoft JhengHei" panose="020B0604030504040204" pitchFamily="34" charset="-120"/>
+              <a:cs typeface="Microsoft Himalaya" panose="01010100010101010101" pitchFamily="2" charset="0"/>
+            </a:endParaRPr>
+          </a:p>
+        </p:txBody>
+      </p:sp>
+    </p:spTree>
+    <p:extLst>
+      <p:ext uri="{BB962C8B-B14F-4D97-AF65-F5344CB8AC3E}">
+        <p14:creationId xmlns:p14="http://schemas.microsoft.com/office/powerpoint/2010/main" val="1278083542"/>
       </p:ext>
     </p:extLst>
   </p:cSld>

--- a/主我跟你走(崇拜版).pptx
+++ b/主我跟你走(崇拜版).pptx
@@ -5,15 +5,15 @@
     <p:sldMasterId id="2147483660" r:id="rId1"/>
   </p:sldMasterIdLst>
   <p:sldIdLst>
-    <p:sldId id="261" r:id="rId2"/>
-    <p:sldId id="262" r:id="rId3"/>
-    <p:sldId id="263" r:id="rId4"/>
-    <p:sldId id="264" r:id="rId5"/>
-    <p:sldId id="265" r:id="rId6"/>
-    <p:sldId id="266" r:id="rId7"/>
-    <p:sldId id="267" r:id="rId8"/>
-    <p:sldId id="268" r:id="rId9"/>
-    <p:sldId id="269" r:id="rId10"/>
+    <p:sldId id="518" r:id="rId2"/>
+    <p:sldId id="519" r:id="rId3"/>
+    <p:sldId id="520" r:id="rId4"/>
+    <p:sldId id="521" r:id="rId5"/>
+    <p:sldId id="522" r:id="rId6"/>
+    <p:sldId id="523" r:id="rId7"/>
+    <p:sldId id="524" r:id="rId8"/>
+    <p:sldId id="525" r:id="rId9"/>
+    <p:sldId id="526" r:id="rId10"/>
   </p:sldIdLst>
   <p:sldSz cx="12192000" cy="6858000"/>
   <p:notesSz cx="6858000" cy="9144000"/>
@@ -158,7 +158,7 @@
           <a:lstStyle/>
           <a:p>
             <a:r>
-              <a:rPr lang="en-US" altLang="zh-TW" smtClean="0"/>
+              <a:rPr lang="en-US" altLang="zh-TW"/>
               <a:t>Click to edit Master title style</a:t>
             </a:r>
             <a:endParaRPr lang="zh-TW" altLang="en-US"/>
@@ -277,7 +277,7 @@
           </a:lstStyle>
           <a:p>
             <a:r>
-              <a:rPr lang="en-US" altLang="zh-TW" smtClean="0"/>
+              <a:rPr lang="en-US" altLang="zh-TW"/>
               <a:t>Click to edit Master subtitle style</a:t>
             </a:r>
             <a:endParaRPr lang="zh-TW" altLang="en-US"/>
@@ -301,7 +301,7 @@
           <a:p>
             <a:fld id="{8523CD9F-3F00-440D-898E-05747CA14AE3}" type="datetimeFigureOut">
               <a:rPr lang="vi-VN" smtClean="0"/>
-              <a:t>02/02/2022</a:t>
+              <a:t>13/01/2024</a:t>
             </a:fld>
             <a:endParaRPr lang="vi-VN"/>
           </a:p>
@@ -395,7 +395,7 @@
           <a:lstStyle/>
           <a:p>
             <a:r>
-              <a:rPr lang="en-US" altLang="zh-TW" smtClean="0"/>
+              <a:rPr lang="en-US" altLang="zh-TW"/>
               <a:t>Click to edit Master title style</a:t>
             </a:r>
             <a:endParaRPr lang="zh-TW" altLang="en-US"/>
@@ -419,35 +419,35 @@
           <a:p>
             <a:pPr lvl="0"/>
             <a:r>
-              <a:rPr lang="en-US" altLang="zh-TW" smtClean="0"/>
+              <a:rPr lang="en-US" altLang="zh-TW"/>
               <a:t>Edit Master text styles</a:t>
             </a:r>
           </a:p>
           <a:p>
             <a:pPr lvl="1"/>
             <a:r>
-              <a:rPr lang="en-US" altLang="zh-TW" smtClean="0"/>
+              <a:rPr lang="en-US" altLang="zh-TW"/>
               <a:t>Second level</a:t>
             </a:r>
           </a:p>
           <a:p>
             <a:pPr lvl="2"/>
             <a:r>
-              <a:rPr lang="en-US" altLang="zh-TW" smtClean="0"/>
+              <a:rPr lang="en-US" altLang="zh-TW"/>
               <a:t>Third level</a:t>
             </a:r>
           </a:p>
           <a:p>
             <a:pPr lvl="3"/>
             <a:r>
-              <a:rPr lang="en-US" altLang="zh-TW" smtClean="0"/>
+              <a:rPr lang="en-US" altLang="zh-TW"/>
               <a:t>Fourth level</a:t>
             </a:r>
           </a:p>
           <a:p>
             <a:pPr lvl="4"/>
             <a:r>
-              <a:rPr lang="en-US" altLang="zh-TW" smtClean="0"/>
+              <a:rPr lang="en-US" altLang="zh-TW"/>
               <a:t>Fifth level</a:t>
             </a:r>
             <a:endParaRPr lang="zh-TW" altLang="en-US"/>
@@ -471,7 +471,7 @@
           <a:p>
             <a:fld id="{8523CD9F-3F00-440D-898E-05747CA14AE3}" type="datetimeFigureOut">
               <a:rPr lang="vi-VN" smtClean="0"/>
-              <a:t>02/02/2022</a:t>
+              <a:t>13/01/2024</a:t>
             </a:fld>
             <a:endParaRPr lang="vi-VN"/>
           </a:p>
@@ -570,7 +570,7 @@
           <a:lstStyle/>
           <a:p>
             <a:r>
-              <a:rPr lang="en-US" altLang="zh-TW" smtClean="0"/>
+              <a:rPr lang="en-US" altLang="zh-TW"/>
               <a:t>Click to edit Master title style</a:t>
             </a:r>
             <a:endParaRPr lang="zh-TW" altLang="en-US"/>
@@ -599,35 +599,35 @@
           <a:p>
             <a:pPr lvl="0"/>
             <a:r>
-              <a:rPr lang="en-US" altLang="zh-TW" smtClean="0"/>
+              <a:rPr lang="en-US" altLang="zh-TW"/>
               <a:t>Edit Master text styles</a:t>
             </a:r>
           </a:p>
           <a:p>
             <a:pPr lvl="1"/>
             <a:r>
-              <a:rPr lang="en-US" altLang="zh-TW" smtClean="0"/>
+              <a:rPr lang="en-US" altLang="zh-TW"/>
               <a:t>Second level</a:t>
             </a:r>
           </a:p>
           <a:p>
             <a:pPr lvl="2"/>
             <a:r>
-              <a:rPr lang="en-US" altLang="zh-TW" smtClean="0"/>
+              <a:rPr lang="en-US" altLang="zh-TW"/>
               <a:t>Third level</a:t>
             </a:r>
           </a:p>
           <a:p>
             <a:pPr lvl="3"/>
             <a:r>
-              <a:rPr lang="en-US" altLang="zh-TW" smtClean="0"/>
+              <a:rPr lang="en-US" altLang="zh-TW"/>
               <a:t>Fourth level</a:t>
             </a:r>
           </a:p>
           <a:p>
             <a:pPr lvl="4"/>
             <a:r>
-              <a:rPr lang="en-US" altLang="zh-TW" smtClean="0"/>
+              <a:rPr lang="en-US" altLang="zh-TW"/>
               <a:t>Fifth level</a:t>
             </a:r>
             <a:endParaRPr lang="zh-TW" altLang="en-US"/>
@@ -651,7 +651,7 @@
           <a:p>
             <a:fld id="{8523CD9F-3F00-440D-898E-05747CA14AE3}" type="datetimeFigureOut">
               <a:rPr lang="vi-VN" smtClean="0"/>
-              <a:t>02/02/2022</a:t>
+              <a:t>13/01/2024</a:t>
             </a:fld>
             <a:endParaRPr lang="vi-VN"/>
           </a:p>
@@ -745,7 +745,7 @@
           <a:lstStyle/>
           <a:p>
             <a:r>
-              <a:rPr lang="en-US" altLang="zh-TW" smtClean="0"/>
+              <a:rPr lang="en-US" altLang="zh-TW"/>
               <a:t>Click to edit Master title style</a:t>
             </a:r>
             <a:endParaRPr lang="zh-TW" altLang="en-US"/>
@@ -769,35 +769,35 @@
           <a:p>
             <a:pPr lvl="0"/>
             <a:r>
-              <a:rPr lang="en-US" altLang="zh-TW" smtClean="0"/>
+              <a:rPr lang="en-US" altLang="zh-TW"/>
               <a:t>Edit Master text styles</a:t>
             </a:r>
           </a:p>
           <a:p>
             <a:pPr lvl="1"/>
             <a:r>
-              <a:rPr lang="en-US" altLang="zh-TW" smtClean="0"/>
+              <a:rPr lang="en-US" altLang="zh-TW"/>
               <a:t>Second level</a:t>
             </a:r>
           </a:p>
           <a:p>
             <a:pPr lvl="2"/>
             <a:r>
-              <a:rPr lang="en-US" altLang="zh-TW" smtClean="0"/>
+              <a:rPr lang="en-US" altLang="zh-TW"/>
               <a:t>Third level</a:t>
             </a:r>
           </a:p>
           <a:p>
             <a:pPr lvl="3"/>
             <a:r>
-              <a:rPr lang="en-US" altLang="zh-TW" smtClean="0"/>
+              <a:rPr lang="en-US" altLang="zh-TW"/>
               <a:t>Fourth level</a:t>
             </a:r>
           </a:p>
           <a:p>
             <a:pPr lvl="4"/>
             <a:r>
-              <a:rPr lang="en-US" altLang="zh-TW" smtClean="0"/>
+              <a:rPr lang="en-US" altLang="zh-TW"/>
               <a:t>Fifth level</a:t>
             </a:r>
             <a:endParaRPr lang="zh-TW" altLang="en-US"/>
@@ -821,7 +821,7 @@
           <a:p>
             <a:fld id="{8523CD9F-3F00-440D-898E-05747CA14AE3}" type="datetimeFigureOut">
               <a:rPr lang="vi-VN" smtClean="0"/>
-              <a:t>02/02/2022</a:t>
+              <a:t>13/01/2024</a:t>
             </a:fld>
             <a:endParaRPr lang="vi-VN"/>
           </a:p>
@@ -924,7 +924,7 @@
           </a:lstStyle>
           <a:p>
             <a:r>
-              <a:rPr lang="en-US" altLang="zh-TW" smtClean="0"/>
+              <a:rPr lang="en-US" altLang="zh-TW"/>
               <a:t>Click to edit Master title style</a:t>
             </a:r>
             <a:endParaRPr lang="zh-TW" altLang="en-US"/>
@@ -1044,7 +1044,7 @@
           <a:p>
             <a:pPr lvl="0"/>
             <a:r>
-              <a:rPr lang="en-US" altLang="zh-TW" smtClean="0"/>
+              <a:rPr lang="en-US" altLang="zh-TW"/>
               <a:t>Edit Master text styles</a:t>
             </a:r>
           </a:p>
@@ -1067,7 +1067,7 @@
           <a:p>
             <a:fld id="{8523CD9F-3F00-440D-898E-05747CA14AE3}" type="datetimeFigureOut">
               <a:rPr lang="vi-VN" smtClean="0"/>
-              <a:t>02/02/2022</a:t>
+              <a:t>13/01/2024</a:t>
             </a:fld>
             <a:endParaRPr lang="vi-VN"/>
           </a:p>
@@ -1161,7 +1161,7 @@
           <a:lstStyle/>
           <a:p>
             <a:r>
-              <a:rPr lang="en-US" altLang="zh-TW" smtClean="0"/>
+              <a:rPr lang="en-US" altLang="zh-TW"/>
               <a:t>Click to edit Master title style</a:t>
             </a:r>
             <a:endParaRPr lang="zh-TW" altLang="en-US"/>
@@ -1218,35 +1218,35 @@
           <a:p>
             <a:pPr lvl="0"/>
             <a:r>
-              <a:rPr lang="en-US" altLang="zh-TW" smtClean="0"/>
+              <a:rPr lang="en-US" altLang="zh-TW"/>
               <a:t>Edit Master text styles</a:t>
             </a:r>
           </a:p>
           <a:p>
             <a:pPr lvl="1"/>
             <a:r>
-              <a:rPr lang="en-US" altLang="zh-TW" smtClean="0"/>
+              <a:rPr lang="en-US" altLang="zh-TW"/>
               <a:t>Second level</a:t>
             </a:r>
           </a:p>
           <a:p>
             <a:pPr lvl="2"/>
             <a:r>
-              <a:rPr lang="en-US" altLang="zh-TW" smtClean="0"/>
+              <a:rPr lang="en-US" altLang="zh-TW"/>
               <a:t>Third level</a:t>
             </a:r>
           </a:p>
           <a:p>
             <a:pPr lvl="3"/>
             <a:r>
-              <a:rPr lang="en-US" altLang="zh-TW" smtClean="0"/>
+              <a:rPr lang="en-US" altLang="zh-TW"/>
               <a:t>Fourth level</a:t>
             </a:r>
           </a:p>
           <a:p>
             <a:pPr lvl="4"/>
             <a:r>
-              <a:rPr lang="en-US" altLang="zh-TW" smtClean="0"/>
+              <a:rPr lang="en-US" altLang="zh-TW"/>
               <a:t>Fifth level</a:t>
             </a:r>
             <a:endParaRPr lang="zh-TW" altLang="en-US"/>
@@ -1303,35 +1303,35 @@
           <a:p>
             <a:pPr lvl="0"/>
             <a:r>
-              <a:rPr lang="en-US" altLang="zh-TW" smtClean="0"/>
+              <a:rPr lang="en-US" altLang="zh-TW"/>
               <a:t>Edit Master text styles</a:t>
             </a:r>
           </a:p>
           <a:p>
             <a:pPr lvl="1"/>
             <a:r>
-              <a:rPr lang="en-US" altLang="zh-TW" smtClean="0"/>
+              <a:rPr lang="en-US" altLang="zh-TW"/>
               <a:t>Second level</a:t>
             </a:r>
           </a:p>
           <a:p>
             <a:pPr lvl="2"/>
             <a:r>
-              <a:rPr lang="en-US" altLang="zh-TW" smtClean="0"/>
+              <a:rPr lang="en-US" altLang="zh-TW"/>
               <a:t>Third level</a:t>
             </a:r>
           </a:p>
           <a:p>
             <a:pPr lvl="3"/>
             <a:r>
-              <a:rPr lang="en-US" altLang="zh-TW" smtClean="0"/>
+              <a:rPr lang="en-US" altLang="zh-TW"/>
               <a:t>Fourth level</a:t>
             </a:r>
           </a:p>
           <a:p>
             <a:pPr lvl="4"/>
             <a:r>
-              <a:rPr lang="en-US" altLang="zh-TW" smtClean="0"/>
+              <a:rPr lang="en-US" altLang="zh-TW"/>
               <a:t>Fifth level</a:t>
             </a:r>
             <a:endParaRPr lang="zh-TW" altLang="en-US"/>
@@ -1355,7 +1355,7 @@
           <a:p>
             <a:fld id="{8523CD9F-3F00-440D-898E-05747CA14AE3}" type="datetimeFigureOut">
               <a:rPr lang="vi-VN" smtClean="0"/>
-              <a:t>02/02/2022</a:t>
+              <a:t>13/01/2024</a:t>
             </a:fld>
             <a:endParaRPr lang="vi-VN"/>
           </a:p>
@@ -1453,7 +1453,7 @@
           </a:lstStyle>
           <a:p>
             <a:r>
-              <a:rPr lang="en-US" altLang="zh-TW" smtClean="0"/>
+              <a:rPr lang="en-US" altLang="zh-TW"/>
               <a:t>Click to edit Master title style</a:t>
             </a:r>
             <a:endParaRPr lang="zh-TW" altLang="en-US"/>
@@ -1519,7 +1519,7 @@
           <a:p>
             <a:pPr lvl="0"/>
             <a:r>
-              <a:rPr lang="en-US" altLang="zh-TW" smtClean="0"/>
+              <a:rPr lang="en-US" altLang="zh-TW"/>
               <a:t>Edit Master text styles</a:t>
             </a:r>
           </a:p>
@@ -1575,35 +1575,35 @@
           <a:p>
             <a:pPr lvl="0"/>
             <a:r>
-              <a:rPr lang="en-US" altLang="zh-TW" smtClean="0"/>
+              <a:rPr lang="en-US" altLang="zh-TW"/>
               <a:t>Edit Master text styles</a:t>
             </a:r>
           </a:p>
           <a:p>
             <a:pPr lvl="1"/>
             <a:r>
-              <a:rPr lang="en-US" altLang="zh-TW" smtClean="0"/>
+              <a:rPr lang="en-US" altLang="zh-TW"/>
               <a:t>Second level</a:t>
             </a:r>
           </a:p>
           <a:p>
             <a:pPr lvl="2"/>
             <a:r>
-              <a:rPr lang="en-US" altLang="zh-TW" smtClean="0"/>
+              <a:rPr lang="en-US" altLang="zh-TW"/>
               <a:t>Third level</a:t>
             </a:r>
           </a:p>
           <a:p>
             <a:pPr lvl="3"/>
             <a:r>
-              <a:rPr lang="en-US" altLang="zh-TW" smtClean="0"/>
+              <a:rPr lang="en-US" altLang="zh-TW"/>
               <a:t>Fourth level</a:t>
             </a:r>
           </a:p>
           <a:p>
             <a:pPr lvl="4"/>
             <a:r>
-              <a:rPr lang="en-US" altLang="zh-TW" smtClean="0"/>
+              <a:rPr lang="en-US" altLang="zh-TW"/>
               <a:t>Fifth level</a:t>
             </a:r>
             <a:endParaRPr lang="zh-TW" altLang="en-US"/>
@@ -1669,7 +1669,7 @@
           <a:p>
             <a:pPr lvl="0"/>
             <a:r>
-              <a:rPr lang="en-US" altLang="zh-TW" smtClean="0"/>
+              <a:rPr lang="en-US" altLang="zh-TW"/>
               <a:t>Edit Master text styles</a:t>
             </a:r>
           </a:p>
@@ -1725,35 +1725,35 @@
           <a:p>
             <a:pPr lvl="0"/>
             <a:r>
-              <a:rPr lang="en-US" altLang="zh-TW" smtClean="0"/>
+              <a:rPr lang="en-US" altLang="zh-TW"/>
               <a:t>Edit Master text styles</a:t>
             </a:r>
           </a:p>
           <a:p>
             <a:pPr lvl="1"/>
             <a:r>
-              <a:rPr lang="en-US" altLang="zh-TW" smtClean="0"/>
+              <a:rPr lang="en-US" altLang="zh-TW"/>
               <a:t>Second level</a:t>
             </a:r>
           </a:p>
           <a:p>
             <a:pPr lvl="2"/>
             <a:r>
-              <a:rPr lang="en-US" altLang="zh-TW" smtClean="0"/>
+              <a:rPr lang="en-US" altLang="zh-TW"/>
               <a:t>Third level</a:t>
             </a:r>
           </a:p>
           <a:p>
             <a:pPr lvl="3"/>
             <a:r>
-              <a:rPr lang="en-US" altLang="zh-TW" smtClean="0"/>
+              <a:rPr lang="en-US" altLang="zh-TW"/>
               <a:t>Fourth level</a:t>
             </a:r>
           </a:p>
           <a:p>
             <a:pPr lvl="4"/>
             <a:r>
-              <a:rPr lang="en-US" altLang="zh-TW" smtClean="0"/>
+              <a:rPr lang="en-US" altLang="zh-TW"/>
               <a:t>Fifth level</a:t>
             </a:r>
             <a:endParaRPr lang="zh-TW" altLang="en-US"/>
@@ -1777,7 +1777,7 @@
           <a:p>
             <a:fld id="{8523CD9F-3F00-440D-898E-05747CA14AE3}" type="datetimeFigureOut">
               <a:rPr lang="vi-VN" smtClean="0"/>
-              <a:t>02/02/2022</a:t>
+              <a:t>13/01/2024</a:t>
             </a:fld>
             <a:endParaRPr lang="vi-VN"/>
           </a:p>
@@ -1871,7 +1871,7 @@
           <a:lstStyle/>
           <a:p>
             <a:r>
-              <a:rPr lang="en-US" altLang="zh-TW" smtClean="0"/>
+              <a:rPr lang="en-US" altLang="zh-TW"/>
               <a:t>Click to edit Master title style</a:t>
             </a:r>
             <a:endParaRPr lang="zh-TW" altLang="en-US"/>
@@ -1895,7 +1895,7 @@
           <a:p>
             <a:fld id="{8523CD9F-3F00-440D-898E-05747CA14AE3}" type="datetimeFigureOut">
               <a:rPr lang="vi-VN" smtClean="0"/>
-              <a:t>02/02/2022</a:t>
+              <a:t>13/01/2024</a:t>
             </a:fld>
             <a:endParaRPr lang="vi-VN"/>
           </a:p>
@@ -1990,7 +1990,7 @@
           <a:p>
             <a:fld id="{8523CD9F-3F00-440D-898E-05747CA14AE3}" type="datetimeFigureOut">
               <a:rPr lang="vi-VN" smtClean="0"/>
-              <a:t>02/02/2022</a:t>
+              <a:t>13/01/2024</a:t>
             </a:fld>
             <a:endParaRPr lang="vi-VN"/>
           </a:p>
@@ -2093,7 +2093,7 @@
           </a:lstStyle>
           <a:p>
             <a:r>
-              <a:rPr lang="en-US" altLang="zh-TW" smtClean="0"/>
+              <a:rPr lang="en-US" altLang="zh-TW"/>
               <a:t>Click to edit Master title style</a:t>
             </a:r>
             <a:endParaRPr lang="zh-TW" altLang="en-US"/>
@@ -2150,35 +2150,35 @@
           <a:p>
             <a:pPr lvl="0"/>
             <a:r>
-              <a:rPr lang="en-US" altLang="zh-TW" smtClean="0"/>
+              <a:rPr lang="en-US" altLang="zh-TW"/>
               <a:t>Edit Master text styles</a:t>
             </a:r>
           </a:p>
           <a:p>
             <a:pPr lvl="1"/>
             <a:r>
-              <a:rPr lang="en-US" altLang="zh-TW" smtClean="0"/>
+              <a:rPr lang="en-US" altLang="zh-TW"/>
               <a:t>Second level</a:t>
             </a:r>
           </a:p>
           <a:p>
             <a:pPr lvl="2"/>
             <a:r>
-              <a:rPr lang="en-US" altLang="zh-TW" smtClean="0"/>
+              <a:rPr lang="en-US" altLang="zh-TW"/>
               <a:t>Third level</a:t>
             </a:r>
           </a:p>
           <a:p>
             <a:pPr lvl="3"/>
             <a:r>
-              <a:rPr lang="en-US" altLang="zh-TW" smtClean="0"/>
+              <a:rPr lang="en-US" altLang="zh-TW"/>
               <a:t>Fourth level</a:t>
             </a:r>
           </a:p>
           <a:p>
             <a:pPr lvl="4"/>
             <a:r>
-              <a:rPr lang="en-US" altLang="zh-TW" smtClean="0"/>
+              <a:rPr lang="en-US" altLang="zh-TW"/>
               <a:t>Fifth level</a:t>
             </a:r>
             <a:endParaRPr lang="zh-TW" altLang="en-US"/>
@@ -2244,7 +2244,7 @@
           <a:p>
             <a:pPr lvl="0"/>
             <a:r>
-              <a:rPr lang="en-US" altLang="zh-TW" smtClean="0"/>
+              <a:rPr lang="en-US" altLang="zh-TW"/>
               <a:t>Edit Master text styles</a:t>
             </a:r>
           </a:p>
@@ -2267,7 +2267,7 @@
           <a:p>
             <a:fld id="{8523CD9F-3F00-440D-898E-05747CA14AE3}" type="datetimeFigureOut">
               <a:rPr lang="vi-VN" smtClean="0"/>
-              <a:t>02/02/2022</a:t>
+              <a:t>13/01/2024</a:t>
             </a:fld>
             <a:endParaRPr lang="vi-VN"/>
           </a:p>
@@ -2370,7 +2370,7 @@
           </a:lstStyle>
           <a:p>
             <a:r>
-              <a:rPr lang="en-US" altLang="zh-TW" smtClean="0"/>
+              <a:rPr lang="en-US" altLang="zh-TW"/>
               <a:t>Click to edit Master title style</a:t>
             </a:r>
             <a:endParaRPr lang="zh-TW" altLang="en-US"/>
@@ -2435,7 +2435,7 @@
           </a:lstStyle>
           <a:p>
             <a:r>
-              <a:rPr lang="en-US" altLang="zh-TW" smtClean="0"/>
+              <a:rPr lang="en-US" altLang="zh-TW"/>
               <a:t>Click icon to add picture</a:t>
             </a:r>
             <a:endParaRPr lang="zh-TW" altLang="en-US"/>
@@ -2501,7 +2501,7 @@
           <a:p>
             <a:pPr lvl="0"/>
             <a:r>
-              <a:rPr lang="en-US" altLang="zh-TW" smtClean="0"/>
+              <a:rPr lang="en-US" altLang="zh-TW"/>
               <a:t>Edit Master text styles</a:t>
             </a:r>
           </a:p>
@@ -2524,7 +2524,7 @@
           <a:p>
             <a:fld id="{8523CD9F-3F00-440D-898E-05747CA14AE3}" type="datetimeFigureOut">
               <a:rPr lang="vi-VN" smtClean="0"/>
-              <a:t>02/02/2022</a:t>
+              <a:t>13/01/2024</a:t>
             </a:fld>
             <a:endParaRPr lang="vi-VN"/>
           </a:p>
@@ -2638,10 +2638,9 @@
           <a:lstStyle/>
           <a:p>
             <a:r>
-              <a:rPr lang="zh-TW" altLang="en-US" smtClean="0"/>
+              <a:rPr lang="zh-TW" altLang="en-US"/>
               <a:t>按一下以編輯母片標題樣式</a:t>
             </a:r>
-            <a:endParaRPr lang="zh-TW" altLang="en-US"/>
           </a:p>
         </p:txBody>
       </p:sp>
@@ -2672,38 +2671,37 @@
           <a:p>
             <a:pPr lvl="0"/>
             <a:r>
-              <a:rPr lang="zh-TW" altLang="en-US" smtClean="0"/>
+              <a:rPr lang="zh-TW" altLang="en-US"/>
               <a:t>按一下以編輯母片文字樣式</a:t>
             </a:r>
           </a:p>
           <a:p>
             <a:pPr lvl="1"/>
             <a:r>
-              <a:rPr lang="zh-TW" altLang="en-US" smtClean="0"/>
+              <a:rPr lang="zh-TW" altLang="en-US"/>
               <a:t>第二層</a:t>
             </a:r>
           </a:p>
           <a:p>
             <a:pPr lvl="2"/>
             <a:r>
-              <a:rPr lang="zh-TW" altLang="en-US" smtClean="0"/>
+              <a:rPr lang="zh-TW" altLang="en-US"/>
               <a:t>第三層</a:t>
             </a:r>
           </a:p>
           <a:p>
             <a:pPr lvl="3"/>
             <a:r>
-              <a:rPr lang="zh-TW" altLang="en-US" smtClean="0"/>
+              <a:rPr lang="zh-TW" altLang="en-US"/>
               <a:t>第四層</a:t>
             </a:r>
           </a:p>
           <a:p>
             <a:pPr lvl="4"/>
             <a:r>
-              <a:rPr lang="zh-TW" altLang="en-US" smtClean="0"/>
+              <a:rPr lang="zh-TW" altLang="en-US"/>
               <a:t>第五層</a:t>
             </a:r>
-            <a:endParaRPr lang="zh-TW" altLang="en-US"/>
           </a:p>
         </p:txBody>
       </p:sp>
@@ -2742,7 +2740,7 @@
           <a:p>
             <a:fld id="{8523CD9F-3F00-440D-898E-05747CA14AE3}" type="datetimeFigureOut">
               <a:rPr lang="vi-VN" smtClean="0"/>
-              <a:t>02/02/2022</a:t>
+              <a:t>13/01/2024</a:t>
             </a:fld>
             <a:endParaRPr lang="vi-VN"/>
           </a:p>
@@ -3142,7 +3140,7 @@
             <a:r>
               <a:rPr lang="zh-CN" altLang="en-US" sz="7200" b="1" i="1" dirty="0">
                 <a:solidFill>
-                  <a:srgbClr val="660033"/>
+                  <a:srgbClr val="000066"/>
                 </a:solidFill>
                 <a:effectLst>
                   <a:outerShdw blurRad="38100" dist="38100" dir="2700000" algn="tl">
@@ -3154,28 +3152,11 @@
                 <a:latin typeface="微軟正黑體" pitchFamily="34" charset="-120"/>
                 <a:ea typeface="微軟正黑體" pitchFamily="34" charset="-120"/>
               </a:rPr>
-              <a:t>主</a:t>
-            </a:r>
-            <a:r>
-              <a:rPr lang="zh-CN" altLang="en-US" sz="7200" b="1" i="1" dirty="0">
-                <a:solidFill>
-                  <a:srgbClr val="660033"/>
-                </a:solidFill>
-                <a:effectLst>
-                  <a:outerShdw blurRad="38100" dist="38100" dir="2700000" algn="tl">
-                    <a:srgbClr val="000000">
-                      <a:alpha val="43137"/>
-                    </a:srgbClr>
-                  </a:outerShdw>
-                </a:effectLst>
-                <a:latin typeface="微軟正黑體" pitchFamily="34" charset="-120"/>
-                <a:ea typeface="微軟正黑體" pitchFamily="34" charset="-120"/>
-              </a:rPr>
-              <a:t>我跟袮走</a:t>
+              <a:t>主我跟祢走</a:t>
             </a:r>
             <a:endParaRPr lang="zh-TW" altLang="en-US" sz="7200" b="1" i="1" dirty="0">
               <a:solidFill>
-                <a:srgbClr val="660033"/>
+                <a:srgbClr val="000066"/>
               </a:solidFill>
               <a:effectLst>
                 <a:outerShdw blurRad="38100" dist="38100" dir="2700000" algn="tl">
@@ -3191,11 +3172,6 @@
         </p:txBody>
       </p:sp>
     </p:spTree>
-    <p:extLst>
-      <p:ext uri="{BB962C8B-B14F-4D97-AF65-F5344CB8AC3E}">
-        <p14:creationId xmlns:p14="http://schemas.microsoft.com/office/powerpoint/2010/main" val="3797250738"/>
-      </p:ext>
-    </p:extLst>
   </p:cSld>
   <p:clrMapOvr>
     <a:masterClrMapping/>
@@ -3242,67 +3218,47 @@
           </a:bodyPr>
           <a:lstStyle/>
           <a:p>
-            <a:pPr marL="0" indent="0" algn="ctr">
+            <a:pPr algn="ctr">
               <a:buNone/>
             </a:pPr>
             <a:r>
               <a:rPr lang="zh-TW" altLang="en-US" sz="6400" b="1" dirty="0">
                 <a:solidFill>
-                  <a:srgbClr val="660033"/>
-                </a:solidFill>
-                <a:latin typeface="Microsoft JhengHei" panose="020B0604030504040204" pitchFamily="34" charset="-120"/>
-                <a:ea typeface="Microsoft JhengHei" panose="020B0604030504040204" pitchFamily="34" charset="-120"/>
+                  <a:srgbClr val="000066"/>
+                </a:solidFill>
+                <a:latin typeface="微軟正黑體" pitchFamily="34" charset="-120"/>
+                <a:ea typeface="微軟正黑體" pitchFamily="34" charset="-120"/>
               </a:rPr>
-              <a:t>主</a:t>
-            </a:r>
-            <a:r>
-              <a:rPr lang="zh-CN" altLang="en-US" sz="6400" b="1" dirty="0">
-                <a:solidFill>
-                  <a:srgbClr val="660033"/>
-                </a:solidFill>
-                <a:latin typeface="Microsoft JhengHei" panose="020B0604030504040204" pitchFamily="34" charset="-120"/>
-                <a:ea typeface="Microsoft JhengHei" panose="020B0604030504040204" pitchFamily="34" charset="-120"/>
-              </a:rPr>
-              <a:t>袮</a:t>
-            </a:r>
-            <a:r>
-              <a:rPr lang="zh-TW" altLang="en-US" sz="6400" b="1" dirty="0">
-                <a:solidFill>
-                  <a:srgbClr val="660033"/>
-                </a:solidFill>
-                <a:latin typeface="Microsoft JhengHei" panose="020B0604030504040204" pitchFamily="34" charset="-120"/>
-                <a:ea typeface="Microsoft JhengHei" panose="020B0604030504040204" pitchFamily="34" charset="-120"/>
-              </a:rPr>
-              <a:t>跟我走   往普天下走</a:t>
+              <a:t>主祢跟我走  往普天下走</a:t>
             </a:r>
             <a:endParaRPr lang="en-US" altLang="zh-TW" sz="6400" b="1" dirty="0">
               <a:solidFill>
-                <a:srgbClr val="660033"/>
+                <a:srgbClr val="000066"/>
               </a:solidFill>
-              <a:latin typeface="Microsoft JhengHei" panose="020B0604030504040204" pitchFamily="34" charset="-120"/>
-              <a:ea typeface="Microsoft JhengHei" panose="020B0604030504040204" pitchFamily="34" charset="-120"/>
+              <a:latin typeface="微軟正黑體" pitchFamily="34" charset="-120"/>
+              <a:ea typeface="微軟正黑體" pitchFamily="34" charset="-120"/>
             </a:endParaRPr>
           </a:p>
           <a:p>
-            <a:pPr marL="0" indent="0" algn="ctr">
+            <a:pPr algn="ctr">
               <a:buNone/>
             </a:pPr>
             <a:r>
               <a:rPr lang="zh-TW" altLang="en-US" sz="6400" b="1" dirty="0">
                 <a:solidFill>
-                  <a:srgbClr val="660033"/>
-                </a:solidFill>
-                <a:latin typeface="Microsoft JhengHei" panose="020B0604030504040204" pitchFamily="34" charset="-120"/>
-                <a:ea typeface="Microsoft JhengHei" panose="020B0604030504040204" pitchFamily="34" charset="-120"/>
+                  <a:srgbClr val="000066"/>
+                </a:solidFill>
+                <a:latin typeface="微軟正黑體" pitchFamily="34" charset="-120"/>
+                <a:ea typeface="微軟正黑體" pitchFamily="34" charset="-120"/>
               </a:rPr>
               <a:t>天涯海角緊緊抓住我</a:t>
             </a:r>
             <a:endParaRPr lang="en-US" altLang="zh-TW" sz="6400" b="1" dirty="0">
               <a:solidFill>
-                <a:srgbClr val="660033"/>
+                <a:srgbClr val="000066"/>
               </a:solidFill>
-              <a:latin typeface="Microsoft JhengHei" panose="020B0604030504040204" pitchFamily="34" charset="-120"/>
-              <a:ea typeface="Microsoft JhengHei" panose="020B0604030504040204" pitchFamily="34" charset="-120"/>
+              <a:latin typeface="微軟正黑體" pitchFamily="34" charset="-120"/>
+              <a:ea typeface="微軟正黑體" pitchFamily="34" charset="-120"/>
             </a:endParaRPr>
           </a:p>
         </p:txBody>
@@ -3315,8 +3271,8 @@
         </p:nvSpPr>
         <p:spPr>
           <a:xfrm>
-            <a:off x="0" y="5061182"/>
-            <a:ext cx="12192000" cy="830997"/>
+            <a:off x="0" y="5157193"/>
+            <a:ext cx="12192000" cy="584775"/>
           </a:xfrm>
           <a:prstGeom prst="rect">
             <a:avLst/>
@@ -3331,70 +3287,55 @@
           <a:p>
             <a:pPr algn="ctr"/>
             <a:r>
-              <a:rPr lang="en-US" sz="4800" b="1" dirty="0">
-                <a:solidFill>
-                  <a:srgbClr val="660033"/>
-                </a:solidFill>
-                <a:effectLst/>
+              <a:rPr lang="en-US" sz="3200" b="1" dirty="0">
+                <a:solidFill>
+                  <a:srgbClr val="000066"/>
+                </a:solidFill>
                 <a:latin typeface="Microsoft JhengHei" panose="020B0604030504040204" pitchFamily="34" charset="-120"/>
                 <a:ea typeface="Microsoft JhengHei" panose="020B0604030504040204" pitchFamily="34" charset="-120"/>
-                <a:cs typeface="Microsoft Himalaya" panose="01010100010101010101" pitchFamily="2" charset="0"/>
               </a:rPr>
               <a:t>( </a:t>
             </a:r>
             <a:r>
-              <a:rPr lang="zh-CN" altLang="en-US" sz="4800" b="1" dirty="0">
-                <a:solidFill>
-                  <a:srgbClr val="660033"/>
-                </a:solidFill>
-                <a:effectLst/>
+              <a:rPr lang="zh-CN" altLang="en-US" sz="3200" b="1" dirty="0">
+                <a:solidFill>
+                  <a:srgbClr val="000066"/>
+                </a:solidFill>
                 <a:latin typeface="Microsoft JhengHei" panose="020B0604030504040204" pitchFamily="34" charset="-120"/>
                 <a:ea typeface="Microsoft JhengHei" panose="020B0604030504040204" pitchFamily="34" charset="-120"/>
-                <a:cs typeface="Microsoft Himalaya" panose="01010100010101010101" pitchFamily="2" charset="0"/>
               </a:rPr>
-              <a:t>正 </a:t>
-            </a:r>
-            <a:r>
-              <a:rPr lang="en-US" altLang="zh-CN" sz="4800" b="1" dirty="0">
-                <a:solidFill>
-                  <a:srgbClr val="660033"/>
-                </a:solidFill>
-                <a:effectLst/>
+              <a:t>正歌 </a:t>
+            </a:r>
+            <a:r>
+              <a:rPr lang="en-US" altLang="zh-CN" sz="3200" b="1" dirty="0">
+                <a:solidFill>
+                  <a:srgbClr val="000066"/>
+                </a:solidFill>
                 <a:latin typeface="Microsoft JhengHei" panose="020B0604030504040204" pitchFamily="34" charset="-120"/>
                 <a:ea typeface="Microsoft JhengHei" panose="020B0604030504040204" pitchFamily="34" charset="-120"/>
-                <a:cs typeface="Microsoft Himalaya" panose="01010100010101010101" pitchFamily="2" charset="0"/>
               </a:rPr>
               <a:t>1</a:t>
             </a:r>
             <a:r>
-              <a:rPr lang="en-US" sz="4800" b="1" dirty="0">
-                <a:solidFill>
-                  <a:srgbClr val="660033"/>
-                </a:solidFill>
-                <a:effectLst/>
+              <a:rPr lang="en-US" sz="3200" b="1" dirty="0">
+                <a:solidFill>
+                  <a:srgbClr val="000066"/>
+                </a:solidFill>
                 <a:latin typeface="Microsoft JhengHei" panose="020B0604030504040204" pitchFamily="34" charset="-120"/>
                 <a:ea typeface="Microsoft JhengHei" panose="020B0604030504040204" pitchFamily="34" charset="-120"/>
-                <a:cs typeface="Microsoft Himalaya" panose="01010100010101010101" pitchFamily="2" charset="0"/>
               </a:rPr>
               <a:t> )</a:t>
             </a:r>
-            <a:endParaRPr lang="vi-VN" sz="4800" b="1" dirty="0">
+            <a:endParaRPr lang="vi-VN" sz="3200" b="1" dirty="0">
               <a:solidFill>
-                <a:srgbClr val="660033"/>
+                <a:srgbClr val="000066"/>
               </a:solidFill>
-              <a:effectLst/>
               <a:ea typeface="Microsoft JhengHei" panose="020B0604030504040204" pitchFamily="34" charset="-120"/>
-              <a:cs typeface="Microsoft Himalaya" panose="01010100010101010101" pitchFamily="2" charset="0"/>
             </a:endParaRPr>
           </a:p>
         </p:txBody>
       </p:sp>
     </p:spTree>
-    <p:extLst>
-      <p:ext uri="{BB962C8B-B14F-4D97-AF65-F5344CB8AC3E}">
-        <p14:creationId xmlns:p14="http://schemas.microsoft.com/office/powerpoint/2010/main" val="3228779262"/>
-      </p:ext>
-    </p:extLst>
   </p:cSld>
   <p:clrMapOvr>
     <a:masterClrMapping/>
@@ -3441,107 +3382,47 @@
           </a:bodyPr>
           <a:lstStyle/>
           <a:p>
-            <a:pPr marL="0" indent="0" algn="ctr">
+            <a:pPr algn="ctr">
               <a:buNone/>
             </a:pPr>
             <a:r>
               <a:rPr lang="zh-TW" altLang="en-US" sz="6400" b="1" dirty="0">
                 <a:solidFill>
-                  <a:srgbClr val="660033"/>
-                </a:solidFill>
-                <a:latin typeface="Microsoft JhengHei" panose="020B0604030504040204" pitchFamily="34" charset="-120"/>
-                <a:ea typeface="Microsoft JhengHei" panose="020B0604030504040204" pitchFamily="34" charset="-120"/>
+                  <a:srgbClr val="000066"/>
+                </a:solidFill>
+                <a:latin typeface="微軟正黑體" pitchFamily="34" charset="-120"/>
+                <a:ea typeface="微軟正黑體" pitchFamily="34" charset="-120"/>
               </a:rPr>
-              <a:t>主我跟</a:t>
-            </a:r>
-            <a:r>
-              <a:rPr lang="zh-CN" altLang="en-US" sz="6400" b="1" dirty="0">
-                <a:solidFill>
-                  <a:srgbClr val="660033"/>
-                </a:solidFill>
-                <a:latin typeface="Microsoft JhengHei" panose="020B0604030504040204" pitchFamily="34" charset="-120"/>
-                <a:ea typeface="Microsoft JhengHei" panose="020B0604030504040204" pitchFamily="34" charset="-120"/>
-              </a:rPr>
-              <a:t>袮</a:t>
-            </a:r>
-            <a:r>
-              <a:rPr lang="zh-TW" altLang="en-US" sz="6400" b="1" dirty="0">
-                <a:solidFill>
-                  <a:srgbClr val="660033"/>
-                </a:solidFill>
-                <a:latin typeface="Microsoft JhengHei" panose="020B0604030504040204" pitchFamily="34" charset="-120"/>
-                <a:ea typeface="Microsoft JhengHei" panose="020B0604030504040204" pitchFamily="34" charset="-120"/>
-              </a:rPr>
-              <a:t>走  </a:t>
-            </a:r>
-            <a:r>
-              <a:rPr lang="zh-TW" altLang="en-US" sz="6400" b="1" dirty="0">
-                <a:solidFill>
-                  <a:srgbClr val="660033"/>
-                </a:solidFill>
-                <a:latin typeface="Microsoft JhengHei" panose="020B0604030504040204" pitchFamily="34" charset="-120"/>
-                <a:ea typeface="Microsoft JhengHei" panose="020B0604030504040204" pitchFamily="34" charset="-120"/>
-              </a:rPr>
-              <a:t> 往</a:t>
-            </a:r>
-            <a:r>
-              <a:rPr lang="zh-TW" altLang="en-US" sz="6400" b="1" dirty="0">
-                <a:solidFill>
-                  <a:srgbClr val="660033"/>
-                </a:solidFill>
-                <a:latin typeface="Microsoft JhengHei" panose="020B0604030504040204" pitchFamily="34" charset="-120"/>
-                <a:ea typeface="Microsoft JhengHei" panose="020B0604030504040204" pitchFamily="34" charset="-120"/>
-              </a:rPr>
-              <a:t>普天下走</a:t>
+              <a:t>主我跟祢走  往普天下走</a:t>
             </a:r>
             <a:endParaRPr lang="en-US" altLang="zh-TW" sz="6400" b="1" dirty="0">
               <a:solidFill>
-                <a:srgbClr val="660033"/>
+                <a:srgbClr val="000066"/>
               </a:solidFill>
-              <a:latin typeface="Microsoft JhengHei" panose="020B0604030504040204" pitchFamily="34" charset="-120"/>
-              <a:ea typeface="Microsoft JhengHei" panose="020B0604030504040204" pitchFamily="34" charset="-120"/>
+              <a:latin typeface="微軟正黑體" pitchFamily="34" charset="-120"/>
+              <a:ea typeface="微軟正黑體" pitchFamily="34" charset="-120"/>
             </a:endParaRPr>
           </a:p>
           <a:p>
-            <a:pPr marL="0" indent="0" algn="ctr">
+            <a:pPr algn="ctr">
               <a:buNone/>
             </a:pPr>
             <a:r>
               <a:rPr lang="zh-TW" altLang="en-US" sz="6400" b="1" dirty="0">
                 <a:solidFill>
-                  <a:srgbClr val="660033"/>
-                </a:solidFill>
-                <a:latin typeface="Microsoft JhengHei" panose="020B0604030504040204" pitchFamily="34" charset="-120"/>
-                <a:ea typeface="Microsoft JhengHei" panose="020B0604030504040204" pitchFamily="34" charset="-120"/>
+                  <a:srgbClr val="000066"/>
+                </a:solidFill>
+                <a:latin typeface="微軟正黑體" pitchFamily="34" charset="-120"/>
+                <a:ea typeface="微軟正黑體" pitchFamily="34" charset="-120"/>
               </a:rPr>
-              <a:t>死蔭幽谷緊緊跟</a:t>
-            </a:r>
-            <a:r>
-              <a:rPr lang="zh-CN" altLang="en-US" sz="6400" b="1" dirty="0">
-                <a:solidFill>
-                  <a:srgbClr val="660033"/>
-                </a:solidFill>
-                <a:latin typeface="Microsoft JhengHei" panose="020B0604030504040204" pitchFamily="34" charset="-120"/>
-                <a:ea typeface="Microsoft JhengHei" panose="020B0604030504040204" pitchFamily="34" charset="-120"/>
-              </a:rPr>
-              <a:t>袮</a:t>
-            </a:r>
-            <a:r>
-              <a:rPr lang="zh-TW" altLang="en-US" sz="6400" b="1" dirty="0">
-                <a:solidFill>
-                  <a:srgbClr val="660033"/>
-                </a:solidFill>
-                <a:latin typeface="Microsoft JhengHei" panose="020B0604030504040204" pitchFamily="34" charset="-120"/>
-                <a:ea typeface="Microsoft JhengHei" panose="020B0604030504040204" pitchFamily="34" charset="-120"/>
-              </a:rPr>
-              <a:t>走</a:t>
-            </a:r>
-            <a:endParaRPr lang="vi-VN" sz="6400" b="1" dirty="0">
+              <a:t>死蔭幽谷緊緊跟祢走</a:t>
+            </a:r>
+            <a:endParaRPr lang="en-US" altLang="zh-TW" sz="6400" b="1" dirty="0">
               <a:solidFill>
-                <a:srgbClr val="660033"/>
+                <a:srgbClr val="000066"/>
               </a:solidFill>
-              <a:latin typeface="Microsoft JhengHei" panose="020B0604030504040204" pitchFamily="34" charset="-120"/>
-              <a:ea typeface="Microsoft JhengHei" panose="020B0604030504040204" pitchFamily="34" charset="-120"/>
+              <a:latin typeface="微軟正黑體" pitchFamily="34" charset="-120"/>
+              <a:ea typeface="微軟正黑體" pitchFamily="34" charset="-120"/>
             </a:endParaRPr>
           </a:p>
         </p:txBody>
@@ -3554,8 +3435,8 @@
         </p:nvSpPr>
         <p:spPr>
           <a:xfrm>
-            <a:off x="0" y="5061182"/>
-            <a:ext cx="12192000" cy="830997"/>
+            <a:off x="0" y="5157193"/>
+            <a:ext cx="12192000" cy="584775"/>
           </a:xfrm>
           <a:prstGeom prst="rect">
             <a:avLst/>
@@ -3570,60 +3451,50 @@
           <a:p>
             <a:pPr algn="ctr"/>
             <a:r>
-              <a:rPr lang="en-US" sz="4800" b="1" dirty="0">
-                <a:solidFill>
-                  <a:srgbClr val="660033"/>
-                </a:solidFill>
-                <a:effectLst/>
+              <a:rPr lang="en-US" sz="3200" b="1" dirty="0">
+                <a:solidFill>
+                  <a:srgbClr val="000066"/>
+                </a:solidFill>
                 <a:latin typeface="Microsoft JhengHei" panose="020B0604030504040204" pitchFamily="34" charset="-120"/>
                 <a:ea typeface="Microsoft JhengHei" panose="020B0604030504040204" pitchFamily="34" charset="-120"/>
-                <a:cs typeface="Microsoft Himalaya" panose="01010100010101010101" pitchFamily="2" charset="0"/>
               </a:rPr>
               <a:t>( </a:t>
             </a:r>
             <a:r>
-              <a:rPr lang="zh-CN" altLang="en-US" sz="4800" b="1" dirty="0">
-                <a:solidFill>
-                  <a:srgbClr val="660033"/>
-                </a:solidFill>
-                <a:effectLst/>
+              <a:rPr lang="zh-CN" altLang="en-US" sz="3200" b="1" dirty="0">
+                <a:solidFill>
+                  <a:srgbClr val="000066"/>
+                </a:solidFill>
                 <a:latin typeface="Microsoft JhengHei" panose="020B0604030504040204" pitchFamily="34" charset="-120"/>
                 <a:ea typeface="Microsoft JhengHei" panose="020B0604030504040204" pitchFamily="34" charset="-120"/>
-                <a:cs typeface="Microsoft Himalaya" panose="01010100010101010101" pitchFamily="2" charset="0"/>
               </a:rPr>
-              <a:t>正 </a:t>
-            </a:r>
-            <a:r>
-              <a:rPr lang="en-US" altLang="zh-CN" sz="4800" b="1" dirty="0">
-                <a:solidFill>
-                  <a:srgbClr val="660033"/>
-                </a:solidFill>
-                <a:effectLst/>
+              <a:t>正歌 </a:t>
+            </a:r>
+            <a:r>
+              <a:rPr lang="en-US" altLang="zh-CN" sz="3200" b="1" dirty="0">
+                <a:solidFill>
+                  <a:srgbClr val="000066"/>
+                </a:solidFill>
                 <a:latin typeface="Microsoft JhengHei" panose="020B0604030504040204" pitchFamily="34" charset="-120"/>
                 <a:ea typeface="Microsoft JhengHei" panose="020B0604030504040204" pitchFamily="34" charset="-120"/>
-                <a:cs typeface="Microsoft Himalaya" panose="01010100010101010101" pitchFamily="2" charset="0"/>
               </a:rPr>
               <a:t>1</a:t>
             </a:r>
             <a:r>
-              <a:rPr lang="en-US" sz="4800" b="1" dirty="0">
-                <a:solidFill>
-                  <a:srgbClr val="660033"/>
-                </a:solidFill>
-                <a:effectLst/>
+              <a:rPr lang="en-US" sz="3200" b="1" dirty="0">
+                <a:solidFill>
+                  <a:srgbClr val="000066"/>
+                </a:solidFill>
                 <a:latin typeface="Microsoft JhengHei" panose="020B0604030504040204" pitchFamily="34" charset="-120"/>
                 <a:ea typeface="Microsoft JhengHei" panose="020B0604030504040204" pitchFamily="34" charset="-120"/>
-                <a:cs typeface="Microsoft Himalaya" panose="01010100010101010101" pitchFamily="2" charset="0"/>
               </a:rPr>
               <a:t> )</a:t>
             </a:r>
-            <a:endParaRPr lang="vi-VN" sz="4800" b="1" dirty="0">
+            <a:endParaRPr lang="vi-VN" sz="3200" b="1" dirty="0">
               <a:solidFill>
-                <a:srgbClr val="660033"/>
+                <a:srgbClr val="000066"/>
               </a:solidFill>
-              <a:effectLst/>
               <a:ea typeface="Microsoft JhengHei" panose="020B0604030504040204" pitchFamily="34" charset="-120"/>
-              <a:cs typeface="Microsoft Himalaya" panose="01010100010101010101" pitchFamily="2" charset="0"/>
             </a:endParaRPr>
           </a:p>
         </p:txBody>
@@ -3631,7 +3502,7 @@
     </p:spTree>
     <p:extLst>
       <p:ext uri="{BB962C8B-B14F-4D97-AF65-F5344CB8AC3E}">
-        <p14:creationId xmlns:p14="http://schemas.microsoft.com/office/powerpoint/2010/main" val="3279986594"/>
+        <p14:creationId xmlns:p14="http://schemas.microsoft.com/office/powerpoint/2010/main" val="274901263"/>
       </p:ext>
     </p:extLst>
   </p:cSld>
@@ -3680,127 +3551,47 @@
           </a:bodyPr>
           <a:lstStyle/>
           <a:p>
-            <a:pPr marL="0" indent="0" algn="ctr">
+            <a:pPr algn="ctr">
               <a:buNone/>
             </a:pPr>
             <a:r>
               <a:rPr lang="zh-TW" altLang="en-US" sz="6400" b="1" dirty="0">
                 <a:solidFill>
-                  <a:srgbClr val="660033"/>
-                </a:solidFill>
-                <a:latin typeface="Microsoft JhengHei" panose="020B0604030504040204" pitchFamily="34" charset="-120"/>
-                <a:ea typeface="Microsoft JhengHei" panose="020B0604030504040204" pitchFamily="34" charset="-120"/>
+                  <a:srgbClr val="000066"/>
+                </a:solidFill>
+                <a:latin typeface="微軟正黑體" pitchFamily="34" charset="-120"/>
+                <a:ea typeface="微軟正黑體" pitchFamily="34" charset="-120"/>
               </a:rPr>
-              <a:t>因</a:t>
-            </a:r>
-            <a:r>
-              <a:rPr lang="zh-CN" altLang="en-US" sz="6400" b="1" dirty="0">
-                <a:solidFill>
-                  <a:srgbClr val="660033"/>
-                </a:solidFill>
-                <a:latin typeface="Microsoft JhengHei" panose="020B0604030504040204" pitchFamily="34" charset="-120"/>
-                <a:ea typeface="Microsoft JhengHei" panose="020B0604030504040204" pitchFamily="34" charset="-120"/>
-              </a:rPr>
-              <a:t>袮</a:t>
-            </a:r>
-            <a:r>
-              <a:rPr lang="zh-TW" altLang="en-US" sz="6400" b="1" dirty="0">
-                <a:solidFill>
-                  <a:srgbClr val="660033"/>
-                </a:solidFill>
-                <a:latin typeface="Microsoft JhengHei" panose="020B0604030504040204" pitchFamily="34" charset="-120"/>
-                <a:ea typeface="Microsoft JhengHei" panose="020B0604030504040204" pitchFamily="34" charset="-120"/>
-              </a:rPr>
-              <a:t>是萬王之王  </a:t>
-            </a:r>
-            <a:r>
-              <a:rPr lang="zh-TW" altLang="en-US" sz="6400" b="1" dirty="0">
-                <a:solidFill>
-                  <a:srgbClr val="660033"/>
-                </a:solidFill>
-                <a:latin typeface="Microsoft JhengHei" panose="020B0604030504040204" pitchFamily="34" charset="-120"/>
-                <a:ea typeface="Microsoft JhengHei" panose="020B0604030504040204" pitchFamily="34" charset="-120"/>
-              </a:rPr>
-              <a:t> 萬</a:t>
-            </a:r>
-            <a:r>
-              <a:rPr lang="zh-TW" altLang="en-US" sz="6400" b="1" dirty="0">
-                <a:solidFill>
-                  <a:srgbClr val="660033"/>
-                </a:solidFill>
-                <a:latin typeface="Microsoft JhengHei" panose="020B0604030504040204" pitchFamily="34" charset="-120"/>
-                <a:ea typeface="Microsoft JhengHei" panose="020B0604030504040204" pitchFamily="34" charset="-120"/>
-              </a:rPr>
-              <a:t>主之主</a:t>
+              <a:t>因祢是  萬王之王  萬主之主</a:t>
             </a:r>
             <a:endParaRPr lang="en-US" altLang="zh-TW" sz="6400" b="1" dirty="0">
               <a:solidFill>
-                <a:srgbClr val="660033"/>
+                <a:srgbClr val="000066"/>
               </a:solidFill>
-              <a:latin typeface="Microsoft JhengHei" panose="020B0604030504040204" pitchFamily="34" charset="-120"/>
-              <a:ea typeface="Microsoft JhengHei" panose="020B0604030504040204" pitchFamily="34" charset="-120"/>
+              <a:latin typeface="微軟正黑體" pitchFamily="34" charset="-120"/>
+              <a:ea typeface="微軟正黑體" pitchFamily="34" charset="-120"/>
             </a:endParaRPr>
           </a:p>
           <a:p>
-            <a:pPr marL="0" indent="0" algn="ctr">
+            <a:pPr algn="ctr">
               <a:buNone/>
             </a:pPr>
             <a:r>
               <a:rPr lang="zh-TW" altLang="en-US" sz="6400" b="1" dirty="0">
                 <a:solidFill>
-                  <a:srgbClr val="660033"/>
-                </a:solidFill>
-                <a:latin typeface="Microsoft JhengHei" panose="020B0604030504040204" pitchFamily="34" charset="-120"/>
-                <a:ea typeface="Microsoft JhengHei" panose="020B0604030504040204" pitchFamily="34" charset="-120"/>
+                  <a:srgbClr val="000066"/>
+                </a:solidFill>
+                <a:latin typeface="微軟正黑體" pitchFamily="34" charset="-120"/>
+                <a:ea typeface="微軟正黑體" pitchFamily="34" charset="-120"/>
               </a:rPr>
-              <a:t>有</a:t>
-            </a:r>
-            <a:r>
-              <a:rPr lang="zh-CN" altLang="en-US" sz="6400" b="1" dirty="0">
-                <a:solidFill>
-                  <a:srgbClr val="660033"/>
-                </a:solidFill>
-                <a:latin typeface="Microsoft JhengHei" panose="020B0604030504040204" pitchFamily="34" charset="-120"/>
-                <a:ea typeface="Microsoft JhengHei" panose="020B0604030504040204" pitchFamily="34" charset="-120"/>
-              </a:rPr>
-              <a:t>袮</a:t>
-            </a:r>
-            <a:r>
-              <a:rPr lang="zh-TW" altLang="en-US" sz="6400" b="1" dirty="0">
-                <a:solidFill>
-                  <a:srgbClr val="660033"/>
-                </a:solidFill>
-                <a:latin typeface="Microsoft JhengHei" panose="020B0604030504040204" pitchFamily="34" charset="-120"/>
-                <a:ea typeface="Microsoft JhengHei" panose="020B0604030504040204" pitchFamily="34" charset="-120"/>
-              </a:rPr>
-              <a:t>跟著我  </a:t>
-            </a:r>
-            <a:r>
-              <a:rPr lang="zh-TW" altLang="en-US" sz="6400" b="1" dirty="0">
-                <a:solidFill>
-                  <a:srgbClr val="660033"/>
-                </a:solidFill>
-                <a:latin typeface="Microsoft JhengHei" panose="020B0604030504040204" pitchFamily="34" charset="-120"/>
-                <a:ea typeface="Microsoft JhengHei" panose="020B0604030504040204" pitchFamily="34" charset="-120"/>
-              </a:rPr>
-              <a:t> 我</a:t>
-            </a:r>
-            <a:r>
-              <a:rPr lang="zh-TW" altLang="en-US" sz="6400" b="1" dirty="0">
-                <a:solidFill>
-                  <a:srgbClr val="660033"/>
-                </a:solidFill>
-                <a:latin typeface="Microsoft JhengHei" panose="020B0604030504040204" pitchFamily="34" charset="-120"/>
-                <a:ea typeface="Microsoft JhengHei" panose="020B0604030504040204" pitchFamily="34" charset="-120"/>
-              </a:rPr>
-              <a:t>還怕什麼</a:t>
+              <a:t>有祢跟著我  我還怕什麼 </a:t>
             </a:r>
             <a:endParaRPr lang="en-US" altLang="zh-TW" sz="6400" b="1" dirty="0">
               <a:solidFill>
-                <a:srgbClr val="660033"/>
+                <a:srgbClr val="000066"/>
               </a:solidFill>
-              <a:latin typeface="Microsoft JhengHei" panose="020B0604030504040204" pitchFamily="34" charset="-120"/>
-              <a:ea typeface="Microsoft JhengHei" panose="020B0604030504040204" pitchFamily="34" charset="-120"/>
+              <a:latin typeface="微軟正黑體" pitchFamily="34" charset="-120"/>
+              <a:ea typeface="微軟正黑體" pitchFamily="34" charset="-120"/>
             </a:endParaRPr>
           </a:p>
         </p:txBody>
@@ -3813,8 +3604,8 @@
         </p:nvSpPr>
         <p:spPr>
           <a:xfrm>
-            <a:off x="0" y="5061182"/>
-            <a:ext cx="12192000" cy="830997"/>
+            <a:off x="0" y="5157193"/>
+            <a:ext cx="12192000" cy="584775"/>
           </a:xfrm>
           <a:prstGeom prst="rect">
             <a:avLst/>
@@ -3829,48 +3620,40 @@
           <a:p>
             <a:pPr algn="ctr"/>
             <a:r>
-              <a:rPr lang="en-US" sz="4800" b="1" dirty="0">
-                <a:solidFill>
-                  <a:srgbClr val="660033"/>
-                </a:solidFill>
-                <a:effectLst/>
+              <a:rPr lang="en-US" sz="3200" b="1" dirty="0">
+                <a:solidFill>
+                  <a:srgbClr val="000066"/>
+                </a:solidFill>
                 <a:latin typeface="Microsoft JhengHei" panose="020B0604030504040204" pitchFamily="34" charset="-120"/>
                 <a:ea typeface="Microsoft JhengHei" panose="020B0604030504040204" pitchFamily="34" charset="-120"/>
-                <a:cs typeface="Microsoft Himalaya" panose="01010100010101010101" pitchFamily="2" charset="0"/>
               </a:rPr>
               <a:t>( </a:t>
             </a:r>
             <a:r>
-              <a:rPr lang="zh-CN" altLang="en-US" sz="4800" b="1" dirty="0">
-                <a:solidFill>
-                  <a:srgbClr val="660033"/>
-                </a:solidFill>
-                <a:effectLst/>
+              <a:rPr lang="zh-CN" altLang="en-US" sz="3200" b="1" dirty="0">
+                <a:solidFill>
+                  <a:srgbClr val="000066"/>
+                </a:solidFill>
                 <a:latin typeface="Microsoft JhengHei" panose="020B0604030504040204" pitchFamily="34" charset="-120"/>
                 <a:ea typeface="Microsoft JhengHei" panose="020B0604030504040204" pitchFamily="34" charset="-120"/>
-                <a:cs typeface="Microsoft Himalaya" panose="01010100010101010101" pitchFamily="2" charset="0"/>
               </a:rPr>
-              <a:t>副</a:t>
-            </a:r>
-            <a:r>
-              <a:rPr lang="en-US" sz="4800" b="1" dirty="0">
-                <a:solidFill>
-                  <a:srgbClr val="660033"/>
-                </a:solidFill>
-                <a:effectLst/>
+              <a:t>副歌</a:t>
+            </a:r>
+            <a:r>
+              <a:rPr lang="en-US" sz="3200" b="1" dirty="0">
+                <a:solidFill>
+                  <a:srgbClr val="000066"/>
+                </a:solidFill>
                 <a:latin typeface="Microsoft JhengHei" panose="020B0604030504040204" pitchFamily="34" charset="-120"/>
                 <a:ea typeface="Microsoft JhengHei" panose="020B0604030504040204" pitchFamily="34" charset="-120"/>
-                <a:cs typeface="Microsoft Himalaya" panose="01010100010101010101" pitchFamily="2" charset="0"/>
               </a:rPr>
               <a:t> )</a:t>
             </a:r>
-            <a:endParaRPr lang="vi-VN" sz="4800" b="1" dirty="0">
+            <a:endParaRPr lang="vi-VN" sz="3200" b="1" dirty="0">
               <a:solidFill>
-                <a:srgbClr val="660033"/>
+                <a:srgbClr val="000066"/>
               </a:solidFill>
-              <a:effectLst/>
               <a:ea typeface="Microsoft JhengHei" panose="020B0604030504040204" pitchFamily="34" charset="-120"/>
-              <a:cs typeface="Microsoft Himalaya" panose="01010100010101010101" pitchFamily="2" charset="0"/>
             </a:endParaRPr>
           </a:p>
         </p:txBody>
@@ -3878,7 +3661,7 @@
     </p:spTree>
     <p:extLst>
       <p:ext uri="{BB962C8B-B14F-4D97-AF65-F5344CB8AC3E}">
-        <p14:creationId xmlns:p14="http://schemas.microsoft.com/office/powerpoint/2010/main" val="314727661"/>
+        <p14:creationId xmlns:p14="http://schemas.microsoft.com/office/powerpoint/2010/main" val="540476466"/>
       </p:ext>
     </p:extLst>
   </p:cSld>
@@ -3927,87 +3710,47 @@
           </a:bodyPr>
           <a:lstStyle/>
           <a:p>
-            <a:pPr marL="0" indent="0" algn="ctr">
+            <a:pPr algn="ctr">
               <a:buNone/>
             </a:pPr>
             <a:r>
               <a:rPr lang="zh-TW" altLang="en-US" sz="6400" b="1" dirty="0">
                 <a:solidFill>
-                  <a:srgbClr val="660033"/>
-                </a:solidFill>
-                <a:latin typeface="Microsoft JhengHei" panose="020B0604030504040204" pitchFamily="34" charset="-120"/>
-                <a:ea typeface="Microsoft JhengHei" panose="020B0604030504040204" pitchFamily="34" charset="-120"/>
+                  <a:srgbClr val="000066"/>
+                </a:solidFill>
+                <a:latin typeface="微軟正黑體" pitchFamily="34" charset="-120"/>
+                <a:ea typeface="微軟正黑體" pitchFamily="34" charset="-120"/>
               </a:rPr>
-              <a:t>因</a:t>
-            </a:r>
-            <a:r>
-              <a:rPr lang="zh-CN" altLang="en-US" sz="6400" b="1" dirty="0">
-                <a:solidFill>
-                  <a:srgbClr val="660033"/>
-                </a:solidFill>
-                <a:latin typeface="Microsoft JhengHei" panose="020B0604030504040204" pitchFamily="34" charset="-120"/>
-                <a:ea typeface="Microsoft JhengHei" panose="020B0604030504040204" pitchFamily="34" charset="-120"/>
-              </a:rPr>
-              <a:t>袮</a:t>
-            </a:r>
-            <a:r>
-              <a:rPr lang="zh-TW" altLang="en-US" sz="6400" b="1" dirty="0">
-                <a:solidFill>
-                  <a:srgbClr val="660033"/>
-                </a:solidFill>
-                <a:latin typeface="Microsoft JhengHei" panose="020B0604030504040204" pitchFamily="34" charset="-120"/>
-                <a:ea typeface="Microsoft JhengHei" panose="020B0604030504040204" pitchFamily="34" charset="-120"/>
-              </a:rPr>
-              <a:t>已戰勝死亡  </a:t>
-            </a:r>
-            <a:r>
-              <a:rPr lang="zh-TW" altLang="en-US" sz="6400" b="1" dirty="0">
-                <a:solidFill>
-                  <a:srgbClr val="660033"/>
-                </a:solidFill>
-                <a:latin typeface="Microsoft JhengHei" panose="020B0604030504040204" pitchFamily="34" charset="-120"/>
-                <a:ea typeface="Microsoft JhengHei" panose="020B0604030504040204" pitchFamily="34" charset="-120"/>
-              </a:rPr>
-              <a:t> 得</a:t>
-            </a:r>
-            <a:r>
-              <a:rPr lang="zh-TW" altLang="en-US" sz="6400" b="1" dirty="0">
-                <a:solidFill>
-                  <a:srgbClr val="660033"/>
-                </a:solidFill>
-                <a:latin typeface="Microsoft JhengHei" panose="020B0604030504040204" pitchFamily="34" charset="-120"/>
-                <a:ea typeface="Microsoft JhengHei" panose="020B0604030504040204" pitchFamily="34" charset="-120"/>
-              </a:rPr>
-              <a:t>勝君王</a:t>
+              <a:t>因祢已  戰勝死亡  得勝君王</a:t>
             </a:r>
             <a:endParaRPr lang="en-US" altLang="zh-TW" sz="6400" b="1" dirty="0">
               <a:solidFill>
-                <a:srgbClr val="660033"/>
+                <a:srgbClr val="000066"/>
               </a:solidFill>
-              <a:latin typeface="Microsoft JhengHei" panose="020B0604030504040204" pitchFamily="34" charset="-120"/>
-              <a:ea typeface="Microsoft JhengHei" panose="020B0604030504040204" pitchFamily="34" charset="-120"/>
+              <a:latin typeface="微軟正黑體" pitchFamily="34" charset="-120"/>
+              <a:ea typeface="微軟正黑體" pitchFamily="34" charset="-120"/>
             </a:endParaRPr>
           </a:p>
           <a:p>
-            <a:pPr marL="0" indent="0" algn="ctr">
+            <a:pPr algn="ctr">
               <a:buNone/>
             </a:pPr>
             <a:r>
               <a:rPr lang="zh-TW" altLang="en-US" sz="6400" b="1" dirty="0">
                 <a:solidFill>
-                  <a:srgbClr val="660033"/>
-                </a:solidFill>
-                <a:latin typeface="Microsoft JhengHei" panose="020B0604030504040204" pitchFamily="34" charset="-120"/>
-                <a:ea typeface="Microsoft JhengHei" panose="020B0604030504040204" pitchFamily="34" charset="-120"/>
+                  <a:srgbClr val="000066"/>
+                </a:solidFill>
+                <a:latin typeface="微軟正黑體" pitchFamily="34" charset="-120"/>
+                <a:ea typeface="微軟正黑體" pitchFamily="34" charset="-120"/>
               </a:rPr>
-              <a:t>這信心的路我永不回頭</a:t>
-            </a:r>
-            <a:endParaRPr lang="vi-VN" sz="6400" b="1" dirty="0">
+              <a:t>這信心的路 我永不回頭</a:t>
+            </a:r>
+            <a:endParaRPr lang="en-US" altLang="zh-TW" sz="6400" b="1" dirty="0">
               <a:solidFill>
-                <a:srgbClr val="660033"/>
+                <a:srgbClr val="000066"/>
               </a:solidFill>
-              <a:latin typeface="Microsoft JhengHei" panose="020B0604030504040204" pitchFamily="34" charset="-120"/>
-              <a:ea typeface="Microsoft JhengHei" panose="020B0604030504040204" pitchFamily="34" charset="-120"/>
+              <a:latin typeface="微軟正黑體" pitchFamily="34" charset="-120"/>
+              <a:ea typeface="微軟正黑體" pitchFamily="34" charset="-120"/>
             </a:endParaRPr>
           </a:p>
         </p:txBody>
@@ -4020,8 +3763,8 @@
         </p:nvSpPr>
         <p:spPr>
           <a:xfrm>
-            <a:off x="0" y="5061182"/>
-            <a:ext cx="12192000" cy="830997"/>
+            <a:off x="0" y="5157193"/>
+            <a:ext cx="12192000" cy="584775"/>
           </a:xfrm>
           <a:prstGeom prst="rect">
             <a:avLst/>
@@ -4036,48 +3779,40 @@
           <a:p>
             <a:pPr algn="ctr"/>
             <a:r>
-              <a:rPr lang="en-US" sz="4800" b="1" dirty="0">
-                <a:solidFill>
-                  <a:srgbClr val="660033"/>
-                </a:solidFill>
-                <a:effectLst/>
+              <a:rPr lang="en-US" sz="3200" b="1" dirty="0">
+                <a:solidFill>
+                  <a:srgbClr val="000066"/>
+                </a:solidFill>
                 <a:latin typeface="Microsoft JhengHei" panose="020B0604030504040204" pitchFamily="34" charset="-120"/>
                 <a:ea typeface="Microsoft JhengHei" panose="020B0604030504040204" pitchFamily="34" charset="-120"/>
-                <a:cs typeface="Microsoft Himalaya" panose="01010100010101010101" pitchFamily="2" charset="0"/>
               </a:rPr>
               <a:t>( </a:t>
             </a:r>
             <a:r>
-              <a:rPr lang="zh-CN" altLang="en-US" sz="4800" b="1" dirty="0">
-                <a:solidFill>
-                  <a:srgbClr val="660033"/>
-                </a:solidFill>
-                <a:effectLst/>
+              <a:rPr lang="zh-CN" altLang="en-US" sz="3200" b="1" dirty="0">
+                <a:solidFill>
+                  <a:srgbClr val="000066"/>
+                </a:solidFill>
                 <a:latin typeface="Microsoft JhengHei" panose="020B0604030504040204" pitchFamily="34" charset="-120"/>
                 <a:ea typeface="Microsoft JhengHei" panose="020B0604030504040204" pitchFamily="34" charset="-120"/>
-                <a:cs typeface="Microsoft Himalaya" panose="01010100010101010101" pitchFamily="2" charset="0"/>
               </a:rPr>
-              <a:t>副</a:t>
-            </a:r>
-            <a:r>
-              <a:rPr lang="en-US" sz="4800" b="1" dirty="0">
-                <a:solidFill>
-                  <a:srgbClr val="660033"/>
-                </a:solidFill>
-                <a:effectLst/>
+              <a:t>副歌</a:t>
+            </a:r>
+            <a:r>
+              <a:rPr lang="en-US" sz="3200" b="1" dirty="0">
+                <a:solidFill>
+                  <a:srgbClr val="000066"/>
+                </a:solidFill>
                 <a:latin typeface="Microsoft JhengHei" panose="020B0604030504040204" pitchFamily="34" charset="-120"/>
                 <a:ea typeface="Microsoft JhengHei" panose="020B0604030504040204" pitchFamily="34" charset="-120"/>
-                <a:cs typeface="Microsoft Himalaya" panose="01010100010101010101" pitchFamily="2" charset="0"/>
               </a:rPr>
               <a:t> )</a:t>
             </a:r>
-            <a:endParaRPr lang="vi-VN" sz="4800" b="1" dirty="0">
+            <a:endParaRPr lang="vi-VN" sz="3200" b="1" dirty="0">
               <a:solidFill>
-                <a:srgbClr val="660033"/>
+                <a:srgbClr val="000066"/>
               </a:solidFill>
-              <a:effectLst/>
               <a:ea typeface="Microsoft JhengHei" panose="020B0604030504040204" pitchFamily="34" charset="-120"/>
-              <a:cs typeface="Microsoft Himalaya" panose="01010100010101010101" pitchFamily="2" charset="0"/>
             </a:endParaRPr>
           </a:p>
         </p:txBody>
@@ -4085,7 +3820,7 @@
     </p:spTree>
     <p:extLst>
       <p:ext uri="{BB962C8B-B14F-4D97-AF65-F5344CB8AC3E}">
-        <p14:creationId xmlns:p14="http://schemas.microsoft.com/office/powerpoint/2010/main" val="3286149896"/>
+        <p14:creationId xmlns:p14="http://schemas.microsoft.com/office/powerpoint/2010/main" val="2197775248"/>
       </p:ext>
     </p:extLst>
   </p:cSld>
@@ -4134,67 +3869,47 @@
           </a:bodyPr>
           <a:lstStyle/>
           <a:p>
-            <a:pPr marL="0" indent="0" algn="ctr">
+            <a:pPr algn="ctr">
               <a:buNone/>
             </a:pPr>
             <a:r>
               <a:rPr lang="zh-TW" altLang="en-US" sz="6400" b="1" dirty="0">
                 <a:solidFill>
-                  <a:srgbClr val="660033"/>
-                </a:solidFill>
-                <a:latin typeface="Microsoft JhengHei" panose="020B0604030504040204" pitchFamily="34" charset="-120"/>
-                <a:ea typeface="Microsoft JhengHei" panose="020B0604030504040204" pitchFamily="34" charset="-120"/>
+                  <a:srgbClr val="000066"/>
+                </a:solidFill>
+                <a:latin typeface="微軟正黑體" pitchFamily="34" charset="-120"/>
+                <a:ea typeface="微軟正黑體" pitchFamily="34" charset="-120"/>
               </a:rPr>
-              <a:t>開啟我的眼  </a:t>
-            </a:r>
-            <a:r>
-              <a:rPr lang="zh-TW" altLang="en-US" sz="6400" b="1" dirty="0">
-                <a:solidFill>
-                  <a:srgbClr val="660033"/>
-                </a:solidFill>
-                <a:latin typeface="Microsoft JhengHei" panose="020B0604030504040204" pitchFamily="34" charset="-120"/>
-                <a:ea typeface="Microsoft JhengHei" panose="020B0604030504040204" pitchFamily="34" charset="-120"/>
-              </a:rPr>
-              <a:t> 信</a:t>
-            </a:r>
-            <a:r>
-              <a:rPr lang="zh-TW" altLang="en-US" sz="6400" b="1" dirty="0">
-                <a:solidFill>
-                  <a:srgbClr val="660033"/>
-                </a:solidFill>
-                <a:latin typeface="Microsoft JhengHei" panose="020B0604030504040204" pitchFamily="34" charset="-120"/>
-                <a:ea typeface="Microsoft JhengHei" panose="020B0604030504040204" pitchFamily="34" charset="-120"/>
-              </a:rPr>
-              <a:t>心的雙眼</a:t>
+              <a:t>開啟我的眼  信心的雙眼</a:t>
             </a:r>
             <a:endParaRPr lang="en-US" altLang="zh-TW" sz="6400" b="1" dirty="0">
               <a:solidFill>
-                <a:srgbClr val="660033"/>
+                <a:srgbClr val="000066"/>
               </a:solidFill>
-              <a:latin typeface="Microsoft JhengHei" panose="020B0604030504040204" pitchFamily="34" charset="-120"/>
-              <a:ea typeface="Microsoft JhengHei" panose="020B0604030504040204" pitchFamily="34" charset="-120"/>
+              <a:latin typeface="微軟正黑體" pitchFamily="34" charset="-120"/>
+              <a:ea typeface="微軟正黑體" pitchFamily="34" charset="-120"/>
             </a:endParaRPr>
           </a:p>
           <a:p>
-            <a:pPr marL="0" indent="0" algn="ctr">
+            <a:pPr algn="ctr">
               <a:buNone/>
             </a:pPr>
             <a:r>
               <a:rPr lang="zh-TW" altLang="en-US" sz="6400" b="1" dirty="0">
                 <a:solidFill>
-                  <a:srgbClr val="660033"/>
-                </a:solidFill>
-                <a:latin typeface="Microsoft JhengHei" panose="020B0604030504040204" pitchFamily="34" charset="-120"/>
-                <a:ea typeface="Microsoft JhengHei" panose="020B0604030504040204" pitchFamily="34" charset="-120"/>
+                  <a:srgbClr val="000066"/>
+                </a:solidFill>
+                <a:latin typeface="微軟正黑體" pitchFamily="34" charset="-120"/>
+                <a:ea typeface="微軟正黑體" pitchFamily="34" charset="-120"/>
               </a:rPr>
               <a:t>看那天使天軍在身邊</a:t>
             </a:r>
             <a:endParaRPr lang="en-US" altLang="zh-TW" sz="6400" b="1" dirty="0">
               <a:solidFill>
-                <a:srgbClr val="660033"/>
+                <a:srgbClr val="000066"/>
               </a:solidFill>
-              <a:latin typeface="Microsoft JhengHei" panose="020B0604030504040204" pitchFamily="34" charset="-120"/>
-              <a:ea typeface="Microsoft JhengHei" panose="020B0604030504040204" pitchFamily="34" charset="-120"/>
+              <a:latin typeface="微軟正黑體" pitchFamily="34" charset="-120"/>
+              <a:ea typeface="微軟正黑體" pitchFamily="34" charset="-120"/>
             </a:endParaRPr>
           </a:p>
         </p:txBody>
@@ -4207,8 +3922,8 @@
         </p:nvSpPr>
         <p:spPr>
           <a:xfrm>
-            <a:off x="0" y="5061182"/>
-            <a:ext cx="12192000" cy="830997"/>
+            <a:off x="0" y="5157193"/>
+            <a:ext cx="12192000" cy="584775"/>
           </a:xfrm>
           <a:prstGeom prst="rect">
             <a:avLst/>
@@ -4223,60 +3938,50 @@
           <a:p>
             <a:pPr algn="ctr"/>
             <a:r>
-              <a:rPr lang="en-US" sz="4800" b="1" dirty="0">
-                <a:solidFill>
-                  <a:srgbClr val="660033"/>
-                </a:solidFill>
-                <a:effectLst/>
+              <a:rPr lang="en-US" sz="3200" b="1" dirty="0">
+                <a:solidFill>
+                  <a:srgbClr val="000066"/>
+                </a:solidFill>
                 <a:latin typeface="Microsoft JhengHei" panose="020B0604030504040204" pitchFamily="34" charset="-120"/>
                 <a:ea typeface="Microsoft JhengHei" panose="020B0604030504040204" pitchFamily="34" charset="-120"/>
-                <a:cs typeface="Microsoft Himalaya" panose="01010100010101010101" pitchFamily="2" charset="0"/>
               </a:rPr>
               <a:t>( </a:t>
             </a:r>
             <a:r>
-              <a:rPr lang="zh-CN" altLang="en-US" sz="4800" b="1" dirty="0">
-                <a:solidFill>
-                  <a:srgbClr val="660033"/>
-                </a:solidFill>
-                <a:effectLst/>
+              <a:rPr lang="zh-CN" altLang="en-US" sz="3200" b="1" dirty="0">
+                <a:solidFill>
+                  <a:srgbClr val="000066"/>
+                </a:solidFill>
                 <a:latin typeface="Microsoft JhengHei" panose="020B0604030504040204" pitchFamily="34" charset="-120"/>
                 <a:ea typeface="Microsoft JhengHei" panose="020B0604030504040204" pitchFamily="34" charset="-120"/>
-                <a:cs typeface="Microsoft Himalaya" panose="01010100010101010101" pitchFamily="2" charset="0"/>
               </a:rPr>
-              <a:t>正 </a:t>
-            </a:r>
-            <a:r>
-              <a:rPr lang="en-US" altLang="zh-CN" sz="4800" b="1" dirty="0">
-                <a:solidFill>
-                  <a:srgbClr val="660033"/>
-                </a:solidFill>
-                <a:effectLst/>
+              <a:t>正歌 </a:t>
+            </a:r>
+            <a:r>
+              <a:rPr lang="en-US" altLang="zh-CN" sz="3200" b="1" dirty="0">
+                <a:solidFill>
+                  <a:srgbClr val="000066"/>
+                </a:solidFill>
                 <a:latin typeface="Microsoft JhengHei" panose="020B0604030504040204" pitchFamily="34" charset="-120"/>
                 <a:ea typeface="Microsoft JhengHei" panose="020B0604030504040204" pitchFamily="34" charset="-120"/>
-                <a:cs typeface="Microsoft Himalaya" panose="01010100010101010101" pitchFamily="2" charset="0"/>
               </a:rPr>
               <a:t>2</a:t>
             </a:r>
             <a:r>
-              <a:rPr lang="en-US" sz="4800" b="1" dirty="0">
-                <a:solidFill>
-                  <a:srgbClr val="660033"/>
-                </a:solidFill>
-                <a:effectLst/>
+              <a:rPr lang="en-US" sz="3200" b="1" dirty="0">
+                <a:solidFill>
+                  <a:srgbClr val="000066"/>
+                </a:solidFill>
                 <a:latin typeface="Microsoft JhengHei" panose="020B0604030504040204" pitchFamily="34" charset="-120"/>
                 <a:ea typeface="Microsoft JhengHei" panose="020B0604030504040204" pitchFamily="34" charset="-120"/>
-                <a:cs typeface="Microsoft Himalaya" panose="01010100010101010101" pitchFamily="2" charset="0"/>
               </a:rPr>
               <a:t> )</a:t>
             </a:r>
-            <a:endParaRPr lang="vi-VN" sz="4800" b="1" dirty="0">
+            <a:endParaRPr lang="vi-VN" sz="3200" b="1" dirty="0">
               <a:solidFill>
-                <a:srgbClr val="660033"/>
+                <a:srgbClr val="000066"/>
               </a:solidFill>
-              <a:effectLst/>
               <a:ea typeface="Microsoft JhengHei" panose="020B0604030504040204" pitchFamily="34" charset="-120"/>
-              <a:cs typeface="Microsoft Himalaya" panose="01010100010101010101" pitchFamily="2" charset="0"/>
             </a:endParaRPr>
           </a:p>
         </p:txBody>
@@ -4284,7 +3989,7 @@
     </p:spTree>
     <p:extLst>
       <p:ext uri="{BB962C8B-B14F-4D97-AF65-F5344CB8AC3E}">
-        <p14:creationId xmlns:p14="http://schemas.microsoft.com/office/powerpoint/2010/main" val="1958810826"/>
+        <p14:creationId xmlns:p14="http://schemas.microsoft.com/office/powerpoint/2010/main" val="602951151"/>
       </p:ext>
     </p:extLst>
   </p:cSld>
@@ -4333,77 +4038,47 @@
           </a:bodyPr>
           <a:lstStyle/>
           <a:p>
-            <a:pPr marL="0" indent="0" algn="ctr">
+            <a:pPr algn="ctr">
               <a:buNone/>
             </a:pPr>
             <a:r>
               <a:rPr lang="zh-TW" altLang="en-US" sz="6400" b="1" dirty="0">
                 <a:solidFill>
-                  <a:srgbClr val="660033"/>
-                </a:solidFill>
-                <a:latin typeface="Microsoft JhengHei" panose="020B0604030504040204" pitchFamily="34" charset="-120"/>
-                <a:ea typeface="Microsoft JhengHei" panose="020B0604030504040204" pitchFamily="34" charset="-120"/>
+                  <a:srgbClr val="000066"/>
+                </a:solidFill>
+                <a:latin typeface="微軟正黑體" pitchFamily="34" charset="-120"/>
+                <a:ea typeface="微軟正黑體" pitchFamily="34" charset="-120"/>
               </a:rPr>
-              <a:t>塑造我的心  </a:t>
-            </a:r>
-            <a:r>
-              <a:rPr lang="zh-TW" altLang="en-US" sz="6400" b="1" dirty="0">
-                <a:solidFill>
-                  <a:srgbClr val="660033"/>
-                </a:solidFill>
-                <a:latin typeface="Microsoft JhengHei" panose="020B0604030504040204" pitchFamily="34" charset="-120"/>
-                <a:ea typeface="Microsoft JhengHei" panose="020B0604030504040204" pitchFamily="34" charset="-120"/>
-              </a:rPr>
-              <a:t> 謙</a:t>
-            </a:r>
-            <a:r>
-              <a:rPr lang="zh-TW" altLang="en-US" sz="6400" b="1" dirty="0">
-                <a:solidFill>
-                  <a:srgbClr val="660033"/>
-                </a:solidFill>
-                <a:latin typeface="Microsoft JhengHei" panose="020B0604030504040204" pitchFamily="34" charset="-120"/>
-                <a:ea typeface="Microsoft JhengHei" panose="020B0604030504040204" pitchFamily="34" charset="-120"/>
-              </a:rPr>
-              <a:t>卑地聆聽</a:t>
+              <a:t>塑造我的心  謙卑地聆聽</a:t>
             </a:r>
             <a:endParaRPr lang="en-US" altLang="zh-TW" sz="6400" b="1" dirty="0">
               <a:solidFill>
-                <a:srgbClr val="660033"/>
+                <a:srgbClr val="000066"/>
               </a:solidFill>
-              <a:latin typeface="Microsoft JhengHei" panose="020B0604030504040204" pitchFamily="34" charset="-120"/>
-              <a:ea typeface="Microsoft JhengHei" panose="020B0604030504040204" pitchFamily="34" charset="-120"/>
+              <a:latin typeface="微軟正黑體" pitchFamily="34" charset="-120"/>
+              <a:ea typeface="微軟正黑體" pitchFamily="34" charset="-120"/>
             </a:endParaRPr>
           </a:p>
           <a:p>
-            <a:pPr marL="0" indent="0" algn="ctr">
+            <a:pPr algn="ctr">
               <a:buNone/>
             </a:pPr>
             <a:r>
-              <a:rPr lang="zh-CN" altLang="en-US" sz="6400" b="1" dirty="0">
-                <a:solidFill>
-                  <a:srgbClr val="660033"/>
-                </a:solidFill>
-                <a:latin typeface="Microsoft JhengHei" panose="020B0604030504040204" pitchFamily="34" charset="-120"/>
-                <a:ea typeface="Microsoft JhengHei" panose="020B0604030504040204" pitchFamily="34" charset="-120"/>
+              <a:rPr lang="zh-TW" altLang="en-US" sz="6400" b="1" dirty="0">
+                <a:solidFill>
+                  <a:srgbClr val="000066"/>
+                </a:solidFill>
+                <a:latin typeface="微軟正黑體" pitchFamily="34" charset="-120"/>
+                <a:ea typeface="微軟正黑體" pitchFamily="34" charset="-120"/>
               </a:rPr>
-              <a:t>袮</a:t>
-            </a:r>
-            <a:r>
-              <a:rPr lang="zh-TW" altLang="en-US" sz="6400" b="1" dirty="0">
-                <a:solidFill>
-                  <a:srgbClr val="660033"/>
-                </a:solidFill>
-                <a:latin typeface="Microsoft JhengHei" panose="020B0604030504040204" pitchFamily="34" charset="-120"/>
-                <a:ea typeface="Microsoft JhengHei" panose="020B0604030504040204" pitchFamily="34" charset="-120"/>
-              </a:rPr>
-              <a:t>的話語深植在我心</a:t>
-            </a:r>
-            <a:endParaRPr lang="vi-VN" sz="6400" b="1" dirty="0">
+              <a:t>祢的話語深植在我心</a:t>
+            </a:r>
+            <a:endParaRPr lang="en-US" altLang="zh-TW" sz="6400" b="1" dirty="0">
               <a:solidFill>
-                <a:srgbClr val="660033"/>
+                <a:srgbClr val="000066"/>
               </a:solidFill>
-              <a:latin typeface="Microsoft JhengHei" panose="020B0604030504040204" pitchFamily="34" charset="-120"/>
-              <a:ea typeface="Microsoft JhengHei" panose="020B0604030504040204" pitchFamily="34" charset="-120"/>
+              <a:latin typeface="微軟正黑體" pitchFamily="34" charset="-120"/>
+              <a:ea typeface="微軟正黑體" pitchFamily="34" charset="-120"/>
             </a:endParaRPr>
           </a:p>
         </p:txBody>
@@ -4416,8 +4091,8 @@
         </p:nvSpPr>
         <p:spPr>
           <a:xfrm>
-            <a:off x="0" y="5061182"/>
-            <a:ext cx="12192000" cy="830997"/>
+            <a:off x="0" y="5157193"/>
+            <a:ext cx="12192000" cy="584775"/>
           </a:xfrm>
           <a:prstGeom prst="rect">
             <a:avLst/>
@@ -4432,60 +4107,50 @@
           <a:p>
             <a:pPr algn="ctr"/>
             <a:r>
-              <a:rPr lang="en-US" sz="4800" b="1" dirty="0">
-                <a:solidFill>
-                  <a:srgbClr val="660033"/>
-                </a:solidFill>
-                <a:effectLst/>
+              <a:rPr lang="en-US" sz="3200" b="1" dirty="0">
+                <a:solidFill>
+                  <a:srgbClr val="000066"/>
+                </a:solidFill>
                 <a:latin typeface="Microsoft JhengHei" panose="020B0604030504040204" pitchFamily="34" charset="-120"/>
                 <a:ea typeface="Microsoft JhengHei" panose="020B0604030504040204" pitchFamily="34" charset="-120"/>
-                <a:cs typeface="Microsoft Himalaya" panose="01010100010101010101" pitchFamily="2" charset="0"/>
               </a:rPr>
               <a:t>( </a:t>
             </a:r>
             <a:r>
-              <a:rPr lang="zh-CN" altLang="en-US" sz="4800" b="1" dirty="0">
-                <a:solidFill>
-                  <a:srgbClr val="660033"/>
-                </a:solidFill>
-                <a:effectLst/>
+              <a:rPr lang="zh-CN" altLang="en-US" sz="3200" b="1" dirty="0">
+                <a:solidFill>
+                  <a:srgbClr val="000066"/>
+                </a:solidFill>
                 <a:latin typeface="Microsoft JhengHei" panose="020B0604030504040204" pitchFamily="34" charset="-120"/>
                 <a:ea typeface="Microsoft JhengHei" panose="020B0604030504040204" pitchFamily="34" charset="-120"/>
-                <a:cs typeface="Microsoft Himalaya" panose="01010100010101010101" pitchFamily="2" charset="0"/>
               </a:rPr>
-              <a:t>正 </a:t>
-            </a:r>
-            <a:r>
-              <a:rPr lang="en-US" altLang="zh-CN" sz="4800" b="1" dirty="0">
-                <a:solidFill>
-                  <a:srgbClr val="660033"/>
-                </a:solidFill>
-                <a:effectLst/>
+              <a:t>正歌 </a:t>
+            </a:r>
+            <a:r>
+              <a:rPr lang="en-US" altLang="zh-CN" sz="3200" b="1" dirty="0">
+                <a:solidFill>
+                  <a:srgbClr val="000066"/>
+                </a:solidFill>
                 <a:latin typeface="Microsoft JhengHei" panose="020B0604030504040204" pitchFamily="34" charset="-120"/>
                 <a:ea typeface="Microsoft JhengHei" panose="020B0604030504040204" pitchFamily="34" charset="-120"/>
-                <a:cs typeface="Microsoft Himalaya" panose="01010100010101010101" pitchFamily="2" charset="0"/>
               </a:rPr>
               <a:t>2</a:t>
             </a:r>
             <a:r>
-              <a:rPr lang="en-US" sz="4800" b="1" dirty="0">
-                <a:solidFill>
-                  <a:srgbClr val="660033"/>
-                </a:solidFill>
-                <a:effectLst/>
+              <a:rPr lang="en-US" sz="3200" b="1" dirty="0">
+                <a:solidFill>
+                  <a:srgbClr val="000066"/>
+                </a:solidFill>
                 <a:latin typeface="Microsoft JhengHei" panose="020B0604030504040204" pitchFamily="34" charset="-120"/>
                 <a:ea typeface="Microsoft JhengHei" panose="020B0604030504040204" pitchFamily="34" charset="-120"/>
-                <a:cs typeface="Microsoft Himalaya" panose="01010100010101010101" pitchFamily="2" charset="0"/>
               </a:rPr>
               <a:t> )</a:t>
             </a:r>
-            <a:endParaRPr lang="vi-VN" sz="4800" b="1" dirty="0">
+            <a:endParaRPr lang="vi-VN" sz="3200" b="1" dirty="0">
               <a:solidFill>
-                <a:srgbClr val="660033"/>
+                <a:srgbClr val="000066"/>
               </a:solidFill>
-              <a:effectLst/>
               <a:ea typeface="Microsoft JhengHei" panose="020B0604030504040204" pitchFamily="34" charset="-120"/>
-              <a:cs typeface="Microsoft Himalaya" panose="01010100010101010101" pitchFamily="2" charset="0"/>
             </a:endParaRPr>
           </a:p>
         </p:txBody>
@@ -4493,7 +4158,7 @@
     </p:spTree>
     <p:extLst>
       <p:ext uri="{BB962C8B-B14F-4D97-AF65-F5344CB8AC3E}">
-        <p14:creationId xmlns:p14="http://schemas.microsoft.com/office/powerpoint/2010/main" val="1389664983"/>
+        <p14:creationId xmlns:p14="http://schemas.microsoft.com/office/powerpoint/2010/main" val="2973656220"/>
       </p:ext>
     </p:extLst>
   </p:cSld>
@@ -4542,127 +4207,47 @@
           </a:bodyPr>
           <a:lstStyle/>
           <a:p>
-            <a:pPr marL="0" indent="0" algn="ctr">
+            <a:pPr algn="ctr">
               <a:buNone/>
             </a:pPr>
             <a:r>
               <a:rPr lang="zh-TW" altLang="en-US" sz="6400" b="1" dirty="0">
                 <a:solidFill>
-                  <a:srgbClr val="660033"/>
-                </a:solidFill>
-                <a:latin typeface="Microsoft JhengHei" panose="020B0604030504040204" pitchFamily="34" charset="-120"/>
-                <a:ea typeface="Microsoft JhengHei" panose="020B0604030504040204" pitchFamily="34" charset="-120"/>
+                  <a:srgbClr val="000066"/>
+                </a:solidFill>
+                <a:latin typeface="微軟正黑體" pitchFamily="34" charset="-120"/>
+                <a:ea typeface="微軟正黑體" pitchFamily="34" charset="-120"/>
               </a:rPr>
-              <a:t>因</a:t>
-            </a:r>
-            <a:r>
-              <a:rPr lang="zh-CN" altLang="en-US" sz="6400" b="1" dirty="0">
-                <a:solidFill>
-                  <a:srgbClr val="660033"/>
-                </a:solidFill>
-                <a:latin typeface="Microsoft JhengHei" panose="020B0604030504040204" pitchFamily="34" charset="-120"/>
-                <a:ea typeface="Microsoft JhengHei" panose="020B0604030504040204" pitchFamily="34" charset="-120"/>
-              </a:rPr>
-              <a:t>袮</a:t>
-            </a:r>
-            <a:r>
-              <a:rPr lang="zh-TW" altLang="en-US" sz="6400" b="1" dirty="0">
-                <a:solidFill>
-                  <a:srgbClr val="660033"/>
-                </a:solidFill>
-                <a:latin typeface="Microsoft JhengHei" panose="020B0604030504040204" pitchFamily="34" charset="-120"/>
-                <a:ea typeface="Microsoft JhengHei" panose="020B0604030504040204" pitchFamily="34" charset="-120"/>
-              </a:rPr>
-              <a:t>是萬王之王  </a:t>
-            </a:r>
-            <a:r>
-              <a:rPr lang="zh-TW" altLang="en-US" sz="6400" b="1" dirty="0">
-                <a:solidFill>
-                  <a:srgbClr val="660033"/>
-                </a:solidFill>
-                <a:latin typeface="Microsoft JhengHei" panose="020B0604030504040204" pitchFamily="34" charset="-120"/>
-                <a:ea typeface="Microsoft JhengHei" panose="020B0604030504040204" pitchFamily="34" charset="-120"/>
-              </a:rPr>
-              <a:t> 萬</a:t>
-            </a:r>
-            <a:r>
-              <a:rPr lang="zh-TW" altLang="en-US" sz="6400" b="1" dirty="0">
-                <a:solidFill>
-                  <a:srgbClr val="660033"/>
-                </a:solidFill>
-                <a:latin typeface="Microsoft JhengHei" panose="020B0604030504040204" pitchFamily="34" charset="-120"/>
-                <a:ea typeface="Microsoft JhengHei" panose="020B0604030504040204" pitchFamily="34" charset="-120"/>
-              </a:rPr>
-              <a:t>主之主</a:t>
+              <a:t>因祢是  萬王之王  萬主之主</a:t>
             </a:r>
             <a:endParaRPr lang="en-US" altLang="zh-TW" sz="6400" b="1" dirty="0">
               <a:solidFill>
-                <a:srgbClr val="660033"/>
+                <a:srgbClr val="000066"/>
               </a:solidFill>
-              <a:latin typeface="Microsoft JhengHei" panose="020B0604030504040204" pitchFamily="34" charset="-120"/>
-              <a:ea typeface="Microsoft JhengHei" panose="020B0604030504040204" pitchFamily="34" charset="-120"/>
+              <a:latin typeface="微軟正黑體" pitchFamily="34" charset="-120"/>
+              <a:ea typeface="微軟正黑體" pitchFamily="34" charset="-120"/>
             </a:endParaRPr>
           </a:p>
           <a:p>
-            <a:pPr marL="0" indent="0" algn="ctr">
+            <a:pPr algn="ctr">
               <a:buNone/>
             </a:pPr>
             <a:r>
               <a:rPr lang="zh-TW" altLang="en-US" sz="6400" b="1" dirty="0">
                 <a:solidFill>
-                  <a:srgbClr val="660033"/>
-                </a:solidFill>
-                <a:latin typeface="Microsoft JhengHei" panose="020B0604030504040204" pitchFamily="34" charset="-120"/>
-                <a:ea typeface="Microsoft JhengHei" panose="020B0604030504040204" pitchFamily="34" charset="-120"/>
+                  <a:srgbClr val="000066"/>
+                </a:solidFill>
+                <a:latin typeface="微軟正黑體" pitchFamily="34" charset="-120"/>
+                <a:ea typeface="微軟正黑體" pitchFamily="34" charset="-120"/>
               </a:rPr>
-              <a:t>有</a:t>
-            </a:r>
-            <a:r>
-              <a:rPr lang="zh-CN" altLang="en-US" sz="6400" b="1" dirty="0">
-                <a:solidFill>
-                  <a:srgbClr val="660033"/>
-                </a:solidFill>
-                <a:latin typeface="Microsoft JhengHei" panose="020B0604030504040204" pitchFamily="34" charset="-120"/>
-                <a:ea typeface="Microsoft JhengHei" panose="020B0604030504040204" pitchFamily="34" charset="-120"/>
-              </a:rPr>
-              <a:t>袮</a:t>
-            </a:r>
-            <a:r>
-              <a:rPr lang="zh-TW" altLang="en-US" sz="6400" b="1" dirty="0">
-                <a:solidFill>
-                  <a:srgbClr val="660033"/>
-                </a:solidFill>
-                <a:latin typeface="Microsoft JhengHei" panose="020B0604030504040204" pitchFamily="34" charset="-120"/>
-                <a:ea typeface="Microsoft JhengHei" panose="020B0604030504040204" pitchFamily="34" charset="-120"/>
-              </a:rPr>
-              <a:t>跟著我  </a:t>
-            </a:r>
-            <a:r>
-              <a:rPr lang="zh-TW" altLang="en-US" sz="6400" b="1" dirty="0">
-                <a:solidFill>
-                  <a:srgbClr val="660033"/>
-                </a:solidFill>
-                <a:latin typeface="Microsoft JhengHei" panose="020B0604030504040204" pitchFamily="34" charset="-120"/>
-                <a:ea typeface="Microsoft JhengHei" panose="020B0604030504040204" pitchFamily="34" charset="-120"/>
-              </a:rPr>
-              <a:t> 我</a:t>
-            </a:r>
-            <a:r>
-              <a:rPr lang="zh-TW" altLang="en-US" sz="6400" b="1" dirty="0">
-                <a:solidFill>
-                  <a:srgbClr val="660033"/>
-                </a:solidFill>
-                <a:latin typeface="Microsoft JhengHei" panose="020B0604030504040204" pitchFamily="34" charset="-120"/>
-                <a:ea typeface="Microsoft JhengHei" panose="020B0604030504040204" pitchFamily="34" charset="-120"/>
-              </a:rPr>
-              <a:t>還怕什麼</a:t>
+              <a:t>有祢跟著我  我還怕什麼 </a:t>
             </a:r>
             <a:endParaRPr lang="en-US" altLang="zh-TW" sz="6400" b="1" dirty="0">
               <a:solidFill>
-                <a:srgbClr val="660033"/>
+                <a:srgbClr val="000066"/>
               </a:solidFill>
-              <a:latin typeface="Microsoft JhengHei" panose="020B0604030504040204" pitchFamily="34" charset="-120"/>
-              <a:ea typeface="Microsoft JhengHei" panose="020B0604030504040204" pitchFamily="34" charset="-120"/>
+              <a:latin typeface="微軟正黑體" pitchFamily="34" charset="-120"/>
+              <a:ea typeface="微軟正黑體" pitchFamily="34" charset="-120"/>
             </a:endParaRPr>
           </a:p>
         </p:txBody>
@@ -4675,8 +4260,8 @@
         </p:nvSpPr>
         <p:spPr>
           <a:xfrm>
-            <a:off x="0" y="5061182"/>
-            <a:ext cx="12192000" cy="830997"/>
+            <a:off x="0" y="5157193"/>
+            <a:ext cx="12192000" cy="584775"/>
           </a:xfrm>
           <a:prstGeom prst="rect">
             <a:avLst/>
@@ -4691,48 +4276,40 @@
           <a:p>
             <a:pPr algn="ctr"/>
             <a:r>
-              <a:rPr lang="en-US" sz="4800" b="1" dirty="0">
-                <a:solidFill>
-                  <a:srgbClr val="660033"/>
-                </a:solidFill>
-                <a:effectLst/>
+              <a:rPr lang="en-US" sz="3200" b="1" dirty="0">
+                <a:solidFill>
+                  <a:srgbClr val="000066"/>
+                </a:solidFill>
                 <a:latin typeface="Microsoft JhengHei" panose="020B0604030504040204" pitchFamily="34" charset="-120"/>
                 <a:ea typeface="Microsoft JhengHei" panose="020B0604030504040204" pitchFamily="34" charset="-120"/>
-                <a:cs typeface="Microsoft Himalaya" panose="01010100010101010101" pitchFamily="2" charset="0"/>
               </a:rPr>
               <a:t>( </a:t>
             </a:r>
             <a:r>
-              <a:rPr lang="zh-CN" altLang="en-US" sz="4800" b="1" dirty="0">
-                <a:solidFill>
-                  <a:srgbClr val="660033"/>
-                </a:solidFill>
-                <a:effectLst/>
+              <a:rPr lang="zh-CN" altLang="en-US" sz="3200" b="1" dirty="0">
+                <a:solidFill>
+                  <a:srgbClr val="000066"/>
+                </a:solidFill>
                 <a:latin typeface="Microsoft JhengHei" panose="020B0604030504040204" pitchFamily="34" charset="-120"/>
                 <a:ea typeface="Microsoft JhengHei" panose="020B0604030504040204" pitchFamily="34" charset="-120"/>
-                <a:cs typeface="Microsoft Himalaya" panose="01010100010101010101" pitchFamily="2" charset="0"/>
               </a:rPr>
-              <a:t>副</a:t>
-            </a:r>
-            <a:r>
-              <a:rPr lang="en-US" sz="4800" b="1" dirty="0">
-                <a:solidFill>
-                  <a:srgbClr val="660033"/>
-                </a:solidFill>
-                <a:effectLst/>
+              <a:t>副歌</a:t>
+            </a:r>
+            <a:r>
+              <a:rPr lang="en-US" sz="3200" b="1" dirty="0">
+                <a:solidFill>
+                  <a:srgbClr val="000066"/>
+                </a:solidFill>
                 <a:latin typeface="Microsoft JhengHei" panose="020B0604030504040204" pitchFamily="34" charset="-120"/>
                 <a:ea typeface="Microsoft JhengHei" panose="020B0604030504040204" pitchFamily="34" charset="-120"/>
-                <a:cs typeface="Microsoft Himalaya" panose="01010100010101010101" pitchFamily="2" charset="0"/>
               </a:rPr>
               <a:t> )</a:t>
             </a:r>
-            <a:endParaRPr lang="vi-VN" sz="4800" b="1" dirty="0">
+            <a:endParaRPr lang="vi-VN" sz="3200" b="1" dirty="0">
               <a:solidFill>
-                <a:srgbClr val="660033"/>
+                <a:srgbClr val="000066"/>
               </a:solidFill>
-              <a:effectLst/>
               <a:ea typeface="Microsoft JhengHei" panose="020B0604030504040204" pitchFamily="34" charset="-120"/>
-              <a:cs typeface="Microsoft Himalaya" panose="01010100010101010101" pitchFamily="2" charset="0"/>
             </a:endParaRPr>
           </a:p>
         </p:txBody>
@@ -4740,7 +4317,7 @@
     </p:spTree>
     <p:extLst>
       <p:ext uri="{BB962C8B-B14F-4D97-AF65-F5344CB8AC3E}">
-        <p14:creationId xmlns:p14="http://schemas.microsoft.com/office/powerpoint/2010/main" val="805088433"/>
+        <p14:creationId xmlns:p14="http://schemas.microsoft.com/office/powerpoint/2010/main" val="1524972237"/>
       </p:ext>
     </p:extLst>
   </p:cSld>
@@ -4789,87 +4366,47 @@
           </a:bodyPr>
           <a:lstStyle/>
           <a:p>
-            <a:pPr marL="0" indent="0" algn="ctr">
+            <a:pPr algn="ctr">
               <a:buNone/>
             </a:pPr>
             <a:r>
               <a:rPr lang="zh-TW" altLang="en-US" sz="6400" b="1" dirty="0">
                 <a:solidFill>
-                  <a:srgbClr val="660033"/>
-                </a:solidFill>
-                <a:latin typeface="Microsoft JhengHei" panose="020B0604030504040204" pitchFamily="34" charset="-120"/>
-                <a:ea typeface="Microsoft JhengHei" panose="020B0604030504040204" pitchFamily="34" charset="-120"/>
+                  <a:srgbClr val="000066"/>
+                </a:solidFill>
+                <a:latin typeface="微軟正黑體" pitchFamily="34" charset="-120"/>
+                <a:ea typeface="微軟正黑體" pitchFamily="34" charset="-120"/>
               </a:rPr>
-              <a:t>因</a:t>
-            </a:r>
-            <a:r>
-              <a:rPr lang="zh-CN" altLang="en-US" sz="6400" b="1" dirty="0">
-                <a:solidFill>
-                  <a:srgbClr val="660033"/>
-                </a:solidFill>
-                <a:latin typeface="Microsoft JhengHei" panose="020B0604030504040204" pitchFamily="34" charset="-120"/>
-                <a:ea typeface="Microsoft JhengHei" panose="020B0604030504040204" pitchFamily="34" charset="-120"/>
-              </a:rPr>
-              <a:t>袮</a:t>
-            </a:r>
-            <a:r>
-              <a:rPr lang="zh-TW" altLang="en-US" sz="6400" b="1" dirty="0">
-                <a:solidFill>
-                  <a:srgbClr val="660033"/>
-                </a:solidFill>
-                <a:latin typeface="Microsoft JhengHei" panose="020B0604030504040204" pitchFamily="34" charset="-120"/>
-                <a:ea typeface="Microsoft JhengHei" panose="020B0604030504040204" pitchFamily="34" charset="-120"/>
-              </a:rPr>
-              <a:t>已戰勝死亡  </a:t>
-            </a:r>
-            <a:r>
-              <a:rPr lang="zh-TW" altLang="en-US" sz="6400" b="1" dirty="0">
-                <a:solidFill>
-                  <a:srgbClr val="660033"/>
-                </a:solidFill>
-                <a:latin typeface="Microsoft JhengHei" panose="020B0604030504040204" pitchFamily="34" charset="-120"/>
-                <a:ea typeface="Microsoft JhengHei" panose="020B0604030504040204" pitchFamily="34" charset="-120"/>
-              </a:rPr>
-              <a:t> 得</a:t>
-            </a:r>
-            <a:r>
-              <a:rPr lang="zh-TW" altLang="en-US" sz="6400" b="1" dirty="0">
-                <a:solidFill>
-                  <a:srgbClr val="660033"/>
-                </a:solidFill>
-                <a:latin typeface="Microsoft JhengHei" panose="020B0604030504040204" pitchFamily="34" charset="-120"/>
-                <a:ea typeface="Microsoft JhengHei" panose="020B0604030504040204" pitchFamily="34" charset="-120"/>
-              </a:rPr>
-              <a:t>勝君王</a:t>
+              <a:t>因祢已  戰勝死亡  得勝君王</a:t>
             </a:r>
             <a:endParaRPr lang="en-US" altLang="zh-TW" sz="6400" b="1" dirty="0">
               <a:solidFill>
-                <a:srgbClr val="660033"/>
+                <a:srgbClr val="000066"/>
               </a:solidFill>
-              <a:latin typeface="Microsoft JhengHei" panose="020B0604030504040204" pitchFamily="34" charset="-120"/>
-              <a:ea typeface="Microsoft JhengHei" panose="020B0604030504040204" pitchFamily="34" charset="-120"/>
+              <a:latin typeface="微軟正黑體" pitchFamily="34" charset="-120"/>
+              <a:ea typeface="微軟正黑體" pitchFamily="34" charset="-120"/>
             </a:endParaRPr>
           </a:p>
           <a:p>
-            <a:pPr marL="0" indent="0" algn="ctr">
+            <a:pPr algn="ctr">
               <a:buNone/>
             </a:pPr>
             <a:r>
               <a:rPr lang="zh-TW" altLang="en-US" sz="6400" b="1" dirty="0">
                 <a:solidFill>
-                  <a:srgbClr val="660033"/>
-                </a:solidFill>
-                <a:latin typeface="Microsoft JhengHei" panose="020B0604030504040204" pitchFamily="34" charset="-120"/>
-                <a:ea typeface="Microsoft JhengHei" panose="020B0604030504040204" pitchFamily="34" charset="-120"/>
+                  <a:srgbClr val="000066"/>
+                </a:solidFill>
+                <a:latin typeface="微軟正黑體" pitchFamily="34" charset="-120"/>
+                <a:ea typeface="微軟正黑體" pitchFamily="34" charset="-120"/>
               </a:rPr>
-              <a:t>這信心的路我永不回頭</a:t>
-            </a:r>
-            <a:endParaRPr lang="vi-VN" sz="6400" b="1" dirty="0">
+              <a:t>這信心的路 我永不回頭</a:t>
+            </a:r>
+            <a:endParaRPr lang="en-US" altLang="zh-TW" sz="6400" b="1" dirty="0">
               <a:solidFill>
-                <a:srgbClr val="660033"/>
+                <a:srgbClr val="000066"/>
               </a:solidFill>
-              <a:latin typeface="Microsoft JhengHei" panose="020B0604030504040204" pitchFamily="34" charset="-120"/>
-              <a:ea typeface="Microsoft JhengHei" panose="020B0604030504040204" pitchFamily="34" charset="-120"/>
+              <a:latin typeface="微軟正黑體" pitchFamily="34" charset="-120"/>
+              <a:ea typeface="微軟正黑體" pitchFamily="34" charset="-120"/>
             </a:endParaRPr>
           </a:p>
         </p:txBody>
@@ -4882,8 +4419,8 @@
         </p:nvSpPr>
         <p:spPr>
           <a:xfrm>
-            <a:off x="0" y="5061182"/>
-            <a:ext cx="12192000" cy="830997"/>
+            <a:off x="0" y="5157193"/>
+            <a:ext cx="12192000" cy="584775"/>
           </a:xfrm>
           <a:prstGeom prst="rect">
             <a:avLst/>
@@ -4898,48 +4435,40 @@
           <a:p>
             <a:pPr algn="ctr"/>
             <a:r>
-              <a:rPr lang="en-US" sz="4800" b="1" dirty="0">
-                <a:solidFill>
-                  <a:srgbClr val="660033"/>
-                </a:solidFill>
-                <a:effectLst/>
+              <a:rPr lang="en-US" sz="3200" b="1" dirty="0">
+                <a:solidFill>
+                  <a:srgbClr val="000066"/>
+                </a:solidFill>
                 <a:latin typeface="Microsoft JhengHei" panose="020B0604030504040204" pitchFamily="34" charset="-120"/>
                 <a:ea typeface="Microsoft JhengHei" panose="020B0604030504040204" pitchFamily="34" charset="-120"/>
-                <a:cs typeface="Microsoft Himalaya" panose="01010100010101010101" pitchFamily="2" charset="0"/>
               </a:rPr>
               <a:t>( </a:t>
             </a:r>
             <a:r>
-              <a:rPr lang="zh-CN" altLang="en-US" sz="4800" b="1" dirty="0">
-                <a:solidFill>
-                  <a:srgbClr val="660033"/>
-                </a:solidFill>
-                <a:effectLst/>
+              <a:rPr lang="zh-CN" altLang="en-US" sz="3200" b="1" dirty="0">
+                <a:solidFill>
+                  <a:srgbClr val="000066"/>
+                </a:solidFill>
                 <a:latin typeface="Microsoft JhengHei" panose="020B0604030504040204" pitchFamily="34" charset="-120"/>
                 <a:ea typeface="Microsoft JhengHei" panose="020B0604030504040204" pitchFamily="34" charset="-120"/>
-                <a:cs typeface="Microsoft Himalaya" panose="01010100010101010101" pitchFamily="2" charset="0"/>
               </a:rPr>
-              <a:t>副</a:t>
-            </a:r>
-            <a:r>
-              <a:rPr lang="en-US" sz="4800" b="1" dirty="0">
-                <a:solidFill>
-                  <a:srgbClr val="660033"/>
-                </a:solidFill>
-                <a:effectLst/>
+              <a:t>副歌</a:t>
+            </a:r>
+            <a:r>
+              <a:rPr lang="en-US" sz="3200" b="1" dirty="0">
+                <a:solidFill>
+                  <a:srgbClr val="000066"/>
+                </a:solidFill>
                 <a:latin typeface="Microsoft JhengHei" panose="020B0604030504040204" pitchFamily="34" charset="-120"/>
                 <a:ea typeface="Microsoft JhengHei" panose="020B0604030504040204" pitchFamily="34" charset="-120"/>
-                <a:cs typeface="Microsoft Himalaya" panose="01010100010101010101" pitchFamily="2" charset="0"/>
               </a:rPr>
               <a:t> )</a:t>
             </a:r>
-            <a:endParaRPr lang="vi-VN" sz="4800" b="1" dirty="0">
+            <a:endParaRPr lang="vi-VN" sz="3200" b="1" dirty="0">
               <a:solidFill>
-                <a:srgbClr val="660033"/>
+                <a:srgbClr val="000066"/>
               </a:solidFill>
-              <a:effectLst/>
               <a:ea typeface="Microsoft JhengHei" panose="020B0604030504040204" pitchFamily="34" charset="-120"/>
-              <a:cs typeface="Microsoft Himalaya" panose="01010100010101010101" pitchFamily="2" charset="0"/>
             </a:endParaRPr>
           </a:p>
         </p:txBody>
@@ -4947,7 +4476,7 @@
     </p:spTree>
     <p:extLst>
       <p:ext uri="{BB962C8B-B14F-4D97-AF65-F5344CB8AC3E}">
-        <p14:creationId xmlns:p14="http://schemas.microsoft.com/office/powerpoint/2010/main" val="1278083542"/>
+        <p14:creationId xmlns:p14="http://schemas.microsoft.com/office/powerpoint/2010/main" val="2479455636"/>
       </p:ext>
     </p:extLst>
   </p:cSld>
